--- a/doc/12week.pptx
+++ b/doc/12week.pptx
@@ -279,7 +279,7 @@
           <a:p>
             <a:fld id="{BEA2738C-BD62-4DE3-85BC-1FBFC6A7E96D}" type="datetimeFigureOut">
               <a:rPr lang="ko-KR" altLang="en-US" smtClean="0"/>
-              <a:t>2019-05-27</a:t>
+              <a:t>2019-05-28</a:t>
             </a:fld>
             <a:endParaRPr lang="ko-KR" altLang="en-US"/>
           </a:p>
@@ -477,7 +477,7 @@
           <a:p>
             <a:fld id="{BEA2738C-BD62-4DE3-85BC-1FBFC6A7E96D}" type="datetimeFigureOut">
               <a:rPr lang="ko-KR" altLang="en-US" smtClean="0"/>
-              <a:t>2019-05-27</a:t>
+              <a:t>2019-05-28</a:t>
             </a:fld>
             <a:endParaRPr lang="ko-KR" altLang="en-US"/>
           </a:p>
@@ -685,7 +685,7 @@
           <a:p>
             <a:fld id="{BEA2738C-BD62-4DE3-85BC-1FBFC6A7E96D}" type="datetimeFigureOut">
               <a:rPr lang="ko-KR" altLang="en-US" smtClean="0"/>
-              <a:t>2019-05-27</a:t>
+              <a:t>2019-05-28</a:t>
             </a:fld>
             <a:endParaRPr lang="ko-KR" altLang="en-US"/>
           </a:p>
@@ -883,7 +883,7 @@
           <a:p>
             <a:fld id="{BEA2738C-BD62-4DE3-85BC-1FBFC6A7E96D}" type="datetimeFigureOut">
               <a:rPr lang="ko-KR" altLang="en-US" smtClean="0"/>
-              <a:t>2019-05-27</a:t>
+              <a:t>2019-05-28</a:t>
             </a:fld>
             <a:endParaRPr lang="ko-KR" altLang="en-US"/>
           </a:p>
@@ -1158,7 +1158,7 @@
           <a:p>
             <a:fld id="{BEA2738C-BD62-4DE3-85BC-1FBFC6A7E96D}" type="datetimeFigureOut">
               <a:rPr lang="ko-KR" altLang="en-US" smtClean="0"/>
-              <a:t>2019-05-27</a:t>
+              <a:t>2019-05-28</a:t>
             </a:fld>
             <a:endParaRPr lang="ko-KR" altLang="en-US"/>
           </a:p>
@@ -1423,7 +1423,7 @@
           <a:p>
             <a:fld id="{BEA2738C-BD62-4DE3-85BC-1FBFC6A7E96D}" type="datetimeFigureOut">
               <a:rPr lang="ko-KR" altLang="en-US" smtClean="0"/>
-              <a:t>2019-05-27</a:t>
+              <a:t>2019-05-28</a:t>
             </a:fld>
             <a:endParaRPr lang="ko-KR" altLang="en-US"/>
           </a:p>
@@ -1835,7 +1835,7 @@
           <a:p>
             <a:fld id="{BEA2738C-BD62-4DE3-85BC-1FBFC6A7E96D}" type="datetimeFigureOut">
               <a:rPr lang="ko-KR" altLang="en-US" smtClean="0"/>
-              <a:t>2019-05-27</a:t>
+              <a:t>2019-05-28</a:t>
             </a:fld>
             <a:endParaRPr lang="ko-KR" altLang="en-US"/>
           </a:p>
@@ -1976,7 +1976,7 @@
           <a:p>
             <a:fld id="{BEA2738C-BD62-4DE3-85BC-1FBFC6A7E96D}" type="datetimeFigureOut">
               <a:rPr lang="ko-KR" altLang="en-US" smtClean="0"/>
-              <a:t>2019-05-27</a:t>
+              <a:t>2019-05-28</a:t>
             </a:fld>
             <a:endParaRPr lang="ko-KR" altLang="en-US"/>
           </a:p>
@@ -2089,7 +2089,7 @@
           <a:p>
             <a:fld id="{BEA2738C-BD62-4DE3-85BC-1FBFC6A7E96D}" type="datetimeFigureOut">
               <a:rPr lang="ko-KR" altLang="en-US" smtClean="0"/>
-              <a:t>2019-05-27</a:t>
+              <a:t>2019-05-28</a:t>
             </a:fld>
             <a:endParaRPr lang="ko-KR" altLang="en-US"/>
           </a:p>
@@ -2400,7 +2400,7 @@
           <a:p>
             <a:fld id="{BEA2738C-BD62-4DE3-85BC-1FBFC6A7E96D}" type="datetimeFigureOut">
               <a:rPr lang="ko-KR" altLang="en-US" smtClean="0"/>
-              <a:t>2019-05-27</a:t>
+              <a:t>2019-05-28</a:t>
             </a:fld>
             <a:endParaRPr lang="ko-KR" altLang="en-US"/>
           </a:p>
@@ -2688,7 +2688,7 @@
           <a:p>
             <a:fld id="{BEA2738C-BD62-4DE3-85BC-1FBFC6A7E96D}" type="datetimeFigureOut">
               <a:rPr lang="ko-KR" altLang="en-US" smtClean="0"/>
-              <a:t>2019-05-27</a:t>
+              <a:t>2019-05-28</a:t>
             </a:fld>
             <a:endParaRPr lang="ko-KR" altLang="en-US"/>
           </a:p>
@@ -2929,7 +2929,7 @@
           <a:p>
             <a:fld id="{BEA2738C-BD62-4DE3-85BC-1FBFC6A7E96D}" type="datetimeFigureOut">
               <a:rPr lang="ko-KR" altLang="en-US" smtClean="0"/>
-              <a:t>2019-05-27</a:t>
+              <a:t>2019-05-28</a:t>
             </a:fld>
             <a:endParaRPr lang="ko-KR" altLang="en-US"/>
           </a:p>
@@ -3479,7 +3479,7 @@
           <a:p>
             <a:fld id="{15FE3A75-6610-494F-911B-E9C2D085BFB9}" type="datetime1">
               <a:rPr lang="ko-KR" altLang="en-US" smtClean="0"/>
-              <a:t>2019-05-27</a:t>
+              <a:t>2019-05-28</a:t>
             </a:fld>
             <a:endParaRPr lang="ko-KR" altLang="en-US"/>
           </a:p>
@@ -3662,49 +3662,12 @@
           <a:chExt cx="0" cy="0"/>
         </a:xfrm>
       </p:grpSpPr>
-      <p:sp>
-        <p:nvSpPr>
-          <p:cNvPr id="2" name="제목 1">
-            <a:extLst>
-              <a:ext uri="{FF2B5EF4-FFF2-40B4-BE49-F238E27FC236}">
-                <a16:creationId xmlns:a16="http://schemas.microsoft.com/office/drawing/2014/main" id="{63BAC052-2664-40DE-A2C6-0AD8A9257BC3}"/>
-              </a:ext>
-            </a:extLst>
-          </p:cNvPr>
-          <p:cNvSpPr>
-            <a:spLocks noGrp="1"/>
-          </p:cNvSpPr>
-          <p:nvPr>
-            <p:ph type="title"/>
-          </p:nvPr>
-        </p:nvSpPr>
-        <p:spPr/>
-        <p:txBody>
-          <a:bodyPr/>
-          <a:lstStyle/>
-          <a:p>
-            <a:r>
-              <a:rPr lang="en-US" altLang="ko-KR" dirty="0"/>
-              <a:t>SVD </a:t>
-            </a:r>
-            <a:r>
-              <a:rPr lang="ko-KR" altLang="en-US" dirty="0"/>
-              <a:t>예제 코드 설명 </a:t>
-            </a:r>
-            <a:r>
-              <a:rPr lang="en-US" altLang="ko-KR" dirty="0"/>
-              <a:t>-5</a:t>
-            </a:r>
-            <a:endParaRPr lang="ko-KR" altLang="en-US" dirty="0"/>
-          </a:p>
-        </p:txBody>
-      </p:sp>
       <p:pic>
         <p:nvPicPr>
-          <p:cNvPr id="4" name="내용 개체 틀 3">
-            <a:extLst>
-              <a:ext uri="{FF2B5EF4-FFF2-40B4-BE49-F238E27FC236}">
-                <a16:creationId xmlns:a16="http://schemas.microsoft.com/office/drawing/2014/main" id="{CD560D95-737B-421E-AC7F-C0ED2E447EE9}"/>
+          <p:cNvPr id="9" name="내용 개체 틀 8">
+            <a:extLst>
+              <a:ext uri="{FF2B5EF4-FFF2-40B4-BE49-F238E27FC236}">
+                <a16:creationId xmlns:a16="http://schemas.microsoft.com/office/drawing/2014/main" id="{8CCA8C2C-5781-4821-BBD6-AAC752F9213A}"/>
               </a:ext>
             </a:extLst>
           </p:cNvPr>
@@ -3723,14 +3686,51 @@
         </p:blipFill>
         <p:spPr>
           <a:xfrm>
-            <a:off x="838200" y="1690688"/>
-            <a:ext cx="2158263" cy="4351338"/>
+            <a:off x="803051" y="1823343"/>
+            <a:ext cx="2157688" cy="4351338"/>
           </a:xfrm>
           <a:prstGeom prst="rect">
             <a:avLst/>
           </a:prstGeom>
         </p:spPr>
       </p:pic>
+      <p:sp>
+        <p:nvSpPr>
+          <p:cNvPr id="2" name="제목 1">
+            <a:extLst>
+              <a:ext uri="{FF2B5EF4-FFF2-40B4-BE49-F238E27FC236}">
+                <a16:creationId xmlns:a16="http://schemas.microsoft.com/office/drawing/2014/main" id="{63BAC052-2664-40DE-A2C6-0AD8A9257BC3}"/>
+              </a:ext>
+            </a:extLst>
+          </p:cNvPr>
+          <p:cNvSpPr>
+            <a:spLocks noGrp="1"/>
+          </p:cNvSpPr>
+          <p:nvPr>
+            <p:ph type="title"/>
+          </p:nvPr>
+        </p:nvSpPr>
+        <p:spPr/>
+        <p:txBody>
+          <a:bodyPr/>
+          <a:lstStyle/>
+          <a:p>
+            <a:r>
+              <a:rPr lang="en-US" altLang="ko-KR" dirty="0"/>
+              <a:t>SVD </a:t>
+            </a:r>
+            <a:r>
+              <a:rPr lang="ko-KR" altLang="en-US" dirty="0"/>
+              <a:t>예제 코드 설명 </a:t>
+            </a:r>
+            <a:r>
+              <a:rPr lang="en-US" altLang="ko-KR" dirty="0"/>
+              <a:t>-5</a:t>
+            </a:r>
+            <a:endParaRPr lang="ko-KR" altLang="en-US" dirty="0"/>
+          </a:p>
+        </p:txBody>
+      </p:sp>
       <p:sp>
         <p:nvSpPr>
           <p:cNvPr id="3" name="TextBox 2">
@@ -4295,12 +4295,61 @@
           </a:p>
         </p:txBody>
       </p:sp>
+      <p:sp>
+        <p:nvSpPr>
+          <p:cNvPr id="3" name="TextBox 2">
+            <a:extLst>
+              <a:ext uri="{FF2B5EF4-FFF2-40B4-BE49-F238E27FC236}">
+                <a16:creationId xmlns:a16="http://schemas.microsoft.com/office/drawing/2014/main" id="{93E4CFB2-8793-4714-A5E8-1360E998CBA3}"/>
+              </a:ext>
+            </a:extLst>
+          </p:cNvPr>
+          <p:cNvSpPr txBox="1"/>
+          <p:nvPr/>
+        </p:nvSpPr>
+        <p:spPr>
+          <a:xfrm>
+            <a:off x="6400800" y="2066306"/>
+            <a:ext cx="4441371" cy="923330"/>
+          </a:xfrm>
+          <a:prstGeom prst="rect">
+            <a:avLst/>
+          </a:prstGeom>
+          <a:noFill/>
+        </p:spPr>
+        <p:txBody>
+          <a:bodyPr wrap="square" rtlCol="0">
+            <a:spAutoFit/>
+          </a:bodyPr>
+          <a:lstStyle/>
+          <a:p>
+            <a:r>
+              <a:rPr lang="en-US" altLang="ko-KR" dirty="0"/>
+              <a:t>2. </a:t>
+            </a:r>
+            <a:r>
+              <a:rPr lang="ko-KR" altLang="en-US" dirty="0"/>
+              <a:t>아이템간 유사도 평가</a:t>
+            </a:r>
+            <a:endParaRPr lang="en-US" altLang="ko-KR" dirty="0"/>
+          </a:p>
+          <a:p>
+            <a:endParaRPr lang="en-US" altLang="ko-KR" dirty="0"/>
+          </a:p>
+          <a:p>
+            <a:r>
+              <a:rPr lang="ko-KR" altLang="en-US" dirty="0"/>
+              <a:t> </a:t>
+            </a:r>
+          </a:p>
+        </p:txBody>
+      </p:sp>
       <p:pic>
         <p:nvPicPr>
-          <p:cNvPr id="4" name="내용 개체 틀 3">
-            <a:extLst>
-              <a:ext uri="{FF2B5EF4-FFF2-40B4-BE49-F238E27FC236}">
-                <a16:creationId xmlns:a16="http://schemas.microsoft.com/office/drawing/2014/main" id="{E92F3FB1-71EE-4DDF-9222-969E20EC7511}"/>
+          <p:cNvPr id="7" name="내용 개체 틀 6">
+            <a:extLst>
+              <a:ext uri="{FF2B5EF4-FFF2-40B4-BE49-F238E27FC236}">
+                <a16:creationId xmlns:a16="http://schemas.microsoft.com/office/drawing/2014/main" id="{3FB9E0B1-386F-41B7-A86D-3B0DC2ADDA50}"/>
               </a:ext>
             </a:extLst>
           </p:cNvPr>
@@ -4319,63 +4368,14 @@
         </p:blipFill>
         <p:spPr>
           <a:xfrm>
-            <a:off x="838200" y="1946059"/>
-            <a:ext cx="5010150" cy="2447925"/>
+            <a:off x="847725" y="1934122"/>
+            <a:ext cx="5553075" cy="2495550"/>
           </a:xfrm>
           <a:prstGeom prst="rect">
             <a:avLst/>
           </a:prstGeom>
         </p:spPr>
       </p:pic>
-      <p:sp>
-        <p:nvSpPr>
-          <p:cNvPr id="3" name="TextBox 2">
-            <a:extLst>
-              <a:ext uri="{FF2B5EF4-FFF2-40B4-BE49-F238E27FC236}">
-                <a16:creationId xmlns:a16="http://schemas.microsoft.com/office/drawing/2014/main" id="{93E4CFB2-8793-4714-A5E8-1360E998CBA3}"/>
-              </a:ext>
-            </a:extLst>
-          </p:cNvPr>
-          <p:cNvSpPr txBox="1"/>
-          <p:nvPr/>
-        </p:nvSpPr>
-        <p:spPr>
-          <a:xfrm>
-            <a:off x="6400800" y="2066306"/>
-            <a:ext cx="4441371" cy="923330"/>
-          </a:xfrm>
-          <a:prstGeom prst="rect">
-            <a:avLst/>
-          </a:prstGeom>
-          <a:noFill/>
-        </p:spPr>
-        <p:txBody>
-          <a:bodyPr wrap="square" rtlCol="0">
-            <a:spAutoFit/>
-          </a:bodyPr>
-          <a:lstStyle/>
-          <a:p>
-            <a:r>
-              <a:rPr lang="en-US" altLang="ko-KR" dirty="0"/>
-              <a:t>2. </a:t>
-            </a:r>
-            <a:r>
-              <a:rPr lang="ko-KR" altLang="en-US" dirty="0"/>
-              <a:t>아이템간 유사도 평가</a:t>
-            </a:r>
-            <a:endParaRPr lang="en-US" altLang="ko-KR" dirty="0"/>
-          </a:p>
-          <a:p>
-            <a:endParaRPr lang="en-US" altLang="ko-KR" dirty="0"/>
-          </a:p>
-          <a:p>
-            <a:r>
-              <a:rPr lang="ko-KR" altLang="en-US" dirty="0"/>
-              <a:t> </a:t>
-            </a:r>
-          </a:p>
-        </p:txBody>
-      </p:sp>
     </p:spTree>
     <p:extLst>
       <p:ext uri="{BB962C8B-B14F-4D97-AF65-F5344CB8AC3E}">
@@ -4652,54 +4652,12 @@
           <a:chExt cx="0" cy="0"/>
         </a:xfrm>
       </p:grpSpPr>
-      <p:sp>
-        <p:nvSpPr>
-          <p:cNvPr id="2" name="제목 1">
-            <a:extLst>
-              <a:ext uri="{FF2B5EF4-FFF2-40B4-BE49-F238E27FC236}">
-                <a16:creationId xmlns:a16="http://schemas.microsoft.com/office/drawing/2014/main" id="{63BAC052-2664-40DE-A2C6-0AD8A9257BC3}"/>
-              </a:ext>
-            </a:extLst>
-          </p:cNvPr>
-          <p:cNvSpPr>
-            <a:spLocks noGrp="1"/>
-          </p:cNvSpPr>
-          <p:nvPr>
-            <p:ph type="title"/>
-          </p:nvPr>
-        </p:nvSpPr>
-        <p:spPr>
-          <a:xfrm>
-            <a:off x="838200" y="365125"/>
-            <a:ext cx="10515600" cy="1325563"/>
-          </a:xfrm>
-        </p:spPr>
-        <p:txBody>
-          <a:bodyPr/>
-          <a:lstStyle/>
-          <a:p>
-            <a:r>
-              <a:rPr lang="en-US" altLang="ko-KR" dirty="0"/>
-              <a:t>SVD </a:t>
-            </a:r>
-            <a:r>
-              <a:rPr lang="ko-KR" altLang="en-US" dirty="0"/>
-              <a:t>예제 코드 설명 </a:t>
-            </a:r>
-            <a:r>
-              <a:rPr lang="en-US" altLang="ko-KR" dirty="0"/>
-              <a:t>-9</a:t>
-            </a:r>
-            <a:endParaRPr lang="ko-KR" altLang="en-US" dirty="0"/>
-          </a:p>
-        </p:txBody>
-      </p:sp>
       <p:pic>
         <p:nvPicPr>
-          <p:cNvPr id="4" name="내용 개체 틀 3">
-            <a:extLst>
-              <a:ext uri="{FF2B5EF4-FFF2-40B4-BE49-F238E27FC236}">
-                <a16:creationId xmlns:a16="http://schemas.microsoft.com/office/drawing/2014/main" id="{C0F2B859-F714-454A-B119-A3404AFD0061}"/>
+          <p:cNvPr id="8" name="내용 개체 틀 7">
+            <a:extLst>
+              <a:ext uri="{FF2B5EF4-FFF2-40B4-BE49-F238E27FC236}">
+                <a16:creationId xmlns:a16="http://schemas.microsoft.com/office/drawing/2014/main" id="{A8A4D1AD-DD13-493C-A0A8-19E3D619ED50}"/>
               </a:ext>
             </a:extLst>
           </p:cNvPr>
@@ -4718,14 +4676,56 @@
         </p:blipFill>
         <p:spPr>
           <a:xfrm>
-            <a:off x="3352800" y="2353469"/>
-            <a:ext cx="5486400" cy="3295650"/>
+            <a:off x="3307834" y="2489220"/>
+            <a:ext cx="5362575" cy="3038475"/>
           </a:xfrm>
           <a:prstGeom prst="rect">
             <a:avLst/>
           </a:prstGeom>
         </p:spPr>
       </p:pic>
+      <p:sp>
+        <p:nvSpPr>
+          <p:cNvPr id="2" name="제목 1">
+            <a:extLst>
+              <a:ext uri="{FF2B5EF4-FFF2-40B4-BE49-F238E27FC236}">
+                <a16:creationId xmlns:a16="http://schemas.microsoft.com/office/drawing/2014/main" id="{63BAC052-2664-40DE-A2C6-0AD8A9257BC3}"/>
+              </a:ext>
+            </a:extLst>
+          </p:cNvPr>
+          <p:cNvSpPr>
+            <a:spLocks noGrp="1"/>
+          </p:cNvSpPr>
+          <p:nvPr>
+            <p:ph type="title"/>
+          </p:nvPr>
+        </p:nvSpPr>
+        <p:spPr>
+          <a:xfrm>
+            <a:off x="838200" y="365125"/>
+            <a:ext cx="10515600" cy="1325563"/>
+          </a:xfrm>
+        </p:spPr>
+        <p:txBody>
+          <a:bodyPr/>
+          <a:lstStyle/>
+          <a:p>
+            <a:r>
+              <a:rPr lang="en-US" altLang="ko-KR" dirty="0"/>
+              <a:t>SVD </a:t>
+            </a:r>
+            <a:r>
+              <a:rPr lang="ko-KR" altLang="en-US" dirty="0"/>
+              <a:t>예제 코드 설명 </a:t>
+            </a:r>
+            <a:r>
+              <a:rPr lang="en-US" altLang="ko-KR" dirty="0"/>
+              <a:t>-9</a:t>
+            </a:r>
+            <a:endParaRPr lang="ko-KR" altLang="en-US" dirty="0"/>
+          </a:p>
+        </p:txBody>
+      </p:sp>
       <p:sp>
         <p:nvSpPr>
           <p:cNvPr id="3" name="TextBox 2">
@@ -5121,6 +5121,66 @@
           </a:p>
         </p:txBody>
       </p:sp>
+      <p:pic>
+        <p:nvPicPr>
+          <p:cNvPr id="8" name="그림 7">
+            <a:extLst>
+              <a:ext uri="{FF2B5EF4-FFF2-40B4-BE49-F238E27FC236}">
+                <a16:creationId xmlns:a16="http://schemas.microsoft.com/office/drawing/2014/main" id="{384E4E19-36F6-4E9B-81E6-62A38842EE0B}"/>
+              </a:ext>
+            </a:extLst>
+          </p:cNvPr>
+          <p:cNvPicPr>
+            <a:picLocks noChangeAspect="1"/>
+          </p:cNvPicPr>
+          <p:nvPr/>
+        </p:nvPicPr>
+        <p:blipFill>
+          <a:blip r:embed="rId4"/>
+          <a:stretch>
+            <a:fillRect/>
+          </a:stretch>
+        </p:blipFill>
+        <p:spPr>
+          <a:xfrm>
+            <a:off x="838200" y="1973039"/>
+            <a:ext cx="2038350" cy="466725"/>
+          </a:xfrm>
+          <a:prstGeom prst="rect">
+            <a:avLst/>
+          </a:prstGeom>
+        </p:spPr>
+      </p:pic>
+      <p:pic>
+        <p:nvPicPr>
+          <p:cNvPr id="9" name="그림 8">
+            <a:extLst>
+              <a:ext uri="{FF2B5EF4-FFF2-40B4-BE49-F238E27FC236}">
+                <a16:creationId xmlns:a16="http://schemas.microsoft.com/office/drawing/2014/main" id="{EBF0557D-C0F8-4E76-992A-9B74069A45C9}"/>
+              </a:ext>
+            </a:extLst>
+          </p:cNvPr>
+          <p:cNvPicPr>
+            <a:picLocks noChangeAspect="1"/>
+          </p:cNvPicPr>
+          <p:nvPr/>
+        </p:nvPicPr>
+        <p:blipFill>
+          <a:blip r:embed="rId5"/>
+          <a:stretch>
+            <a:fillRect/>
+          </a:stretch>
+        </p:blipFill>
+        <p:spPr>
+          <a:xfrm>
+            <a:off x="6096000" y="1991695"/>
+            <a:ext cx="3400425" cy="457200"/>
+          </a:xfrm>
+          <a:prstGeom prst="rect">
+            <a:avLst/>
+          </a:prstGeom>
+        </p:spPr>
+      </p:pic>
     </p:spTree>
     <p:extLst>
       <p:ext uri="{BB962C8B-B14F-4D97-AF65-F5344CB8AC3E}">
@@ -5151,49 +5211,12 @@
           <a:chExt cx="0" cy="0"/>
         </a:xfrm>
       </p:grpSpPr>
-      <p:sp>
-        <p:nvSpPr>
-          <p:cNvPr id="2" name="제목 1">
-            <a:extLst>
-              <a:ext uri="{FF2B5EF4-FFF2-40B4-BE49-F238E27FC236}">
-                <a16:creationId xmlns:a16="http://schemas.microsoft.com/office/drawing/2014/main" id="{50CD1A43-2344-4D89-A155-BA393D315B5A}"/>
-              </a:ext>
-            </a:extLst>
-          </p:cNvPr>
-          <p:cNvSpPr>
-            <a:spLocks noGrp="1"/>
-          </p:cNvSpPr>
-          <p:nvPr>
-            <p:ph type="title"/>
-          </p:nvPr>
-        </p:nvSpPr>
-        <p:spPr/>
-        <p:txBody>
-          <a:bodyPr/>
-          <a:lstStyle/>
-          <a:p>
-            <a:r>
-              <a:rPr lang="en-US" altLang="ko-KR" dirty="0"/>
-              <a:t>SVD </a:t>
-            </a:r>
-            <a:r>
-              <a:rPr lang="ko-KR" altLang="en-US" dirty="0"/>
-              <a:t>예제 코드 설명 </a:t>
-            </a:r>
-            <a:r>
-              <a:rPr lang="en-US" altLang="ko-KR" dirty="0"/>
-              <a:t>-11</a:t>
-            </a:r>
-            <a:endParaRPr lang="ko-KR" altLang="en-US" dirty="0"/>
-          </a:p>
-        </p:txBody>
-      </p:sp>
       <p:pic>
         <p:nvPicPr>
-          <p:cNvPr id="4" name="내용 개체 틀 3">
-            <a:extLst>
-              <a:ext uri="{FF2B5EF4-FFF2-40B4-BE49-F238E27FC236}">
-                <a16:creationId xmlns:a16="http://schemas.microsoft.com/office/drawing/2014/main" id="{1DA21A8D-31D4-4AFE-AB7D-F35109FAA25F}"/>
+          <p:cNvPr id="9" name="내용 개체 틀 8">
+            <a:extLst>
+              <a:ext uri="{FF2B5EF4-FFF2-40B4-BE49-F238E27FC236}">
+                <a16:creationId xmlns:a16="http://schemas.microsoft.com/office/drawing/2014/main" id="{3A3F47D8-C5F5-44FF-BE31-96876B34DEB5}"/>
               </a:ext>
             </a:extLst>
           </p:cNvPr>
@@ -5212,14 +5235,51 @@
         </p:blipFill>
         <p:spPr>
           <a:xfrm>
-            <a:off x="4000500" y="2615406"/>
-            <a:ext cx="4191000" cy="2771775"/>
+            <a:off x="4018008" y="2636806"/>
+            <a:ext cx="3838575" cy="2752725"/>
           </a:xfrm>
           <a:prstGeom prst="rect">
             <a:avLst/>
           </a:prstGeom>
         </p:spPr>
       </p:pic>
+      <p:sp>
+        <p:nvSpPr>
+          <p:cNvPr id="2" name="제목 1">
+            <a:extLst>
+              <a:ext uri="{FF2B5EF4-FFF2-40B4-BE49-F238E27FC236}">
+                <a16:creationId xmlns:a16="http://schemas.microsoft.com/office/drawing/2014/main" id="{50CD1A43-2344-4D89-A155-BA393D315B5A}"/>
+              </a:ext>
+            </a:extLst>
+          </p:cNvPr>
+          <p:cNvSpPr>
+            <a:spLocks noGrp="1"/>
+          </p:cNvSpPr>
+          <p:nvPr>
+            <p:ph type="title"/>
+          </p:nvPr>
+        </p:nvSpPr>
+        <p:spPr/>
+        <p:txBody>
+          <a:bodyPr/>
+          <a:lstStyle/>
+          <a:p>
+            <a:r>
+              <a:rPr lang="en-US" altLang="ko-KR" dirty="0"/>
+              <a:t>SVD </a:t>
+            </a:r>
+            <a:r>
+              <a:rPr lang="ko-KR" altLang="en-US" dirty="0"/>
+              <a:t>예제 코드 설명 </a:t>
+            </a:r>
+            <a:r>
+              <a:rPr lang="en-US" altLang="ko-KR" dirty="0"/>
+              <a:t>-11</a:t>
+            </a:r>
+            <a:endParaRPr lang="ko-KR" altLang="en-US" dirty="0"/>
+          </a:p>
+        </p:txBody>
+      </p:sp>
       <p:sp>
         <p:nvSpPr>
           <p:cNvPr id="3" name="TextBox 2">
@@ -5429,49 +5489,12 @@
           <a:chExt cx="0" cy="0"/>
         </a:xfrm>
       </p:grpSpPr>
-      <p:sp>
-        <p:nvSpPr>
-          <p:cNvPr id="2" name="제목 1">
-            <a:extLst>
-              <a:ext uri="{FF2B5EF4-FFF2-40B4-BE49-F238E27FC236}">
-                <a16:creationId xmlns:a16="http://schemas.microsoft.com/office/drawing/2014/main" id="{50CD1A43-2344-4D89-A155-BA393D315B5A}"/>
-              </a:ext>
-            </a:extLst>
-          </p:cNvPr>
-          <p:cNvSpPr>
-            <a:spLocks noGrp="1"/>
-          </p:cNvSpPr>
-          <p:nvPr>
-            <p:ph type="title"/>
-          </p:nvPr>
-        </p:nvSpPr>
-        <p:spPr/>
-        <p:txBody>
-          <a:bodyPr/>
-          <a:lstStyle/>
-          <a:p>
-            <a:r>
-              <a:rPr lang="en-US" altLang="ko-KR" dirty="0"/>
-              <a:t>SVD </a:t>
-            </a:r>
-            <a:r>
-              <a:rPr lang="ko-KR" altLang="en-US" dirty="0"/>
-              <a:t>예제 코드 설명 </a:t>
-            </a:r>
-            <a:r>
-              <a:rPr lang="en-US" altLang="ko-KR" dirty="0"/>
-              <a:t>-12</a:t>
-            </a:r>
-            <a:endParaRPr lang="ko-KR" altLang="en-US" dirty="0"/>
-          </a:p>
-        </p:txBody>
-      </p:sp>
       <p:pic>
         <p:nvPicPr>
-          <p:cNvPr id="4" name="내용 개체 틀 3">
-            <a:extLst>
-              <a:ext uri="{FF2B5EF4-FFF2-40B4-BE49-F238E27FC236}">
-                <a16:creationId xmlns:a16="http://schemas.microsoft.com/office/drawing/2014/main" id="{6C2F6BBE-8FF7-4941-B3A5-DFE0DE9DB627}"/>
+          <p:cNvPr id="9" name="내용 개체 틀 8">
+            <a:extLst>
+              <a:ext uri="{FF2B5EF4-FFF2-40B4-BE49-F238E27FC236}">
+                <a16:creationId xmlns:a16="http://schemas.microsoft.com/office/drawing/2014/main" id="{31EA8FB9-FF4B-447E-9156-4AB37C1C2568}"/>
               </a:ext>
             </a:extLst>
           </p:cNvPr>
@@ -5490,14 +5513,51 @@
         </p:blipFill>
         <p:spPr>
           <a:xfrm>
-            <a:off x="3371850" y="3001169"/>
-            <a:ext cx="5448300" cy="2000250"/>
+            <a:off x="3371850" y="3014484"/>
+            <a:ext cx="5581650" cy="1905000"/>
           </a:xfrm>
           <a:prstGeom prst="rect">
             <a:avLst/>
           </a:prstGeom>
         </p:spPr>
       </p:pic>
+      <p:sp>
+        <p:nvSpPr>
+          <p:cNvPr id="2" name="제목 1">
+            <a:extLst>
+              <a:ext uri="{FF2B5EF4-FFF2-40B4-BE49-F238E27FC236}">
+                <a16:creationId xmlns:a16="http://schemas.microsoft.com/office/drawing/2014/main" id="{50CD1A43-2344-4D89-A155-BA393D315B5A}"/>
+              </a:ext>
+            </a:extLst>
+          </p:cNvPr>
+          <p:cNvSpPr>
+            <a:spLocks noGrp="1"/>
+          </p:cNvSpPr>
+          <p:nvPr>
+            <p:ph type="title"/>
+          </p:nvPr>
+        </p:nvSpPr>
+        <p:spPr/>
+        <p:txBody>
+          <a:bodyPr/>
+          <a:lstStyle/>
+          <a:p>
+            <a:r>
+              <a:rPr lang="en-US" altLang="ko-KR" dirty="0"/>
+              <a:t>SVD </a:t>
+            </a:r>
+            <a:r>
+              <a:rPr lang="ko-KR" altLang="en-US" dirty="0"/>
+              <a:t>예제 코드 설명 </a:t>
+            </a:r>
+            <a:r>
+              <a:rPr lang="en-US" altLang="ko-KR" dirty="0"/>
+              <a:t>-12</a:t>
+            </a:r>
+            <a:endParaRPr lang="ko-KR" altLang="en-US" dirty="0"/>
+          </a:p>
+        </p:txBody>
+      </p:sp>
       <p:sp>
         <p:nvSpPr>
           <p:cNvPr id="3" name="TextBox 2">
@@ -5766,49 +5826,12 @@
           <a:chExt cx="0" cy="0"/>
         </a:xfrm>
       </p:grpSpPr>
-      <p:sp>
-        <p:nvSpPr>
-          <p:cNvPr id="2" name="제목 1">
-            <a:extLst>
-              <a:ext uri="{FF2B5EF4-FFF2-40B4-BE49-F238E27FC236}">
-                <a16:creationId xmlns:a16="http://schemas.microsoft.com/office/drawing/2014/main" id="{50CD1A43-2344-4D89-A155-BA393D315B5A}"/>
-              </a:ext>
-            </a:extLst>
-          </p:cNvPr>
-          <p:cNvSpPr>
-            <a:spLocks noGrp="1"/>
-          </p:cNvSpPr>
-          <p:nvPr>
-            <p:ph type="title"/>
-          </p:nvPr>
-        </p:nvSpPr>
-        <p:spPr/>
-        <p:txBody>
-          <a:bodyPr/>
-          <a:lstStyle/>
-          <a:p>
-            <a:r>
-              <a:rPr lang="en-US" altLang="ko-KR" dirty="0"/>
-              <a:t>SVD </a:t>
-            </a:r>
-            <a:r>
-              <a:rPr lang="ko-KR" altLang="en-US" dirty="0"/>
-              <a:t>예제 코드 설명 </a:t>
-            </a:r>
-            <a:r>
-              <a:rPr lang="en-US" altLang="ko-KR" dirty="0"/>
-              <a:t>-13</a:t>
-            </a:r>
-            <a:endParaRPr lang="ko-KR" altLang="en-US" dirty="0"/>
-          </a:p>
-        </p:txBody>
-      </p:sp>
       <p:pic>
         <p:nvPicPr>
-          <p:cNvPr id="4" name="내용 개체 틀 3">
-            <a:extLst>
-              <a:ext uri="{FF2B5EF4-FFF2-40B4-BE49-F238E27FC236}">
-                <a16:creationId xmlns:a16="http://schemas.microsoft.com/office/drawing/2014/main" id="{126F37C0-BD04-4856-8F3F-11A6BE7ABCC6}"/>
+          <p:cNvPr id="7" name="내용 개체 틀 6">
+            <a:extLst>
+              <a:ext uri="{FF2B5EF4-FFF2-40B4-BE49-F238E27FC236}">
+                <a16:creationId xmlns:a16="http://schemas.microsoft.com/office/drawing/2014/main" id="{A8CA37CE-86D4-4530-8BE0-96C4C643FE3D}"/>
               </a:ext>
             </a:extLst>
           </p:cNvPr>
@@ -5827,14 +5850,51 @@
         </p:blipFill>
         <p:spPr>
           <a:xfrm>
-            <a:off x="1083430" y="1690688"/>
-            <a:ext cx="3921222" cy="4351338"/>
+            <a:off x="615166" y="1690688"/>
+            <a:ext cx="5480834" cy="4351338"/>
           </a:xfrm>
           <a:prstGeom prst="rect">
             <a:avLst/>
           </a:prstGeom>
         </p:spPr>
       </p:pic>
+      <p:sp>
+        <p:nvSpPr>
+          <p:cNvPr id="2" name="제목 1">
+            <a:extLst>
+              <a:ext uri="{FF2B5EF4-FFF2-40B4-BE49-F238E27FC236}">
+                <a16:creationId xmlns:a16="http://schemas.microsoft.com/office/drawing/2014/main" id="{50CD1A43-2344-4D89-A155-BA393D315B5A}"/>
+              </a:ext>
+            </a:extLst>
+          </p:cNvPr>
+          <p:cNvSpPr>
+            <a:spLocks noGrp="1"/>
+          </p:cNvSpPr>
+          <p:nvPr>
+            <p:ph type="title"/>
+          </p:nvPr>
+        </p:nvSpPr>
+        <p:spPr/>
+        <p:txBody>
+          <a:bodyPr/>
+          <a:lstStyle/>
+          <a:p>
+            <a:r>
+              <a:rPr lang="en-US" altLang="ko-KR" dirty="0"/>
+              <a:t>SVD </a:t>
+            </a:r>
+            <a:r>
+              <a:rPr lang="ko-KR" altLang="en-US" dirty="0"/>
+              <a:t>예제 코드 설명 </a:t>
+            </a:r>
+            <a:r>
+              <a:rPr lang="en-US" altLang="ko-KR" dirty="0"/>
+              <a:t>-13</a:t>
+            </a:r>
+            <a:endParaRPr lang="ko-KR" altLang="en-US" dirty="0"/>
+          </a:p>
+        </p:txBody>
+      </p:sp>
       <p:sp>
         <p:nvSpPr>
           <p:cNvPr id="3" name="TextBox 2">
@@ -5937,49 +5997,12 @@
           <a:chExt cx="0" cy="0"/>
         </a:xfrm>
       </p:grpSpPr>
-      <p:sp>
-        <p:nvSpPr>
-          <p:cNvPr id="2" name="제목 1">
-            <a:extLst>
-              <a:ext uri="{FF2B5EF4-FFF2-40B4-BE49-F238E27FC236}">
-                <a16:creationId xmlns:a16="http://schemas.microsoft.com/office/drawing/2014/main" id="{50CD1A43-2344-4D89-A155-BA393D315B5A}"/>
-              </a:ext>
-            </a:extLst>
-          </p:cNvPr>
-          <p:cNvSpPr>
-            <a:spLocks noGrp="1"/>
-          </p:cNvSpPr>
-          <p:nvPr>
-            <p:ph type="title"/>
-          </p:nvPr>
-        </p:nvSpPr>
-        <p:spPr/>
-        <p:txBody>
-          <a:bodyPr/>
-          <a:lstStyle/>
-          <a:p>
-            <a:r>
-              <a:rPr lang="en-US" altLang="ko-KR" dirty="0"/>
-              <a:t>SVD </a:t>
-            </a:r>
-            <a:r>
-              <a:rPr lang="ko-KR" altLang="en-US" dirty="0"/>
-              <a:t>예제 코드 설명 </a:t>
-            </a:r>
-            <a:r>
-              <a:rPr lang="en-US" altLang="ko-KR" dirty="0"/>
-              <a:t>-14</a:t>
-            </a:r>
-            <a:endParaRPr lang="ko-KR" altLang="en-US" dirty="0"/>
-          </a:p>
-        </p:txBody>
-      </p:sp>
       <p:pic>
         <p:nvPicPr>
-          <p:cNvPr id="4" name="내용 개체 틀 3">
-            <a:extLst>
-              <a:ext uri="{FF2B5EF4-FFF2-40B4-BE49-F238E27FC236}">
-                <a16:creationId xmlns:a16="http://schemas.microsoft.com/office/drawing/2014/main" id="{54E81B8A-6EF2-4906-AEB6-B1FE0CB64810}"/>
+          <p:cNvPr id="11" name="내용 개체 틀 10">
+            <a:extLst>
+              <a:ext uri="{FF2B5EF4-FFF2-40B4-BE49-F238E27FC236}">
+                <a16:creationId xmlns:a16="http://schemas.microsoft.com/office/drawing/2014/main" id="{B1557784-8704-4C3A-812C-09029E307D57}"/>
               </a:ext>
             </a:extLst>
           </p:cNvPr>
@@ -5998,14 +6021,51 @@
         </p:blipFill>
         <p:spPr>
           <a:xfrm>
-            <a:off x="1952625" y="2334419"/>
-            <a:ext cx="8286750" cy="3333750"/>
+            <a:off x="1964809" y="2328340"/>
+            <a:ext cx="8048625" cy="3295650"/>
           </a:xfrm>
           <a:prstGeom prst="rect">
             <a:avLst/>
           </a:prstGeom>
         </p:spPr>
       </p:pic>
+      <p:sp>
+        <p:nvSpPr>
+          <p:cNvPr id="2" name="제목 1">
+            <a:extLst>
+              <a:ext uri="{FF2B5EF4-FFF2-40B4-BE49-F238E27FC236}">
+                <a16:creationId xmlns:a16="http://schemas.microsoft.com/office/drawing/2014/main" id="{50CD1A43-2344-4D89-A155-BA393D315B5A}"/>
+              </a:ext>
+            </a:extLst>
+          </p:cNvPr>
+          <p:cNvSpPr>
+            <a:spLocks noGrp="1"/>
+          </p:cNvSpPr>
+          <p:nvPr>
+            <p:ph type="title"/>
+          </p:nvPr>
+        </p:nvSpPr>
+        <p:spPr/>
+        <p:txBody>
+          <a:bodyPr/>
+          <a:lstStyle/>
+          <a:p>
+            <a:r>
+              <a:rPr lang="en-US" altLang="ko-KR" dirty="0"/>
+              <a:t>SVD </a:t>
+            </a:r>
+            <a:r>
+              <a:rPr lang="ko-KR" altLang="en-US" dirty="0"/>
+              <a:t>예제 코드 설명 </a:t>
+            </a:r>
+            <a:r>
+              <a:rPr lang="en-US" altLang="ko-KR" dirty="0"/>
+              <a:t>-14</a:t>
+            </a:r>
+            <a:endParaRPr lang="ko-KR" altLang="en-US" dirty="0"/>
+          </a:p>
+        </p:txBody>
+      </p:sp>
       <p:sp>
         <p:nvSpPr>
           <p:cNvPr id="3" name="TextBox 2">
@@ -6439,7 +6499,7 @@
                   </a:schemeClr>
                 </a:solidFill>
               </a:rPr>
-              <a:t>2019-05-27</a:t>
+              <a:t>2019-05-28</a:t>
             </a:fld>
             <a:endParaRPr lang="ko-KR" altLang="en-US">
               <a:solidFill>
@@ -8002,49 +8062,12 @@
           <a:chExt cx="0" cy="0"/>
         </a:xfrm>
       </p:grpSpPr>
-      <p:sp>
-        <p:nvSpPr>
-          <p:cNvPr id="2" name="제목 1">
-            <a:extLst>
-              <a:ext uri="{FF2B5EF4-FFF2-40B4-BE49-F238E27FC236}">
-                <a16:creationId xmlns:a16="http://schemas.microsoft.com/office/drawing/2014/main" id="{63BAC052-2664-40DE-A2C6-0AD8A9257BC3}"/>
-              </a:ext>
-            </a:extLst>
-          </p:cNvPr>
-          <p:cNvSpPr>
-            <a:spLocks noGrp="1"/>
-          </p:cNvSpPr>
-          <p:nvPr>
-            <p:ph type="title"/>
-          </p:nvPr>
-        </p:nvSpPr>
-        <p:spPr/>
-        <p:txBody>
-          <a:bodyPr/>
-          <a:lstStyle/>
-          <a:p>
-            <a:r>
-              <a:rPr lang="en-US" altLang="ko-KR" dirty="0"/>
-              <a:t>SVD </a:t>
-            </a:r>
-            <a:r>
-              <a:rPr lang="ko-KR" altLang="en-US" dirty="0"/>
-              <a:t>예제 코드 설명 </a:t>
-            </a:r>
-            <a:r>
-              <a:rPr lang="en-US" altLang="ko-KR" dirty="0"/>
-              <a:t>-1</a:t>
-            </a:r>
-            <a:endParaRPr lang="ko-KR" altLang="en-US" dirty="0"/>
-          </a:p>
-        </p:txBody>
-      </p:sp>
       <p:pic>
         <p:nvPicPr>
-          <p:cNvPr id="7" name="내용 개체 틀 6">
-            <a:extLst>
-              <a:ext uri="{FF2B5EF4-FFF2-40B4-BE49-F238E27FC236}">
-                <a16:creationId xmlns:a16="http://schemas.microsoft.com/office/drawing/2014/main" id="{920960B4-F118-4768-BAE5-26E84A2CB310}"/>
+          <p:cNvPr id="6" name="내용 개체 틀 5">
+            <a:extLst>
+              <a:ext uri="{FF2B5EF4-FFF2-40B4-BE49-F238E27FC236}">
+                <a16:creationId xmlns:a16="http://schemas.microsoft.com/office/drawing/2014/main" id="{270BBF34-2754-44B5-AFEB-1C8D8933A46C}"/>
               </a:ext>
             </a:extLst>
           </p:cNvPr>
@@ -8063,14 +8086,51 @@
         </p:blipFill>
         <p:spPr>
           <a:xfrm>
-            <a:off x="3343275" y="1981994"/>
-            <a:ext cx="5505450" cy="4038600"/>
+            <a:off x="3371850" y="2282031"/>
+            <a:ext cx="5448300" cy="3438525"/>
           </a:xfrm>
           <a:prstGeom prst="rect">
             <a:avLst/>
           </a:prstGeom>
         </p:spPr>
       </p:pic>
+      <p:sp>
+        <p:nvSpPr>
+          <p:cNvPr id="2" name="제목 1">
+            <a:extLst>
+              <a:ext uri="{FF2B5EF4-FFF2-40B4-BE49-F238E27FC236}">
+                <a16:creationId xmlns:a16="http://schemas.microsoft.com/office/drawing/2014/main" id="{63BAC052-2664-40DE-A2C6-0AD8A9257BC3}"/>
+              </a:ext>
+            </a:extLst>
+          </p:cNvPr>
+          <p:cNvSpPr>
+            <a:spLocks noGrp="1"/>
+          </p:cNvSpPr>
+          <p:nvPr>
+            <p:ph type="title"/>
+          </p:nvPr>
+        </p:nvSpPr>
+        <p:spPr/>
+        <p:txBody>
+          <a:bodyPr/>
+          <a:lstStyle/>
+          <a:p>
+            <a:r>
+              <a:rPr lang="en-US" altLang="ko-KR" dirty="0"/>
+              <a:t>SVD </a:t>
+            </a:r>
+            <a:r>
+              <a:rPr lang="ko-KR" altLang="en-US" dirty="0"/>
+              <a:t>예제 코드 설명 </a:t>
+            </a:r>
+            <a:r>
+              <a:rPr lang="en-US" altLang="ko-KR" dirty="0"/>
+              <a:t>-1</a:t>
+            </a:r>
+            <a:endParaRPr lang="ko-KR" altLang="en-US" dirty="0"/>
+          </a:p>
+        </p:txBody>
+      </p:sp>
       <p:sp>
         <p:nvSpPr>
           <p:cNvPr id="3" name="TextBox 2">
@@ -8104,8 +8164,8 @@
               <a:t>필요한 패키지를 인스톨후에 </a:t>
             </a:r>
             <a:r>
-              <a:rPr lang="en-US" altLang="ko-KR" dirty="0" err="1"/>
-              <a:t>impor</a:t>
+              <a:rPr lang="en-US" altLang="ko-KR" dirty="0"/>
+              <a:t>import</a:t>
             </a:r>
             <a:r>
               <a:rPr lang="ko-KR" altLang="en-US" dirty="0"/>
@@ -8189,49 +8249,12 @@
           <a:chExt cx="0" cy="0"/>
         </a:xfrm>
       </p:grpSpPr>
-      <p:sp>
-        <p:nvSpPr>
-          <p:cNvPr id="2" name="제목 1">
-            <a:extLst>
-              <a:ext uri="{FF2B5EF4-FFF2-40B4-BE49-F238E27FC236}">
-                <a16:creationId xmlns:a16="http://schemas.microsoft.com/office/drawing/2014/main" id="{63BAC052-2664-40DE-A2C6-0AD8A9257BC3}"/>
-              </a:ext>
-            </a:extLst>
-          </p:cNvPr>
-          <p:cNvSpPr>
-            <a:spLocks noGrp="1"/>
-          </p:cNvSpPr>
-          <p:nvPr>
-            <p:ph type="title"/>
-          </p:nvPr>
-        </p:nvSpPr>
-        <p:spPr/>
-        <p:txBody>
-          <a:bodyPr/>
-          <a:lstStyle/>
-          <a:p>
-            <a:r>
-              <a:rPr lang="en-US" altLang="ko-KR" dirty="0"/>
-              <a:t>SVD </a:t>
-            </a:r>
-            <a:r>
-              <a:rPr lang="ko-KR" altLang="en-US" dirty="0"/>
-              <a:t>예제 코드 설명 </a:t>
-            </a:r>
-            <a:r>
-              <a:rPr lang="en-US" altLang="ko-KR" dirty="0"/>
-              <a:t>-2</a:t>
-            </a:r>
-            <a:endParaRPr lang="ko-KR" altLang="en-US" dirty="0"/>
-          </a:p>
-        </p:txBody>
-      </p:sp>
       <p:pic>
         <p:nvPicPr>
-          <p:cNvPr id="4" name="내용 개체 틀 3">
-            <a:extLst>
-              <a:ext uri="{FF2B5EF4-FFF2-40B4-BE49-F238E27FC236}">
-                <a16:creationId xmlns:a16="http://schemas.microsoft.com/office/drawing/2014/main" id="{0AA1125D-F925-486A-A93C-3AEB975CB926}"/>
+          <p:cNvPr id="8" name="내용 개체 틀 7">
+            <a:extLst>
+              <a:ext uri="{FF2B5EF4-FFF2-40B4-BE49-F238E27FC236}">
+                <a16:creationId xmlns:a16="http://schemas.microsoft.com/office/drawing/2014/main" id="{3F5361D4-D7BE-4C21-9EC0-1587A222F0F5}"/>
               </a:ext>
             </a:extLst>
           </p:cNvPr>
@@ -8250,14 +8273,51 @@
         </p:blipFill>
         <p:spPr>
           <a:xfrm>
-            <a:off x="3912090" y="1825625"/>
-            <a:ext cx="4367820" cy="4351338"/>
+            <a:off x="3104478" y="1825625"/>
+            <a:ext cx="4486753" cy="4351338"/>
           </a:xfrm>
           <a:prstGeom prst="rect">
             <a:avLst/>
           </a:prstGeom>
         </p:spPr>
       </p:pic>
+      <p:sp>
+        <p:nvSpPr>
+          <p:cNvPr id="2" name="제목 1">
+            <a:extLst>
+              <a:ext uri="{FF2B5EF4-FFF2-40B4-BE49-F238E27FC236}">
+                <a16:creationId xmlns:a16="http://schemas.microsoft.com/office/drawing/2014/main" id="{63BAC052-2664-40DE-A2C6-0AD8A9257BC3}"/>
+              </a:ext>
+            </a:extLst>
+          </p:cNvPr>
+          <p:cNvSpPr>
+            <a:spLocks noGrp="1"/>
+          </p:cNvSpPr>
+          <p:nvPr>
+            <p:ph type="title"/>
+          </p:nvPr>
+        </p:nvSpPr>
+        <p:spPr/>
+        <p:txBody>
+          <a:bodyPr/>
+          <a:lstStyle/>
+          <a:p>
+            <a:r>
+              <a:rPr lang="en-US" altLang="ko-KR" dirty="0"/>
+              <a:t>SVD </a:t>
+            </a:r>
+            <a:r>
+              <a:rPr lang="ko-KR" altLang="en-US" dirty="0"/>
+              <a:t>예제 코드 설명 </a:t>
+            </a:r>
+            <a:r>
+              <a:rPr lang="en-US" altLang="ko-KR" dirty="0"/>
+              <a:t>-2</a:t>
+            </a:r>
+            <a:endParaRPr lang="ko-KR" altLang="en-US" dirty="0"/>
+          </a:p>
+        </p:txBody>
+      </p:sp>
       <p:sp>
         <p:nvSpPr>
           <p:cNvPr id="3" name="TextBox 2">
@@ -8508,38 +8568,6 @@
       </p:sp>
       <p:pic>
         <p:nvPicPr>
-          <p:cNvPr id="4" name="내용 개체 틀 3">
-            <a:extLst>
-              <a:ext uri="{FF2B5EF4-FFF2-40B4-BE49-F238E27FC236}">
-                <a16:creationId xmlns:a16="http://schemas.microsoft.com/office/drawing/2014/main" id="{0BDA4CF7-E457-4076-A914-BB283B946DEE}"/>
-              </a:ext>
-            </a:extLst>
-          </p:cNvPr>
-          <p:cNvPicPr>
-            <a:picLocks noGrp="1" noChangeAspect="1"/>
-          </p:cNvPicPr>
-          <p:nvPr>
-            <p:ph idx="1"/>
-          </p:nvPr>
-        </p:nvPicPr>
-        <p:blipFill>
-          <a:blip r:embed="rId2"/>
-          <a:stretch>
-            <a:fillRect/>
-          </a:stretch>
-        </p:blipFill>
-        <p:spPr>
-          <a:xfrm>
-            <a:off x="838200" y="1690688"/>
-            <a:ext cx="6753225" cy="914400"/>
-          </a:xfrm>
-          <a:prstGeom prst="rect">
-            <a:avLst/>
-          </a:prstGeom>
-        </p:spPr>
-      </p:pic>
-      <p:pic>
-        <p:nvPicPr>
           <p:cNvPr id="5" name="그림 4">
             <a:extLst>
               <a:ext uri="{FF2B5EF4-FFF2-40B4-BE49-F238E27FC236}">
@@ -8553,7 +8581,7 @@
           <p:nvPr/>
         </p:nvPicPr>
         <p:blipFill>
-          <a:blip r:embed="rId3"/>
+          <a:blip r:embed="rId2"/>
           <a:stretch>
             <a:fillRect/>
           </a:stretch>
@@ -8593,7 +8621,7 @@
           <p:nvPr/>
         </p:nvPicPr>
         <p:blipFill>
-          <a:blip r:embed="rId4"/>
+          <a:blip r:embed="rId3"/>
           <a:stretch>
             <a:fillRect/>
           </a:stretch>
@@ -8678,6 +8706,38 @@
           </a:p>
         </p:txBody>
       </p:sp>
+      <p:pic>
+        <p:nvPicPr>
+          <p:cNvPr id="9" name="내용 개체 틀 8">
+            <a:extLst>
+              <a:ext uri="{FF2B5EF4-FFF2-40B4-BE49-F238E27FC236}">
+                <a16:creationId xmlns:a16="http://schemas.microsoft.com/office/drawing/2014/main" id="{A31150B0-D422-4CF0-BDAB-085ABA9CB989}"/>
+              </a:ext>
+            </a:extLst>
+          </p:cNvPr>
+          <p:cNvPicPr>
+            <a:picLocks noGrp="1" noChangeAspect="1"/>
+          </p:cNvPicPr>
+          <p:nvPr>
+            <p:ph idx="1"/>
+          </p:nvPr>
+        </p:nvPicPr>
+        <p:blipFill>
+          <a:blip r:embed="rId4"/>
+          <a:stretch>
+            <a:fillRect/>
+          </a:stretch>
+        </p:blipFill>
+        <p:spPr>
+          <a:xfrm>
+            <a:off x="781080" y="1690688"/>
+            <a:ext cx="6591300" cy="762000"/>
+          </a:xfrm>
+          <a:prstGeom prst="rect">
+            <a:avLst/>
+          </a:prstGeom>
+        </p:spPr>
+      </p:pic>
     </p:spTree>
     <p:extLst>
       <p:ext uri="{BB962C8B-B14F-4D97-AF65-F5344CB8AC3E}">
@@ -8745,12 +8805,89 @@
           </a:p>
         </p:txBody>
       </p:sp>
+      <p:sp>
+        <p:nvSpPr>
+          <p:cNvPr id="3" name="TextBox 2">
+            <a:extLst>
+              <a:ext uri="{FF2B5EF4-FFF2-40B4-BE49-F238E27FC236}">
+                <a16:creationId xmlns:a16="http://schemas.microsoft.com/office/drawing/2014/main" id="{16712381-82BB-4E10-9E8E-A6E8DBE2948B}"/>
+              </a:ext>
+            </a:extLst>
+          </p:cNvPr>
+          <p:cNvSpPr txBox="1"/>
+          <p:nvPr/>
+        </p:nvSpPr>
+        <p:spPr>
+          <a:xfrm>
+            <a:off x="4180114" y="1781299"/>
+            <a:ext cx="6175169" cy="1754326"/>
+          </a:xfrm>
+          <a:prstGeom prst="rect">
+            <a:avLst/>
+          </a:prstGeom>
+          <a:noFill/>
+        </p:spPr>
+        <p:txBody>
+          <a:bodyPr wrap="square" rtlCol="0">
+            <a:spAutoFit/>
+          </a:bodyPr>
+          <a:lstStyle/>
+          <a:p>
+            <a:r>
+              <a:rPr lang="ko-KR" altLang="en-US" dirty="0" err="1"/>
+              <a:t>특이값을</a:t>
+            </a:r>
+            <a:r>
+              <a:rPr lang="ko-KR" altLang="en-US" dirty="0"/>
+              <a:t> 선정하여 변수에 입력한다</a:t>
+            </a:r>
+            <a:r>
+              <a:rPr lang="en-US" altLang="ko-KR" dirty="0"/>
+              <a:t>. </a:t>
+            </a:r>
+          </a:p>
+          <a:p>
+            <a:r>
+              <a:rPr lang="ko-KR" altLang="en-US" dirty="0"/>
+              <a:t>각각 사용자별</a:t>
+            </a:r>
+            <a:r>
+              <a:rPr lang="en-US" altLang="ko-KR" dirty="0"/>
+              <a:t>, </a:t>
+            </a:r>
+            <a:r>
+              <a:rPr lang="ko-KR" altLang="en-US" dirty="0"/>
+              <a:t>아이템별 기준으로 축소시킨 행렬들이다</a:t>
+            </a:r>
+            <a:r>
+              <a:rPr lang="en-US" altLang="ko-KR" dirty="0"/>
+              <a:t>.</a:t>
+            </a:r>
+          </a:p>
+          <a:p>
+            <a:endParaRPr lang="en-US" altLang="ko-KR" dirty="0"/>
+          </a:p>
+          <a:p>
+            <a:r>
+              <a:rPr lang="ko-KR" altLang="en-US" dirty="0"/>
+              <a:t>각각 함수를 모두 곱해주면 다시 원래의 평가 데이터를 얻을 수 있습니다</a:t>
+            </a:r>
+            <a:r>
+              <a:rPr lang="en-US" altLang="ko-KR" dirty="0"/>
+              <a:t>.</a:t>
+            </a:r>
+          </a:p>
+          <a:p>
+            <a:endParaRPr lang="ko-KR" altLang="en-US" dirty="0"/>
+          </a:p>
+        </p:txBody>
+      </p:sp>
       <p:pic>
         <p:nvPicPr>
-          <p:cNvPr id="4" name="내용 개체 틀 3">
-            <a:extLst>
-              <a:ext uri="{FF2B5EF4-FFF2-40B4-BE49-F238E27FC236}">
-                <a16:creationId xmlns:a16="http://schemas.microsoft.com/office/drawing/2014/main" id="{F83ED8CA-62CE-4A90-AE72-2E076A7A33E0}"/>
+          <p:cNvPr id="7" name="내용 개체 틀 6">
+            <a:extLst>
+              <a:ext uri="{FF2B5EF4-FFF2-40B4-BE49-F238E27FC236}">
+                <a16:creationId xmlns:a16="http://schemas.microsoft.com/office/drawing/2014/main" id="{4EDA2B43-37B4-4E71-987C-37326E125785}"/>
               </a:ext>
             </a:extLst>
           </p:cNvPr>
@@ -8769,91 +8906,14 @@
         </p:blipFill>
         <p:spPr>
           <a:xfrm>
-            <a:off x="838200" y="1690688"/>
-            <a:ext cx="2895078" cy="4351338"/>
+            <a:off x="838200" y="1781299"/>
+            <a:ext cx="3053099" cy="4351338"/>
           </a:xfrm>
           <a:prstGeom prst="rect">
             <a:avLst/>
           </a:prstGeom>
         </p:spPr>
       </p:pic>
-      <p:sp>
-        <p:nvSpPr>
-          <p:cNvPr id="3" name="TextBox 2">
-            <a:extLst>
-              <a:ext uri="{FF2B5EF4-FFF2-40B4-BE49-F238E27FC236}">
-                <a16:creationId xmlns:a16="http://schemas.microsoft.com/office/drawing/2014/main" id="{16712381-82BB-4E10-9E8E-A6E8DBE2948B}"/>
-              </a:ext>
-            </a:extLst>
-          </p:cNvPr>
-          <p:cNvSpPr txBox="1"/>
-          <p:nvPr/>
-        </p:nvSpPr>
-        <p:spPr>
-          <a:xfrm>
-            <a:off x="4180114" y="1781299"/>
-            <a:ext cx="6175169" cy="1754326"/>
-          </a:xfrm>
-          <a:prstGeom prst="rect">
-            <a:avLst/>
-          </a:prstGeom>
-          <a:noFill/>
-        </p:spPr>
-        <p:txBody>
-          <a:bodyPr wrap="square" rtlCol="0">
-            <a:spAutoFit/>
-          </a:bodyPr>
-          <a:lstStyle/>
-          <a:p>
-            <a:r>
-              <a:rPr lang="ko-KR" altLang="en-US" dirty="0" err="1"/>
-              <a:t>특이값을</a:t>
-            </a:r>
-            <a:r>
-              <a:rPr lang="ko-KR" altLang="en-US" dirty="0"/>
-              <a:t> 선정하여 변수에 입력한다</a:t>
-            </a:r>
-            <a:r>
-              <a:rPr lang="en-US" altLang="ko-KR" dirty="0"/>
-              <a:t>. </a:t>
-            </a:r>
-          </a:p>
-          <a:p>
-            <a:r>
-              <a:rPr lang="ko-KR" altLang="en-US" dirty="0"/>
-              <a:t>각각 사용자별</a:t>
-            </a:r>
-            <a:r>
-              <a:rPr lang="en-US" altLang="ko-KR" dirty="0"/>
-              <a:t>, </a:t>
-            </a:r>
-            <a:r>
-              <a:rPr lang="ko-KR" altLang="en-US" dirty="0"/>
-              <a:t>아이템별 기준으로 축소시킨 행렬들이다</a:t>
-            </a:r>
-            <a:r>
-              <a:rPr lang="en-US" altLang="ko-KR" dirty="0"/>
-              <a:t>.</a:t>
-            </a:r>
-          </a:p>
-          <a:p>
-            <a:endParaRPr lang="en-US" altLang="ko-KR" dirty="0"/>
-          </a:p>
-          <a:p>
-            <a:r>
-              <a:rPr lang="ko-KR" altLang="en-US" dirty="0"/>
-              <a:t>각각 함수를 모두 곱해주면 다시 원래의 평가 데이터를 얻을 수 있습니다</a:t>
-            </a:r>
-            <a:r>
-              <a:rPr lang="en-US" altLang="ko-KR" dirty="0"/>
-              <a:t>.</a:t>
-            </a:r>
-          </a:p>
-          <a:p>
-            <a:endParaRPr lang="ko-KR" altLang="en-US" dirty="0"/>
-          </a:p>
-        </p:txBody>
-      </p:sp>
     </p:spTree>
     <p:extLst>
       <p:ext uri="{BB962C8B-B14F-4D97-AF65-F5344CB8AC3E}">

--- a/doc/12week.pptx
+++ b/doc/12week.pptx
@@ -12,20 +12,19 @@
     <p:sldId id="260" r:id="rId6"/>
     <p:sldId id="276" r:id="rId7"/>
     <p:sldId id="261" r:id="rId8"/>
-    <p:sldId id="268" r:id="rId9"/>
-    <p:sldId id="269" r:id="rId10"/>
-    <p:sldId id="270" r:id="rId11"/>
-    <p:sldId id="271" r:id="rId12"/>
-    <p:sldId id="272" r:id="rId13"/>
-    <p:sldId id="273" r:id="rId14"/>
-    <p:sldId id="274" r:id="rId15"/>
-    <p:sldId id="275" r:id="rId16"/>
-    <p:sldId id="277" r:id="rId17"/>
-    <p:sldId id="278" r:id="rId18"/>
-    <p:sldId id="279" r:id="rId19"/>
-    <p:sldId id="280" r:id="rId20"/>
-    <p:sldId id="281" r:id="rId21"/>
-    <p:sldId id="282" r:id="rId22"/>
+    <p:sldId id="269" r:id="rId9"/>
+    <p:sldId id="270" r:id="rId10"/>
+    <p:sldId id="271" r:id="rId11"/>
+    <p:sldId id="272" r:id="rId12"/>
+    <p:sldId id="273" r:id="rId13"/>
+    <p:sldId id="274" r:id="rId14"/>
+    <p:sldId id="275" r:id="rId15"/>
+    <p:sldId id="277" r:id="rId16"/>
+    <p:sldId id="278" r:id="rId17"/>
+    <p:sldId id="279" r:id="rId18"/>
+    <p:sldId id="280" r:id="rId19"/>
+    <p:sldId id="281" r:id="rId20"/>
+    <p:sldId id="282" r:id="rId21"/>
   </p:sldIdLst>
   <p:sldSz cx="12192000" cy="6858000"/>
   <p:notesSz cx="6858000" cy="9144000"/>
@@ -279,7 +278,7 @@
           <a:p>
             <a:fld id="{BEA2738C-BD62-4DE3-85BC-1FBFC6A7E96D}" type="datetimeFigureOut">
               <a:rPr lang="ko-KR" altLang="en-US" smtClean="0"/>
-              <a:t>2019-05-28</a:t>
+              <a:t>2019-05-29</a:t>
             </a:fld>
             <a:endParaRPr lang="ko-KR" altLang="en-US"/>
           </a:p>
@@ -477,7 +476,7 @@
           <a:p>
             <a:fld id="{BEA2738C-BD62-4DE3-85BC-1FBFC6A7E96D}" type="datetimeFigureOut">
               <a:rPr lang="ko-KR" altLang="en-US" smtClean="0"/>
-              <a:t>2019-05-28</a:t>
+              <a:t>2019-05-29</a:t>
             </a:fld>
             <a:endParaRPr lang="ko-KR" altLang="en-US"/>
           </a:p>
@@ -685,7 +684,7 @@
           <a:p>
             <a:fld id="{BEA2738C-BD62-4DE3-85BC-1FBFC6A7E96D}" type="datetimeFigureOut">
               <a:rPr lang="ko-KR" altLang="en-US" smtClean="0"/>
-              <a:t>2019-05-28</a:t>
+              <a:t>2019-05-29</a:t>
             </a:fld>
             <a:endParaRPr lang="ko-KR" altLang="en-US"/>
           </a:p>
@@ -883,7 +882,7 @@
           <a:p>
             <a:fld id="{BEA2738C-BD62-4DE3-85BC-1FBFC6A7E96D}" type="datetimeFigureOut">
               <a:rPr lang="ko-KR" altLang="en-US" smtClean="0"/>
-              <a:t>2019-05-28</a:t>
+              <a:t>2019-05-29</a:t>
             </a:fld>
             <a:endParaRPr lang="ko-KR" altLang="en-US"/>
           </a:p>
@@ -1158,7 +1157,7 @@
           <a:p>
             <a:fld id="{BEA2738C-BD62-4DE3-85BC-1FBFC6A7E96D}" type="datetimeFigureOut">
               <a:rPr lang="ko-KR" altLang="en-US" smtClean="0"/>
-              <a:t>2019-05-28</a:t>
+              <a:t>2019-05-29</a:t>
             </a:fld>
             <a:endParaRPr lang="ko-KR" altLang="en-US"/>
           </a:p>
@@ -1423,7 +1422,7 @@
           <a:p>
             <a:fld id="{BEA2738C-BD62-4DE3-85BC-1FBFC6A7E96D}" type="datetimeFigureOut">
               <a:rPr lang="ko-KR" altLang="en-US" smtClean="0"/>
-              <a:t>2019-05-28</a:t>
+              <a:t>2019-05-29</a:t>
             </a:fld>
             <a:endParaRPr lang="ko-KR" altLang="en-US"/>
           </a:p>
@@ -1835,7 +1834,7 @@
           <a:p>
             <a:fld id="{BEA2738C-BD62-4DE3-85BC-1FBFC6A7E96D}" type="datetimeFigureOut">
               <a:rPr lang="ko-KR" altLang="en-US" smtClean="0"/>
-              <a:t>2019-05-28</a:t>
+              <a:t>2019-05-29</a:t>
             </a:fld>
             <a:endParaRPr lang="ko-KR" altLang="en-US"/>
           </a:p>
@@ -1976,7 +1975,7 @@
           <a:p>
             <a:fld id="{BEA2738C-BD62-4DE3-85BC-1FBFC6A7E96D}" type="datetimeFigureOut">
               <a:rPr lang="ko-KR" altLang="en-US" smtClean="0"/>
-              <a:t>2019-05-28</a:t>
+              <a:t>2019-05-29</a:t>
             </a:fld>
             <a:endParaRPr lang="ko-KR" altLang="en-US"/>
           </a:p>
@@ -2089,7 +2088,7 @@
           <a:p>
             <a:fld id="{BEA2738C-BD62-4DE3-85BC-1FBFC6A7E96D}" type="datetimeFigureOut">
               <a:rPr lang="ko-KR" altLang="en-US" smtClean="0"/>
-              <a:t>2019-05-28</a:t>
+              <a:t>2019-05-29</a:t>
             </a:fld>
             <a:endParaRPr lang="ko-KR" altLang="en-US"/>
           </a:p>
@@ -2400,7 +2399,7 @@
           <a:p>
             <a:fld id="{BEA2738C-BD62-4DE3-85BC-1FBFC6A7E96D}" type="datetimeFigureOut">
               <a:rPr lang="ko-KR" altLang="en-US" smtClean="0"/>
-              <a:t>2019-05-28</a:t>
+              <a:t>2019-05-29</a:t>
             </a:fld>
             <a:endParaRPr lang="ko-KR" altLang="en-US"/>
           </a:p>
@@ -2688,7 +2687,7 @@
           <a:p>
             <a:fld id="{BEA2738C-BD62-4DE3-85BC-1FBFC6A7E96D}" type="datetimeFigureOut">
               <a:rPr lang="ko-KR" altLang="en-US" smtClean="0"/>
-              <a:t>2019-05-28</a:t>
+              <a:t>2019-05-29</a:t>
             </a:fld>
             <a:endParaRPr lang="ko-KR" altLang="en-US"/>
           </a:p>
@@ -2929,7 +2928,7 @@
           <a:p>
             <a:fld id="{BEA2738C-BD62-4DE3-85BC-1FBFC6A7E96D}" type="datetimeFigureOut">
               <a:rPr lang="ko-KR" altLang="en-US" smtClean="0"/>
-              <a:t>2019-05-28</a:t>
+              <a:t>2019-05-29</a:t>
             </a:fld>
             <a:endParaRPr lang="ko-KR" altLang="en-US"/>
           </a:p>
@@ -3479,7 +3478,7 @@
           <a:p>
             <a:fld id="{15FE3A75-6610-494F-911B-E9C2D085BFB9}" type="datetime1">
               <a:rPr lang="ko-KR" altLang="en-US" smtClean="0"/>
-              <a:t>2019-05-28</a:t>
+              <a:t>2019-05-29</a:t>
             </a:fld>
             <a:endParaRPr lang="ko-KR" altLang="en-US"/>
           </a:p>
@@ -3662,12 +3661,49 @@
           <a:chExt cx="0" cy="0"/>
         </a:xfrm>
       </p:grpSpPr>
+      <p:sp>
+        <p:nvSpPr>
+          <p:cNvPr id="2" name="제목 1">
+            <a:extLst>
+              <a:ext uri="{FF2B5EF4-FFF2-40B4-BE49-F238E27FC236}">
+                <a16:creationId xmlns:a16="http://schemas.microsoft.com/office/drawing/2014/main" id="{63BAC052-2664-40DE-A2C6-0AD8A9257BC3}"/>
+              </a:ext>
+            </a:extLst>
+          </p:cNvPr>
+          <p:cNvSpPr>
+            <a:spLocks noGrp="1"/>
+          </p:cNvSpPr>
+          <p:nvPr>
+            <p:ph type="title"/>
+          </p:nvPr>
+        </p:nvSpPr>
+        <p:spPr/>
+        <p:txBody>
+          <a:bodyPr/>
+          <a:lstStyle/>
+          <a:p>
+            <a:r>
+              <a:rPr lang="en-US" altLang="ko-KR" dirty="0"/>
+              <a:t>SVD </a:t>
+            </a:r>
+            <a:r>
+              <a:rPr lang="ko-KR" altLang="en-US" dirty="0"/>
+              <a:t>예제 코드 설명 </a:t>
+            </a:r>
+            <a:r>
+              <a:rPr lang="en-US" altLang="ko-KR" dirty="0"/>
+              <a:t>-5</a:t>
+            </a:r>
+            <a:endParaRPr lang="ko-KR" altLang="en-US" dirty="0"/>
+          </a:p>
+        </p:txBody>
+      </p:sp>
       <p:pic>
         <p:nvPicPr>
-          <p:cNvPr id="9" name="내용 개체 틀 8">
-            <a:extLst>
-              <a:ext uri="{FF2B5EF4-FFF2-40B4-BE49-F238E27FC236}">
-                <a16:creationId xmlns:a16="http://schemas.microsoft.com/office/drawing/2014/main" id="{8CCA8C2C-5781-4821-BBD6-AAC752F9213A}"/>
+          <p:cNvPr id="4" name="내용 개체 틀 3">
+            <a:extLst>
+              <a:ext uri="{FF2B5EF4-FFF2-40B4-BE49-F238E27FC236}">
+                <a16:creationId xmlns:a16="http://schemas.microsoft.com/office/drawing/2014/main" id="{B9CFB700-E898-4CFE-86D3-9F8E918BCD50}"/>
               </a:ext>
             </a:extLst>
           </p:cNvPr>
@@ -3686,8 +3722,8 @@
         </p:blipFill>
         <p:spPr>
           <a:xfrm>
-            <a:off x="803051" y="1823343"/>
-            <a:ext cx="2157688" cy="4351338"/>
+            <a:off x="1121042" y="1971675"/>
+            <a:ext cx="3038475" cy="1457325"/>
           </a:xfrm>
           <a:prstGeom prst="rect">
             <a:avLst/>
@@ -3696,47 +3732,10 @@
       </p:pic>
       <p:sp>
         <p:nvSpPr>
-          <p:cNvPr id="2" name="제목 1">
-            <a:extLst>
-              <a:ext uri="{FF2B5EF4-FFF2-40B4-BE49-F238E27FC236}">
-                <a16:creationId xmlns:a16="http://schemas.microsoft.com/office/drawing/2014/main" id="{63BAC052-2664-40DE-A2C6-0AD8A9257BC3}"/>
-              </a:ext>
-            </a:extLst>
-          </p:cNvPr>
-          <p:cNvSpPr>
-            <a:spLocks noGrp="1"/>
-          </p:cNvSpPr>
-          <p:nvPr>
-            <p:ph type="title"/>
-          </p:nvPr>
-        </p:nvSpPr>
-        <p:spPr/>
-        <p:txBody>
-          <a:bodyPr/>
-          <a:lstStyle/>
-          <a:p>
-            <a:r>
-              <a:rPr lang="en-US" altLang="ko-KR" dirty="0"/>
-              <a:t>SVD </a:t>
-            </a:r>
-            <a:r>
-              <a:rPr lang="ko-KR" altLang="en-US" dirty="0"/>
-              <a:t>예제 코드 설명 </a:t>
-            </a:r>
-            <a:r>
-              <a:rPr lang="en-US" altLang="ko-KR" dirty="0"/>
-              <a:t>-5</a:t>
-            </a:r>
-            <a:endParaRPr lang="ko-KR" altLang="en-US" dirty="0"/>
-          </a:p>
-        </p:txBody>
-      </p:sp>
-      <p:sp>
-        <p:nvSpPr>
           <p:cNvPr id="3" name="TextBox 2">
             <a:extLst>
               <a:ext uri="{FF2B5EF4-FFF2-40B4-BE49-F238E27FC236}">
-                <a16:creationId xmlns:a16="http://schemas.microsoft.com/office/drawing/2014/main" id="{AA15B94B-3759-4E36-BE6C-CADA257EE729}"/>
+                <a16:creationId xmlns:a16="http://schemas.microsoft.com/office/drawing/2014/main" id="{C0C92C5E-BE67-41CB-9CEF-90429C489206}"/>
               </a:ext>
             </a:extLst>
           </p:cNvPr>
@@ -3745,8 +3744,8 @@
         </p:nvSpPr>
         <p:spPr>
           <a:xfrm>
-            <a:off x="3123210" y="1690688"/>
-            <a:ext cx="8230590" cy="2308324"/>
+            <a:off x="5248893" y="2161309"/>
+            <a:ext cx="4643251" cy="2031325"/>
           </a:xfrm>
           <a:prstGeom prst="rect">
             <a:avLst/>
@@ -3761,86 +3760,50 @@
           <a:p>
             <a:r>
               <a:rPr lang="ko-KR" altLang="en-US" dirty="0"/>
-              <a:t>유사도를 계산하여 추천 시스템 알고리즘을 적용하기</a:t>
-            </a:r>
+              <a:t>위의 행렬들을 이용하여 </a:t>
+            </a:r>
+            <a:r>
+              <a:rPr lang="en-US" altLang="ko-KR" dirty="0" err="1"/>
+              <a:t>svd</a:t>
+            </a:r>
+            <a:r>
+              <a:rPr lang="ko-KR" altLang="en-US" dirty="0"/>
+              <a:t>의 유사도를 계산 한 결과</a:t>
+            </a:r>
+            <a:r>
+              <a:rPr lang="en-US" altLang="ko-KR" dirty="0"/>
+              <a:t>. </a:t>
+            </a:r>
+          </a:p>
+          <a:p>
+            <a:r>
+              <a:rPr lang="ko-KR" altLang="en-US" dirty="0"/>
+              <a:t>원본 행렬과 동일한 결과를 얻을 수 있다</a:t>
+            </a:r>
+            <a:r>
+              <a:rPr lang="en-US" altLang="ko-KR" dirty="0"/>
+              <a:t>.</a:t>
+            </a:r>
+          </a:p>
+          <a:p>
             <a:endParaRPr lang="en-US" altLang="ko-KR" dirty="0"/>
           </a:p>
           <a:p>
-            <a:pPr marL="342900" indent="-342900">
-              <a:buAutoNum type="arabicPeriod"/>
-            </a:pPr>
-            <a:r>
-              <a:rPr lang="ko-KR" altLang="en-US" dirty="0"/>
-              <a:t>사용자 </a:t>
-            </a:r>
-            <a:r>
-              <a:rPr lang="en-US" altLang="ko-KR" dirty="0"/>
-              <a:t>x </a:t>
-            </a:r>
-            <a:r>
-              <a:rPr lang="ko-KR" altLang="en-US" dirty="0"/>
-              <a:t>사용자 유사도</a:t>
-            </a:r>
-            <a:endParaRPr lang="en-US" altLang="ko-KR" dirty="0"/>
-          </a:p>
-          <a:p>
-            <a:pPr marL="342900" indent="-342900">
-              <a:buAutoNum type="arabicPeriod"/>
-            </a:pPr>
-            <a:r>
-              <a:rPr lang="ko-KR" altLang="en-US" dirty="0"/>
-              <a:t>전치</a:t>
-            </a:r>
-            <a:r>
-              <a:rPr lang="en-US" altLang="ko-KR" dirty="0"/>
-              <a:t>(transpose) </a:t>
-            </a:r>
-          </a:p>
-          <a:p>
-            <a:pPr marL="342900" indent="-342900">
-              <a:buAutoNum type="arabicPeriod"/>
-            </a:pPr>
-            <a:r>
-              <a:rPr lang="en-US" altLang="ko-KR" dirty="0"/>
-              <a:t>U1~U4 , U5~U7 </a:t>
-            </a:r>
-            <a:r>
-              <a:rPr lang="ko-KR" altLang="en-US" dirty="0"/>
-              <a:t>각각 유사하다고 판단할 수 있음</a:t>
-            </a:r>
-            <a:endParaRPr lang="en-US" altLang="ko-KR" dirty="0"/>
-          </a:p>
-          <a:p>
-            <a:endParaRPr lang="en-US" altLang="ko-KR" dirty="0"/>
-          </a:p>
-          <a:p>
-            <a:r>
-              <a:rPr lang="en-US" altLang="ko-KR" dirty="0"/>
-              <a:t>U1~U4 : </a:t>
-            </a:r>
-            <a:r>
-              <a:rPr lang="ko-KR" altLang="en-US" dirty="0" err="1"/>
-              <a:t>캐쥬얼</a:t>
-            </a:r>
-            <a:endParaRPr lang="en-US" altLang="ko-KR" dirty="0"/>
-          </a:p>
-          <a:p>
-            <a:r>
-              <a:rPr lang="en-US" altLang="ko-KR" dirty="0"/>
-              <a:t>U5~U7 : </a:t>
-            </a:r>
-            <a:r>
-              <a:rPr lang="ko-KR" altLang="en-US" dirty="0"/>
-              <a:t>클래식</a:t>
-            </a:r>
-            <a:endParaRPr lang="en-US" altLang="ko-KR" dirty="0"/>
-          </a:p>
-          <a:p>
-            <a:r>
-              <a:rPr lang="ko-KR" altLang="en-US" dirty="0"/>
-              <a:t> </a:t>
-            </a:r>
-            <a:endParaRPr lang="en-US" altLang="ko-KR" dirty="0"/>
+            <a:r>
+              <a:rPr lang="en-US" altLang="ko-KR" dirty="0"/>
+              <a:t>= </a:t>
+            </a:r>
+            <a:r>
+              <a:rPr lang="ko-KR" altLang="en-US" dirty="0"/>
+              <a:t>축소 시킨 데이터행렬로도 동일한 유사도를 얻을 수 있다</a:t>
+            </a:r>
+            <a:r>
+              <a:rPr lang="en-US" altLang="ko-KR" dirty="0"/>
+              <a:t>.</a:t>
+            </a:r>
+          </a:p>
+          <a:p>
+            <a:endParaRPr lang="ko-KR" altLang="en-US" dirty="0"/>
           </a:p>
         </p:txBody>
       </p:sp>
@@ -3849,7 +3812,7 @@
           <p:cNvPr id="5" name="직사각형 4">
             <a:extLst>
               <a:ext uri="{FF2B5EF4-FFF2-40B4-BE49-F238E27FC236}">
-                <a16:creationId xmlns:a16="http://schemas.microsoft.com/office/drawing/2014/main" id="{7224E65B-9E69-457C-94B9-C1CF4BF4532B}"/>
+                <a16:creationId xmlns:a16="http://schemas.microsoft.com/office/drawing/2014/main" id="{B6A80D14-CC34-430F-A231-8B5E169BCBFF}"/>
               </a:ext>
             </a:extLst>
           </p:cNvPr>
@@ -3858,8 +3821,8 @@
         </p:nvSpPr>
         <p:spPr>
           <a:xfrm>
-            <a:off x="1082127" y="2100169"/>
-            <a:ext cx="799768" cy="525044"/>
+            <a:off x="1713358" y="2406936"/>
+            <a:ext cx="1342508" cy="578137"/>
           </a:xfrm>
           <a:prstGeom prst="rect">
             <a:avLst/>
@@ -3901,7 +3864,7 @@
           <p:cNvPr id="6" name="직사각형 5">
             <a:extLst>
               <a:ext uri="{FF2B5EF4-FFF2-40B4-BE49-F238E27FC236}">
-                <a16:creationId xmlns:a16="http://schemas.microsoft.com/office/drawing/2014/main" id="{2610C88C-5C3D-4504-9999-E2D78829C7B4}"/>
+                <a16:creationId xmlns:a16="http://schemas.microsoft.com/office/drawing/2014/main" id="{77B3EC5E-A064-4D46-9DAC-E9FCD2692431}"/>
               </a:ext>
             </a:extLst>
           </p:cNvPr>
@@ -3910,8 +3873,8 @@
         </p:nvSpPr>
         <p:spPr>
           <a:xfrm>
-            <a:off x="1917372" y="2625213"/>
-            <a:ext cx="607552" cy="391038"/>
+            <a:off x="3207806" y="2985073"/>
+            <a:ext cx="937435" cy="443927"/>
           </a:xfrm>
           <a:prstGeom prst="rect">
             <a:avLst/>
@@ -3951,7 +3914,7 @@
     </p:spTree>
     <p:extLst>
       <p:ext uri="{BB962C8B-B14F-4D97-AF65-F5344CB8AC3E}">
-        <p14:creationId xmlns:p14="http://schemas.microsoft.com/office/powerpoint/2010/main" val="2945227285"/>
+        <p14:creationId xmlns:p14="http://schemas.microsoft.com/office/powerpoint/2010/main" val="1953651925"/>
       </p:ext>
     </p:extLst>
   </p:cSld>
@@ -4015,12 +3978,61 @@
           </a:p>
         </p:txBody>
       </p:sp>
+      <p:sp>
+        <p:nvSpPr>
+          <p:cNvPr id="3" name="TextBox 2">
+            <a:extLst>
+              <a:ext uri="{FF2B5EF4-FFF2-40B4-BE49-F238E27FC236}">
+                <a16:creationId xmlns:a16="http://schemas.microsoft.com/office/drawing/2014/main" id="{93E4CFB2-8793-4714-A5E8-1360E998CBA3}"/>
+              </a:ext>
+            </a:extLst>
+          </p:cNvPr>
+          <p:cNvSpPr txBox="1"/>
+          <p:nvPr/>
+        </p:nvSpPr>
+        <p:spPr>
+          <a:xfrm>
+            <a:off x="6400800" y="2066306"/>
+            <a:ext cx="4441371" cy="923330"/>
+          </a:xfrm>
+          <a:prstGeom prst="rect">
+            <a:avLst/>
+          </a:prstGeom>
+          <a:noFill/>
+        </p:spPr>
+        <p:txBody>
+          <a:bodyPr wrap="square" rtlCol="0">
+            <a:spAutoFit/>
+          </a:bodyPr>
+          <a:lstStyle/>
+          <a:p>
+            <a:r>
+              <a:rPr lang="en-US" altLang="ko-KR" dirty="0"/>
+              <a:t>2. </a:t>
+            </a:r>
+            <a:r>
+              <a:rPr lang="ko-KR" altLang="en-US" dirty="0"/>
+              <a:t>아이템간 유사도 평가</a:t>
+            </a:r>
+            <a:endParaRPr lang="en-US" altLang="ko-KR" dirty="0"/>
+          </a:p>
+          <a:p>
+            <a:endParaRPr lang="en-US" altLang="ko-KR" dirty="0"/>
+          </a:p>
+          <a:p>
+            <a:r>
+              <a:rPr lang="ko-KR" altLang="en-US" dirty="0"/>
+              <a:t> </a:t>
+            </a:r>
+          </a:p>
+        </p:txBody>
+      </p:sp>
       <p:pic>
         <p:nvPicPr>
-          <p:cNvPr id="4" name="내용 개체 틀 3">
-            <a:extLst>
-              <a:ext uri="{FF2B5EF4-FFF2-40B4-BE49-F238E27FC236}">
-                <a16:creationId xmlns:a16="http://schemas.microsoft.com/office/drawing/2014/main" id="{B9CFB700-E898-4CFE-86D3-9F8E918BCD50}"/>
+          <p:cNvPr id="7" name="내용 개체 틀 6">
+            <a:extLst>
+              <a:ext uri="{FF2B5EF4-FFF2-40B4-BE49-F238E27FC236}">
+                <a16:creationId xmlns:a16="http://schemas.microsoft.com/office/drawing/2014/main" id="{3FB9E0B1-386F-41B7-A86D-3B0DC2ADDA50}"/>
               </a:ext>
             </a:extLst>
           </p:cNvPr>
@@ -4039,199 +4051,18 @@
         </p:blipFill>
         <p:spPr>
           <a:xfrm>
-            <a:off x="1121042" y="1971675"/>
-            <a:ext cx="3038475" cy="1457325"/>
+            <a:off x="847725" y="1934122"/>
+            <a:ext cx="5553075" cy="2495550"/>
           </a:xfrm>
           <a:prstGeom prst="rect">
             <a:avLst/>
           </a:prstGeom>
         </p:spPr>
       </p:pic>
-      <p:sp>
-        <p:nvSpPr>
-          <p:cNvPr id="3" name="TextBox 2">
-            <a:extLst>
-              <a:ext uri="{FF2B5EF4-FFF2-40B4-BE49-F238E27FC236}">
-                <a16:creationId xmlns:a16="http://schemas.microsoft.com/office/drawing/2014/main" id="{C0C92C5E-BE67-41CB-9CEF-90429C489206}"/>
-              </a:ext>
-            </a:extLst>
-          </p:cNvPr>
-          <p:cNvSpPr txBox="1"/>
-          <p:nvPr/>
-        </p:nvSpPr>
-        <p:spPr>
-          <a:xfrm>
-            <a:off x="5248893" y="2161309"/>
-            <a:ext cx="4643251" cy="2031325"/>
-          </a:xfrm>
-          <a:prstGeom prst="rect">
-            <a:avLst/>
-          </a:prstGeom>
-          <a:noFill/>
-        </p:spPr>
-        <p:txBody>
-          <a:bodyPr wrap="square" rtlCol="0">
-            <a:spAutoFit/>
-          </a:bodyPr>
-          <a:lstStyle/>
-          <a:p>
-            <a:r>
-              <a:rPr lang="ko-KR" altLang="en-US" dirty="0"/>
-              <a:t>위의 행렬들을 이용하여 </a:t>
-            </a:r>
-            <a:r>
-              <a:rPr lang="en-US" altLang="ko-KR" dirty="0" err="1"/>
-              <a:t>svd</a:t>
-            </a:r>
-            <a:r>
-              <a:rPr lang="ko-KR" altLang="en-US" dirty="0"/>
-              <a:t>의 유사도를 계산 한 결과</a:t>
-            </a:r>
-            <a:r>
-              <a:rPr lang="en-US" altLang="ko-KR" dirty="0"/>
-              <a:t>. </a:t>
-            </a:r>
-          </a:p>
-          <a:p>
-            <a:r>
-              <a:rPr lang="ko-KR" altLang="en-US" dirty="0"/>
-              <a:t>원본 행렬과 동일한 결과를 얻을 수 있다</a:t>
-            </a:r>
-            <a:r>
-              <a:rPr lang="en-US" altLang="ko-KR" dirty="0"/>
-              <a:t>.</a:t>
-            </a:r>
-          </a:p>
-          <a:p>
-            <a:endParaRPr lang="en-US" altLang="ko-KR" dirty="0"/>
-          </a:p>
-          <a:p>
-            <a:r>
-              <a:rPr lang="en-US" altLang="ko-KR" dirty="0"/>
-              <a:t>= </a:t>
-            </a:r>
-            <a:r>
-              <a:rPr lang="ko-KR" altLang="en-US" dirty="0"/>
-              <a:t>축소 시킨 데이터행렬로도 동일한 유사도를 얻을 수 있다</a:t>
-            </a:r>
-            <a:r>
-              <a:rPr lang="en-US" altLang="ko-KR" dirty="0"/>
-              <a:t>.</a:t>
-            </a:r>
-          </a:p>
-          <a:p>
-            <a:endParaRPr lang="ko-KR" altLang="en-US" dirty="0"/>
-          </a:p>
-        </p:txBody>
-      </p:sp>
-      <p:sp>
-        <p:nvSpPr>
-          <p:cNvPr id="5" name="직사각형 4">
-            <a:extLst>
-              <a:ext uri="{FF2B5EF4-FFF2-40B4-BE49-F238E27FC236}">
-                <a16:creationId xmlns:a16="http://schemas.microsoft.com/office/drawing/2014/main" id="{B6A80D14-CC34-430F-A231-8B5E169BCBFF}"/>
-              </a:ext>
-            </a:extLst>
-          </p:cNvPr>
-          <p:cNvSpPr/>
-          <p:nvPr/>
-        </p:nvSpPr>
-        <p:spPr>
-          <a:xfrm>
-            <a:off x="1713358" y="2406936"/>
-            <a:ext cx="1342508" cy="578137"/>
-          </a:xfrm>
-          <a:prstGeom prst="rect">
-            <a:avLst/>
-          </a:prstGeom>
-          <a:noFill/>
-          <a:ln w="28575">
-            <a:solidFill>
-              <a:srgbClr val="C00000"/>
-            </a:solidFill>
-          </a:ln>
-        </p:spPr>
-        <p:style>
-          <a:lnRef idx="2">
-            <a:schemeClr val="accent1">
-              <a:shade val="50000"/>
-            </a:schemeClr>
-          </a:lnRef>
-          <a:fillRef idx="1">
-            <a:schemeClr val="accent1"/>
-          </a:fillRef>
-          <a:effectRef idx="0">
-            <a:schemeClr val="accent1"/>
-          </a:effectRef>
-          <a:fontRef idx="minor">
-            <a:schemeClr val="lt1"/>
-          </a:fontRef>
-        </p:style>
-        <p:txBody>
-          <a:bodyPr rtlCol="0" anchor="ctr"/>
-          <a:lstStyle/>
-          <a:p>
-            <a:pPr algn="ctr"/>
-            <a:endParaRPr lang="ko-KR" altLang="en-US"/>
-          </a:p>
-        </p:txBody>
-      </p:sp>
-      <p:sp>
-        <p:nvSpPr>
-          <p:cNvPr id="6" name="직사각형 5">
-            <a:extLst>
-              <a:ext uri="{FF2B5EF4-FFF2-40B4-BE49-F238E27FC236}">
-                <a16:creationId xmlns:a16="http://schemas.microsoft.com/office/drawing/2014/main" id="{77B3EC5E-A064-4D46-9DAC-E9FCD2692431}"/>
-              </a:ext>
-            </a:extLst>
-          </p:cNvPr>
-          <p:cNvSpPr/>
-          <p:nvPr/>
-        </p:nvSpPr>
-        <p:spPr>
-          <a:xfrm>
-            <a:off x="3207806" y="2985073"/>
-            <a:ext cx="937435" cy="443927"/>
-          </a:xfrm>
-          <a:prstGeom prst="rect">
-            <a:avLst/>
-          </a:prstGeom>
-          <a:noFill/>
-          <a:ln w="28575">
-            <a:solidFill>
-              <a:srgbClr val="C00000"/>
-            </a:solidFill>
-          </a:ln>
-        </p:spPr>
-        <p:style>
-          <a:lnRef idx="2">
-            <a:schemeClr val="accent1">
-              <a:shade val="50000"/>
-            </a:schemeClr>
-          </a:lnRef>
-          <a:fillRef idx="1">
-            <a:schemeClr val="accent1"/>
-          </a:fillRef>
-          <a:effectRef idx="0">
-            <a:schemeClr val="accent1"/>
-          </a:effectRef>
-          <a:fontRef idx="minor">
-            <a:schemeClr val="lt1"/>
-          </a:fontRef>
-        </p:style>
-        <p:txBody>
-          <a:bodyPr rtlCol="0" anchor="ctr"/>
-          <a:lstStyle/>
-          <a:p>
-            <a:pPr algn="ctr"/>
-            <a:endParaRPr lang="ko-KR" altLang="en-US"/>
-          </a:p>
-        </p:txBody>
-      </p:sp>
     </p:spTree>
     <p:extLst>
       <p:ext uri="{BB962C8B-B14F-4D97-AF65-F5344CB8AC3E}">
-        <p14:creationId xmlns:p14="http://schemas.microsoft.com/office/powerpoint/2010/main" val="1953651925"/>
+        <p14:creationId xmlns:p14="http://schemas.microsoft.com/office/powerpoint/2010/main" val="116185711"/>
       </p:ext>
     </p:extLst>
   </p:cSld>
@@ -4295,61 +4126,12 @@
           </a:p>
         </p:txBody>
       </p:sp>
-      <p:sp>
-        <p:nvSpPr>
-          <p:cNvPr id="3" name="TextBox 2">
-            <a:extLst>
-              <a:ext uri="{FF2B5EF4-FFF2-40B4-BE49-F238E27FC236}">
-                <a16:creationId xmlns:a16="http://schemas.microsoft.com/office/drawing/2014/main" id="{93E4CFB2-8793-4714-A5E8-1360E998CBA3}"/>
-              </a:ext>
-            </a:extLst>
-          </p:cNvPr>
-          <p:cNvSpPr txBox="1"/>
-          <p:nvPr/>
-        </p:nvSpPr>
-        <p:spPr>
-          <a:xfrm>
-            <a:off x="6400800" y="2066306"/>
-            <a:ext cx="4441371" cy="923330"/>
-          </a:xfrm>
-          <a:prstGeom prst="rect">
-            <a:avLst/>
-          </a:prstGeom>
-          <a:noFill/>
-        </p:spPr>
-        <p:txBody>
-          <a:bodyPr wrap="square" rtlCol="0">
-            <a:spAutoFit/>
-          </a:bodyPr>
-          <a:lstStyle/>
-          <a:p>
-            <a:r>
-              <a:rPr lang="en-US" altLang="ko-KR" dirty="0"/>
-              <a:t>2. </a:t>
-            </a:r>
-            <a:r>
-              <a:rPr lang="ko-KR" altLang="en-US" dirty="0"/>
-              <a:t>아이템간 유사도 평가</a:t>
-            </a:r>
-            <a:endParaRPr lang="en-US" altLang="ko-KR" dirty="0"/>
-          </a:p>
-          <a:p>
-            <a:endParaRPr lang="en-US" altLang="ko-KR" dirty="0"/>
-          </a:p>
-          <a:p>
-            <a:r>
-              <a:rPr lang="ko-KR" altLang="en-US" dirty="0"/>
-              <a:t> </a:t>
-            </a:r>
-          </a:p>
-        </p:txBody>
-      </p:sp>
       <p:pic>
         <p:nvPicPr>
-          <p:cNvPr id="7" name="내용 개체 틀 6">
-            <a:extLst>
-              <a:ext uri="{FF2B5EF4-FFF2-40B4-BE49-F238E27FC236}">
-                <a16:creationId xmlns:a16="http://schemas.microsoft.com/office/drawing/2014/main" id="{3FB9E0B1-386F-41B7-A86D-3B0DC2ADDA50}"/>
+          <p:cNvPr id="4" name="내용 개체 틀 3">
+            <a:extLst>
+              <a:ext uri="{FF2B5EF4-FFF2-40B4-BE49-F238E27FC236}">
+                <a16:creationId xmlns:a16="http://schemas.microsoft.com/office/drawing/2014/main" id="{4CEFC56D-86D6-4F27-B1DF-0F968391F1C3}"/>
               </a:ext>
             </a:extLst>
           </p:cNvPr>
@@ -4368,18 +4150,165 @@
         </p:blipFill>
         <p:spPr>
           <a:xfrm>
-            <a:off x="847725" y="1934122"/>
-            <a:ext cx="5553075" cy="2495550"/>
+            <a:off x="4244282" y="1825625"/>
+            <a:ext cx="3703436" cy="4351338"/>
           </a:xfrm>
           <a:prstGeom prst="rect">
             <a:avLst/>
           </a:prstGeom>
         </p:spPr>
       </p:pic>
+      <p:sp>
+        <p:nvSpPr>
+          <p:cNvPr id="3" name="TextBox 2">
+            <a:extLst>
+              <a:ext uri="{FF2B5EF4-FFF2-40B4-BE49-F238E27FC236}">
+                <a16:creationId xmlns:a16="http://schemas.microsoft.com/office/drawing/2014/main" id="{E6572283-227D-48D1-865F-2D305348722F}"/>
+              </a:ext>
+            </a:extLst>
+          </p:cNvPr>
+          <p:cNvSpPr txBox="1"/>
+          <p:nvPr/>
+        </p:nvSpPr>
+        <p:spPr>
+          <a:xfrm>
+            <a:off x="7315199" y="1935678"/>
+            <a:ext cx="3918858" cy="2585323"/>
+          </a:xfrm>
+          <a:prstGeom prst="rect">
+            <a:avLst/>
+          </a:prstGeom>
+          <a:noFill/>
+        </p:spPr>
+        <p:txBody>
+          <a:bodyPr wrap="square" rtlCol="0">
+            <a:spAutoFit/>
+          </a:bodyPr>
+          <a:lstStyle/>
+          <a:p>
+            <a:r>
+              <a:rPr lang="ko-KR" altLang="en-US" dirty="0"/>
+              <a:t>각각의 행렬에 대해 유사도를 계산해 </a:t>
+            </a:r>
+            <a:r>
+              <a:rPr lang="ko-KR" altLang="en-US" dirty="0" err="1"/>
+              <a:t>보았을때</a:t>
+            </a:r>
+            <a:r>
+              <a:rPr lang="ko-KR" altLang="en-US" dirty="0"/>
+              <a:t> 역시나 원본과 유사한 유사도 분석 결과가 나온 것을 확인 할 수 있다</a:t>
+            </a:r>
+            <a:r>
+              <a:rPr lang="en-US" altLang="ko-KR" dirty="0"/>
+              <a:t>. </a:t>
+            </a:r>
+          </a:p>
+          <a:p>
+            <a:endParaRPr lang="en-US" altLang="ko-KR" dirty="0"/>
+          </a:p>
+          <a:p>
+            <a:r>
+              <a:rPr lang="ko-KR" altLang="en-US" dirty="0"/>
+              <a:t>기존 </a:t>
+            </a:r>
+            <a:r>
+              <a:rPr lang="en-US" altLang="ko-KR" dirty="0"/>
+              <a:t>7x5 </a:t>
+            </a:r>
+            <a:r>
+              <a:rPr lang="ko-KR" altLang="en-US" dirty="0"/>
+              <a:t>행렬</a:t>
+            </a:r>
+            <a:endParaRPr lang="en-US" altLang="ko-KR" dirty="0"/>
+          </a:p>
+          <a:p>
+            <a:r>
+              <a:rPr lang="en-US" altLang="ko-KR" dirty="0"/>
+              <a:t>-&gt;7x2</a:t>
+            </a:r>
+            <a:r>
+              <a:rPr lang="ko-KR" altLang="en-US" dirty="0"/>
+              <a:t>행렬로 축소</a:t>
+            </a:r>
+            <a:endParaRPr lang="en-US" altLang="ko-KR" dirty="0"/>
+          </a:p>
+          <a:p>
+            <a:r>
+              <a:rPr lang="en-US" altLang="ko-KR" dirty="0"/>
+              <a:t>=</a:t>
+            </a:r>
+            <a:r>
+              <a:rPr lang="ko-KR" altLang="en-US" dirty="0"/>
+              <a:t>데이터는 축소되었지만 유사도는 변함없음</a:t>
+            </a:r>
+            <a:r>
+              <a:rPr lang="en-US" altLang="ko-KR" dirty="0"/>
+              <a:t>. </a:t>
+            </a:r>
+            <a:endParaRPr lang="ko-KR" altLang="en-US" dirty="0"/>
+          </a:p>
+        </p:txBody>
+      </p:sp>
+      <p:sp>
+        <p:nvSpPr>
+          <p:cNvPr id="5" name="TextBox 4">
+            <a:extLst>
+              <a:ext uri="{FF2B5EF4-FFF2-40B4-BE49-F238E27FC236}">
+                <a16:creationId xmlns:a16="http://schemas.microsoft.com/office/drawing/2014/main" id="{3E449D71-7297-4B27-BC4E-8ED35151E82C}"/>
+              </a:ext>
+            </a:extLst>
+          </p:cNvPr>
+          <p:cNvSpPr txBox="1"/>
+          <p:nvPr/>
+        </p:nvSpPr>
+        <p:spPr>
+          <a:xfrm>
+            <a:off x="7588333" y="5153891"/>
+            <a:ext cx="3918858" cy="923330"/>
+          </a:xfrm>
+          <a:prstGeom prst="rect">
+            <a:avLst/>
+          </a:prstGeom>
+          <a:noFill/>
+        </p:spPr>
+        <p:txBody>
+          <a:bodyPr wrap="square" rtlCol="0">
+            <a:spAutoFit/>
+          </a:bodyPr>
+          <a:lstStyle/>
+          <a:p>
+            <a:r>
+              <a:rPr lang="ko-KR" altLang="en-US" dirty="0"/>
+              <a:t>만약 </a:t>
+            </a:r>
+            <a:r>
+              <a:rPr lang="en-US" altLang="ko-KR" dirty="0"/>
+              <a:t>10</a:t>
+            </a:r>
+            <a:r>
+              <a:rPr lang="ko-KR" altLang="en-US" dirty="0"/>
+              <a:t>만</a:t>
+            </a:r>
+            <a:r>
+              <a:rPr lang="en-US" altLang="ko-KR" dirty="0"/>
+              <a:t>,100</a:t>
+            </a:r>
+            <a:r>
+              <a:rPr lang="ko-KR" altLang="en-US" dirty="0"/>
+              <a:t>만개가 넘는 차원의 데이터였다면 속도나 성능 측면에서 더 많은 장점을 얻을 수 있음</a:t>
+            </a:r>
+            <a:r>
+              <a:rPr lang="en-US" altLang="ko-KR" dirty="0"/>
+              <a:t>.</a:t>
+            </a:r>
+            <a:endParaRPr lang="ko-KR" altLang="en-US" dirty="0"/>
+          </a:p>
+        </p:txBody>
+      </p:sp>
     </p:spTree>
     <p:extLst>
       <p:ext uri="{BB962C8B-B14F-4D97-AF65-F5344CB8AC3E}">
-        <p14:creationId xmlns:p14="http://schemas.microsoft.com/office/powerpoint/2010/main" val="116185711"/>
+        <p14:creationId xmlns:p14="http://schemas.microsoft.com/office/powerpoint/2010/main" val="1900156099"/>
       </p:ext>
     </p:extLst>
   </p:cSld>
@@ -4406,49 +4335,12 @@
           <a:chExt cx="0" cy="0"/>
         </a:xfrm>
       </p:grpSpPr>
-      <p:sp>
-        <p:nvSpPr>
-          <p:cNvPr id="2" name="제목 1">
-            <a:extLst>
-              <a:ext uri="{FF2B5EF4-FFF2-40B4-BE49-F238E27FC236}">
-                <a16:creationId xmlns:a16="http://schemas.microsoft.com/office/drawing/2014/main" id="{63BAC052-2664-40DE-A2C6-0AD8A9257BC3}"/>
-              </a:ext>
-            </a:extLst>
-          </p:cNvPr>
-          <p:cNvSpPr>
-            <a:spLocks noGrp="1"/>
-          </p:cNvSpPr>
-          <p:nvPr>
-            <p:ph type="title"/>
-          </p:nvPr>
-        </p:nvSpPr>
-        <p:spPr/>
-        <p:txBody>
-          <a:bodyPr/>
-          <a:lstStyle/>
-          <a:p>
-            <a:r>
-              <a:rPr lang="en-US" altLang="ko-KR" dirty="0"/>
-              <a:t>SVD </a:t>
-            </a:r>
-            <a:r>
-              <a:rPr lang="ko-KR" altLang="en-US" dirty="0"/>
-              <a:t>예제 코드 설명 </a:t>
-            </a:r>
-            <a:r>
-              <a:rPr lang="en-US" altLang="ko-KR" dirty="0"/>
-              <a:t>-8</a:t>
-            </a:r>
-            <a:endParaRPr lang="ko-KR" altLang="en-US" dirty="0"/>
-          </a:p>
-        </p:txBody>
-      </p:sp>
       <p:pic>
         <p:nvPicPr>
-          <p:cNvPr id="4" name="내용 개체 틀 3">
-            <a:extLst>
-              <a:ext uri="{FF2B5EF4-FFF2-40B4-BE49-F238E27FC236}">
-                <a16:creationId xmlns:a16="http://schemas.microsoft.com/office/drawing/2014/main" id="{4CEFC56D-86D6-4F27-B1DF-0F968391F1C3}"/>
+          <p:cNvPr id="8" name="내용 개체 틀 7">
+            <a:extLst>
+              <a:ext uri="{FF2B5EF4-FFF2-40B4-BE49-F238E27FC236}">
+                <a16:creationId xmlns:a16="http://schemas.microsoft.com/office/drawing/2014/main" id="{A8A4D1AD-DD13-493C-A0A8-19E3D619ED50}"/>
               </a:ext>
             </a:extLst>
           </p:cNvPr>
@@ -4467,8 +4359,8 @@
         </p:blipFill>
         <p:spPr>
           <a:xfrm>
-            <a:off x="4244282" y="1825625"/>
-            <a:ext cx="3703436" cy="4351338"/>
+            <a:off x="3307834" y="2489220"/>
+            <a:ext cx="5362575" cy="3038475"/>
           </a:xfrm>
           <a:prstGeom prst="rect">
             <a:avLst/>
@@ -4477,10 +4369,52 @@
       </p:pic>
       <p:sp>
         <p:nvSpPr>
+          <p:cNvPr id="2" name="제목 1">
+            <a:extLst>
+              <a:ext uri="{FF2B5EF4-FFF2-40B4-BE49-F238E27FC236}">
+                <a16:creationId xmlns:a16="http://schemas.microsoft.com/office/drawing/2014/main" id="{63BAC052-2664-40DE-A2C6-0AD8A9257BC3}"/>
+              </a:ext>
+            </a:extLst>
+          </p:cNvPr>
+          <p:cNvSpPr>
+            <a:spLocks noGrp="1"/>
+          </p:cNvSpPr>
+          <p:nvPr>
+            <p:ph type="title"/>
+          </p:nvPr>
+        </p:nvSpPr>
+        <p:spPr>
+          <a:xfrm>
+            <a:off x="838200" y="365125"/>
+            <a:ext cx="10515600" cy="1325563"/>
+          </a:xfrm>
+        </p:spPr>
+        <p:txBody>
+          <a:bodyPr/>
+          <a:lstStyle/>
+          <a:p>
+            <a:r>
+              <a:rPr lang="en-US" altLang="ko-KR" dirty="0"/>
+              <a:t>SVD </a:t>
+            </a:r>
+            <a:r>
+              <a:rPr lang="ko-KR" altLang="en-US" dirty="0"/>
+              <a:t>예제 코드 설명 </a:t>
+            </a:r>
+            <a:r>
+              <a:rPr lang="en-US" altLang="ko-KR" dirty="0"/>
+              <a:t>-8</a:t>
+            </a:r>
+            <a:endParaRPr lang="ko-KR" altLang="en-US" dirty="0"/>
+          </a:p>
+        </p:txBody>
+      </p:sp>
+      <p:sp>
+        <p:nvSpPr>
           <p:cNvPr id="3" name="TextBox 2">
             <a:extLst>
               <a:ext uri="{FF2B5EF4-FFF2-40B4-BE49-F238E27FC236}">
-                <a16:creationId xmlns:a16="http://schemas.microsoft.com/office/drawing/2014/main" id="{E6572283-227D-48D1-865F-2D305348722F}"/>
+                <a16:creationId xmlns:a16="http://schemas.microsoft.com/office/drawing/2014/main" id="{80C42CB2-7D1A-4B89-A800-2A75D394141A}"/>
               </a:ext>
             </a:extLst>
           </p:cNvPr>
@@ -4489,8 +4423,8 @@
         </p:nvSpPr>
         <p:spPr>
           <a:xfrm>
-            <a:off x="7315199" y="1935678"/>
-            <a:ext cx="3918858" cy="2585323"/>
+            <a:off x="950026" y="1638795"/>
+            <a:ext cx="6970816" cy="369332"/>
           </a:xfrm>
           <a:prstGeom prst="rect">
             <a:avLst/>
@@ -4505,127 +4439,83 @@
           <a:p>
             <a:r>
               <a:rPr lang="ko-KR" altLang="en-US" dirty="0"/>
-              <a:t>각각의 행렬에 대해 유사도를 계산해 </a:t>
+              <a:t>평점이 </a:t>
             </a:r>
             <a:r>
               <a:rPr lang="ko-KR" altLang="en-US" dirty="0" err="1"/>
-              <a:t>보았을때</a:t>
-            </a:r>
-            <a:r>
-              <a:rPr lang="ko-KR" altLang="en-US" dirty="0"/>
-              <a:t> 역시나 원본과 유사한 유사도 분석 결과가 나온 것을 확인 할 수 있다</a:t>
-            </a:r>
-            <a:r>
-              <a:rPr lang="en-US" altLang="ko-KR" dirty="0"/>
-              <a:t>. </a:t>
-            </a:r>
-          </a:p>
-          <a:p>
-            <a:endParaRPr lang="en-US" altLang="ko-KR" dirty="0"/>
-          </a:p>
-          <a:p>
-            <a:r>
-              <a:rPr lang="ko-KR" altLang="en-US" dirty="0"/>
-              <a:t>기존 </a:t>
-            </a:r>
-            <a:r>
-              <a:rPr lang="en-US" altLang="ko-KR" dirty="0"/>
-              <a:t>7x5 </a:t>
-            </a:r>
-            <a:r>
-              <a:rPr lang="ko-KR" altLang="en-US" dirty="0"/>
-              <a:t>행렬</a:t>
-            </a:r>
-            <a:endParaRPr lang="en-US" altLang="ko-KR" dirty="0"/>
-          </a:p>
-          <a:p>
-            <a:r>
-              <a:rPr lang="en-US" altLang="ko-KR" dirty="0"/>
-              <a:t>-&gt;7x2</a:t>
-            </a:r>
-            <a:r>
-              <a:rPr lang="ko-KR" altLang="en-US" dirty="0"/>
-              <a:t>행렬로 축소</a:t>
-            </a:r>
-            <a:endParaRPr lang="en-US" altLang="ko-KR" dirty="0"/>
-          </a:p>
-          <a:p>
-            <a:r>
-              <a:rPr lang="en-US" altLang="ko-KR" dirty="0"/>
-              <a:t>=</a:t>
-            </a:r>
-            <a:r>
-              <a:rPr lang="ko-KR" altLang="en-US" dirty="0"/>
-              <a:t>데이터는 축소되었지만 유사도는 변함없음</a:t>
-            </a:r>
-            <a:r>
-              <a:rPr lang="en-US" altLang="ko-KR" dirty="0"/>
-              <a:t>. </a:t>
-            </a:r>
-            <a:endParaRPr lang="ko-KR" altLang="en-US" dirty="0"/>
-          </a:p>
-        </p:txBody>
-      </p:sp>
-      <p:sp>
-        <p:nvSpPr>
-          <p:cNvPr id="5" name="TextBox 4">
-            <a:extLst>
-              <a:ext uri="{FF2B5EF4-FFF2-40B4-BE49-F238E27FC236}">
-                <a16:creationId xmlns:a16="http://schemas.microsoft.com/office/drawing/2014/main" id="{3E449D71-7297-4B27-BC4E-8ED35151E82C}"/>
-              </a:ext>
-            </a:extLst>
-          </p:cNvPr>
-          <p:cNvSpPr txBox="1"/>
+              <a:t>추가되었을때</a:t>
+            </a:r>
+            <a:r>
+              <a:rPr lang="ko-KR" altLang="en-US" dirty="0"/>
+              <a:t> </a:t>
+            </a:r>
+            <a:r>
+              <a:rPr lang="en-US" altLang="ko-KR" dirty="0"/>
+              <a:t>SVD</a:t>
+            </a:r>
+            <a:r>
+              <a:rPr lang="ko-KR" altLang="en-US" dirty="0"/>
+              <a:t>의 변화 확인 </a:t>
+            </a:r>
+          </a:p>
+        </p:txBody>
+      </p:sp>
+      <p:sp>
+        <p:nvSpPr>
+          <p:cNvPr id="5" name="직사각형 4">
+            <a:extLst>
+              <a:ext uri="{FF2B5EF4-FFF2-40B4-BE49-F238E27FC236}">
+                <a16:creationId xmlns:a16="http://schemas.microsoft.com/office/drawing/2014/main" id="{2A386575-DC1D-44B0-AED6-AD3C2C50FBE4}"/>
+              </a:ext>
+            </a:extLst>
+          </p:cNvPr>
+          <p:cNvSpPr/>
           <p:nvPr/>
         </p:nvSpPr>
         <p:spPr>
           <a:xfrm>
-            <a:off x="7588333" y="5153891"/>
-            <a:ext cx="3918858" cy="923330"/>
+            <a:off x="4436315" y="5338915"/>
+            <a:ext cx="241874" cy="188780"/>
           </a:xfrm>
           <a:prstGeom prst="rect">
             <a:avLst/>
           </a:prstGeom>
           <a:noFill/>
-        </p:spPr>
-        <p:txBody>
-          <a:bodyPr wrap="square" rtlCol="0">
-            <a:spAutoFit/>
-          </a:bodyPr>
-          <a:lstStyle/>
-          <a:p>
-            <a:r>
-              <a:rPr lang="ko-KR" altLang="en-US" dirty="0"/>
-              <a:t>만약 </a:t>
-            </a:r>
-            <a:r>
-              <a:rPr lang="en-US" altLang="ko-KR" dirty="0"/>
-              <a:t>10</a:t>
-            </a:r>
-            <a:r>
-              <a:rPr lang="ko-KR" altLang="en-US" dirty="0"/>
-              <a:t>만</a:t>
-            </a:r>
-            <a:r>
-              <a:rPr lang="en-US" altLang="ko-KR" dirty="0"/>
-              <a:t>,100</a:t>
-            </a:r>
-            <a:r>
-              <a:rPr lang="ko-KR" altLang="en-US" dirty="0"/>
-              <a:t>만개가 넘는 차원의 데이터였다면 속도나 성능 측면에서 더 많은 장점을 얻을 수 있음</a:t>
-            </a:r>
-            <a:r>
-              <a:rPr lang="en-US" altLang="ko-KR" dirty="0"/>
-              <a:t>.</a:t>
-            </a:r>
-            <a:endParaRPr lang="ko-KR" altLang="en-US" dirty="0"/>
+          <a:ln w="28575">
+            <a:solidFill>
+              <a:srgbClr val="C00000"/>
+            </a:solidFill>
+          </a:ln>
+        </p:spPr>
+        <p:style>
+          <a:lnRef idx="2">
+            <a:schemeClr val="accent1">
+              <a:shade val="50000"/>
+            </a:schemeClr>
+          </a:lnRef>
+          <a:fillRef idx="1">
+            <a:schemeClr val="accent1"/>
+          </a:fillRef>
+          <a:effectRef idx="0">
+            <a:schemeClr val="accent1"/>
+          </a:effectRef>
+          <a:fontRef idx="minor">
+            <a:schemeClr val="lt1"/>
+          </a:fontRef>
+        </p:style>
+        <p:txBody>
+          <a:bodyPr rtlCol="0" anchor="ctr"/>
+          <a:lstStyle/>
+          <a:p>
+            <a:pPr algn="ctr"/>
+            <a:endParaRPr lang="ko-KR" altLang="en-US"/>
           </a:p>
         </p:txBody>
       </p:sp>
     </p:spTree>
     <p:extLst>
       <p:ext uri="{BB962C8B-B14F-4D97-AF65-F5344CB8AC3E}">
-        <p14:creationId xmlns:p14="http://schemas.microsoft.com/office/powerpoint/2010/main" val="1900156099"/>
+        <p14:creationId xmlns:p14="http://schemas.microsoft.com/office/powerpoint/2010/main" val="419032282"/>
       </p:ext>
     </p:extLst>
   </p:cSld>
@@ -4652,12 +4542,49 @@
           <a:chExt cx="0" cy="0"/>
         </a:xfrm>
       </p:grpSpPr>
+      <p:sp>
+        <p:nvSpPr>
+          <p:cNvPr id="2" name="제목 1">
+            <a:extLst>
+              <a:ext uri="{FF2B5EF4-FFF2-40B4-BE49-F238E27FC236}">
+                <a16:creationId xmlns:a16="http://schemas.microsoft.com/office/drawing/2014/main" id="{63BAC052-2664-40DE-A2C6-0AD8A9257BC3}"/>
+              </a:ext>
+            </a:extLst>
+          </p:cNvPr>
+          <p:cNvSpPr>
+            <a:spLocks noGrp="1"/>
+          </p:cNvSpPr>
+          <p:nvPr>
+            <p:ph type="title"/>
+          </p:nvPr>
+        </p:nvSpPr>
+        <p:spPr/>
+        <p:txBody>
+          <a:bodyPr/>
+          <a:lstStyle/>
+          <a:p>
+            <a:r>
+              <a:rPr lang="en-US" altLang="ko-KR" dirty="0"/>
+              <a:t>SVD </a:t>
+            </a:r>
+            <a:r>
+              <a:rPr lang="ko-KR" altLang="en-US" dirty="0"/>
+              <a:t>예제 코드 설명 </a:t>
+            </a:r>
+            <a:r>
+              <a:rPr lang="en-US" altLang="ko-KR" dirty="0"/>
+              <a:t>-9</a:t>
+            </a:r>
+            <a:endParaRPr lang="ko-KR" altLang="en-US" dirty="0"/>
+          </a:p>
+        </p:txBody>
+      </p:sp>
       <p:pic>
         <p:nvPicPr>
-          <p:cNvPr id="8" name="내용 개체 틀 7">
-            <a:extLst>
-              <a:ext uri="{FF2B5EF4-FFF2-40B4-BE49-F238E27FC236}">
-                <a16:creationId xmlns:a16="http://schemas.microsoft.com/office/drawing/2014/main" id="{A8A4D1AD-DD13-493C-A0A8-19E3D619ED50}"/>
+          <p:cNvPr id="4" name="내용 개체 틀 3">
+            <a:extLst>
+              <a:ext uri="{FF2B5EF4-FFF2-40B4-BE49-F238E27FC236}">
+                <a16:creationId xmlns:a16="http://schemas.microsoft.com/office/drawing/2014/main" id="{08E0811D-077E-437B-AA39-A442054D59E5}"/>
               </a:ext>
             </a:extLst>
           </p:cNvPr>
@@ -4676,62 +4603,50 @@
         </p:blipFill>
         <p:spPr>
           <a:xfrm>
-            <a:off x="3307834" y="2489220"/>
-            <a:ext cx="5362575" cy="3038475"/>
+            <a:off x="838200" y="1996789"/>
+            <a:ext cx="5153025" cy="3429000"/>
           </a:xfrm>
           <a:prstGeom prst="rect">
             <a:avLst/>
           </a:prstGeom>
         </p:spPr>
       </p:pic>
-      <p:sp>
-        <p:nvSpPr>
-          <p:cNvPr id="2" name="제목 1">
-            <a:extLst>
-              <a:ext uri="{FF2B5EF4-FFF2-40B4-BE49-F238E27FC236}">
-                <a16:creationId xmlns:a16="http://schemas.microsoft.com/office/drawing/2014/main" id="{63BAC052-2664-40DE-A2C6-0AD8A9257BC3}"/>
-              </a:ext>
-            </a:extLst>
-          </p:cNvPr>
-          <p:cNvSpPr>
-            <a:spLocks noGrp="1"/>
-          </p:cNvSpPr>
-          <p:nvPr>
-            <p:ph type="title"/>
-          </p:nvPr>
-        </p:nvSpPr>
-        <p:spPr>
-          <a:xfrm>
-            <a:off x="838200" y="365125"/>
-            <a:ext cx="10515600" cy="1325563"/>
-          </a:xfrm>
-        </p:spPr>
-        <p:txBody>
-          <a:bodyPr/>
-          <a:lstStyle/>
-          <a:p>
-            <a:r>
-              <a:rPr lang="en-US" altLang="ko-KR" dirty="0"/>
-              <a:t>SVD </a:t>
-            </a:r>
-            <a:r>
-              <a:rPr lang="ko-KR" altLang="en-US" dirty="0"/>
-              <a:t>예제 코드 설명 </a:t>
-            </a:r>
-            <a:r>
-              <a:rPr lang="en-US" altLang="ko-KR" dirty="0"/>
-              <a:t>-9</a:t>
-            </a:r>
-            <a:endParaRPr lang="ko-KR" altLang="en-US" dirty="0"/>
-          </a:p>
-        </p:txBody>
-      </p:sp>
+      <p:pic>
+        <p:nvPicPr>
+          <p:cNvPr id="5" name="그림 4">
+            <a:extLst>
+              <a:ext uri="{FF2B5EF4-FFF2-40B4-BE49-F238E27FC236}">
+                <a16:creationId xmlns:a16="http://schemas.microsoft.com/office/drawing/2014/main" id="{01DC033E-C886-4E82-AA11-4A5D65EB05AE}"/>
+              </a:ext>
+            </a:extLst>
+          </p:cNvPr>
+          <p:cNvPicPr>
+            <a:picLocks noChangeAspect="1"/>
+          </p:cNvPicPr>
+          <p:nvPr/>
+        </p:nvPicPr>
+        <p:blipFill>
+          <a:blip r:embed="rId3"/>
+          <a:stretch>
+            <a:fillRect/>
+          </a:stretch>
+        </p:blipFill>
+        <p:spPr>
+          <a:xfrm>
+            <a:off x="6096000" y="1991695"/>
+            <a:ext cx="5419725" cy="4371975"/>
+          </a:xfrm>
+          <a:prstGeom prst="rect">
+            <a:avLst/>
+          </a:prstGeom>
+        </p:spPr>
+      </p:pic>
       <p:sp>
         <p:nvSpPr>
           <p:cNvPr id="3" name="TextBox 2">
             <a:extLst>
               <a:ext uri="{FF2B5EF4-FFF2-40B4-BE49-F238E27FC236}">
-                <a16:creationId xmlns:a16="http://schemas.microsoft.com/office/drawing/2014/main" id="{80C42CB2-7D1A-4B89-A800-2A75D394141A}"/>
+                <a16:creationId xmlns:a16="http://schemas.microsoft.com/office/drawing/2014/main" id="{4B9DB42E-D0A7-4DBE-9903-0DFE0B08690F}"/>
               </a:ext>
             </a:extLst>
           </p:cNvPr>
@@ -4740,8 +4655,8 @@
         </p:nvSpPr>
         <p:spPr>
           <a:xfrm>
-            <a:off x="950026" y="1638795"/>
-            <a:ext cx="6970816" cy="369332"/>
+            <a:off x="838200" y="5449539"/>
+            <a:ext cx="4636325" cy="1200329"/>
           </a:xfrm>
           <a:prstGeom prst="rect">
             <a:avLst/>
@@ -4756,33 +4671,41 @@
           <a:p>
             <a:r>
               <a:rPr lang="ko-KR" altLang="en-US" dirty="0"/>
-              <a:t>평점이 </a:t>
-            </a:r>
-            <a:r>
-              <a:rPr lang="ko-KR" altLang="en-US" dirty="0" err="1"/>
-              <a:t>추가되었을때</a:t>
-            </a:r>
-            <a:r>
-              <a:rPr lang="ko-KR" altLang="en-US" dirty="0"/>
-              <a:t> </a:t>
-            </a:r>
-            <a:r>
-              <a:rPr lang="en-US" altLang="ko-KR" dirty="0"/>
-              <a:t>SVD</a:t>
-            </a:r>
-            <a:r>
-              <a:rPr lang="ko-KR" altLang="en-US" dirty="0"/>
-              <a:t>의 변화 확인 </a:t>
-            </a:r>
-          </a:p>
-        </p:txBody>
-      </p:sp>
-      <p:sp>
-        <p:nvSpPr>
-          <p:cNvPr id="5" name="직사각형 4">
-            <a:extLst>
-              <a:ext uri="{FF2B5EF4-FFF2-40B4-BE49-F238E27FC236}">
-                <a16:creationId xmlns:a16="http://schemas.microsoft.com/office/drawing/2014/main" id="{2A386575-DC1D-44B0-AED6-AD3C2C50FBE4}"/>
+              <a:t>큰 차이가 보이지 않지만 대각행렬에 새로운 약 </a:t>
+            </a:r>
+            <a:r>
+              <a:rPr lang="en-US" altLang="ko-KR" dirty="0"/>
+              <a:t>1.3</a:t>
+            </a:r>
+            <a:r>
+              <a:rPr lang="ko-KR" altLang="en-US" dirty="0"/>
+              <a:t>이라는 값이 나타남</a:t>
+            </a:r>
+            <a:r>
+              <a:rPr lang="en-US" altLang="ko-KR" dirty="0"/>
+              <a:t>. </a:t>
+            </a:r>
+            <a:r>
+              <a:rPr lang="ko-KR" altLang="en-US" dirty="0"/>
+              <a:t>즉 데이터를 설명하는 새로운 </a:t>
+            </a:r>
+            <a:r>
+              <a:rPr lang="en-US" altLang="ko-KR" dirty="0"/>
+              <a:t>concept</a:t>
+            </a:r>
+            <a:r>
+              <a:rPr lang="ko-KR" altLang="en-US" dirty="0"/>
+              <a:t>이 생겼다는 걸로 생각 할 수 있음</a:t>
+            </a:r>
+          </a:p>
+        </p:txBody>
+      </p:sp>
+      <p:sp>
+        <p:nvSpPr>
+          <p:cNvPr id="6" name="직사각형 5">
+            <a:extLst>
+              <a:ext uri="{FF2B5EF4-FFF2-40B4-BE49-F238E27FC236}">
+                <a16:creationId xmlns:a16="http://schemas.microsoft.com/office/drawing/2014/main" id="{D5B186AF-79A0-4E2C-84A8-4D224986A524}"/>
               </a:ext>
             </a:extLst>
           </p:cNvPr>
@@ -4791,8 +4714,8 @@
         </p:nvSpPr>
         <p:spPr>
           <a:xfrm>
-            <a:off x="4436315" y="5338915"/>
-            <a:ext cx="241874" cy="188780"/>
+            <a:off x="2756478" y="2524923"/>
+            <a:ext cx="718242" cy="241874"/>
           </a:xfrm>
           <a:prstGeom prst="rect">
             <a:avLst/>
@@ -4829,10 +4752,122 @@
           </a:p>
         </p:txBody>
       </p:sp>
+      <p:sp>
+        <p:nvSpPr>
+          <p:cNvPr id="7" name="직사각형 6">
+            <a:extLst>
+              <a:ext uri="{FF2B5EF4-FFF2-40B4-BE49-F238E27FC236}">
+                <a16:creationId xmlns:a16="http://schemas.microsoft.com/office/drawing/2014/main" id="{74B5CA7E-B83F-41CB-850C-010A7541303F}"/>
+              </a:ext>
+            </a:extLst>
+          </p:cNvPr>
+          <p:cNvSpPr/>
+          <p:nvPr/>
+        </p:nvSpPr>
+        <p:spPr>
+          <a:xfrm>
+            <a:off x="8338333" y="2524923"/>
+            <a:ext cx="1029842" cy="241874"/>
+          </a:xfrm>
+          <a:prstGeom prst="rect">
+            <a:avLst/>
+          </a:prstGeom>
+          <a:noFill/>
+          <a:ln w="28575">
+            <a:solidFill>
+              <a:srgbClr val="C00000"/>
+            </a:solidFill>
+          </a:ln>
+        </p:spPr>
+        <p:style>
+          <a:lnRef idx="2">
+            <a:schemeClr val="accent1">
+              <a:shade val="50000"/>
+            </a:schemeClr>
+          </a:lnRef>
+          <a:fillRef idx="1">
+            <a:schemeClr val="accent1"/>
+          </a:fillRef>
+          <a:effectRef idx="0">
+            <a:schemeClr val="accent1"/>
+          </a:effectRef>
+          <a:fontRef idx="minor">
+            <a:schemeClr val="lt1"/>
+          </a:fontRef>
+        </p:style>
+        <p:txBody>
+          <a:bodyPr rtlCol="0" anchor="ctr"/>
+          <a:lstStyle/>
+          <a:p>
+            <a:pPr algn="ctr"/>
+            <a:endParaRPr lang="ko-KR" altLang="en-US"/>
+          </a:p>
+        </p:txBody>
+      </p:sp>
+      <p:pic>
+        <p:nvPicPr>
+          <p:cNvPr id="8" name="그림 7">
+            <a:extLst>
+              <a:ext uri="{FF2B5EF4-FFF2-40B4-BE49-F238E27FC236}">
+                <a16:creationId xmlns:a16="http://schemas.microsoft.com/office/drawing/2014/main" id="{384E4E19-36F6-4E9B-81E6-62A38842EE0B}"/>
+              </a:ext>
+            </a:extLst>
+          </p:cNvPr>
+          <p:cNvPicPr>
+            <a:picLocks noChangeAspect="1"/>
+          </p:cNvPicPr>
+          <p:nvPr/>
+        </p:nvPicPr>
+        <p:blipFill>
+          <a:blip r:embed="rId4"/>
+          <a:stretch>
+            <a:fillRect/>
+          </a:stretch>
+        </p:blipFill>
+        <p:spPr>
+          <a:xfrm>
+            <a:off x="838200" y="1973039"/>
+            <a:ext cx="2038350" cy="466725"/>
+          </a:xfrm>
+          <a:prstGeom prst="rect">
+            <a:avLst/>
+          </a:prstGeom>
+        </p:spPr>
+      </p:pic>
+      <p:pic>
+        <p:nvPicPr>
+          <p:cNvPr id="9" name="그림 8">
+            <a:extLst>
+              <a:ext uri="{FF2B5EF4-FFF2-40B4-BE49-F238E27FC236}">
+                <a16:creationId xmlns:a16="http://schemas.microsoft.com/office/drawing/2014/main" id="{EBF0557D-C0F8-4E76-992A-9B74069A45C9}"/>
+              </a:ext>
+            </a:extLst>
+          </p:cNvPr>
+          <p:cNvPicPr>
+            <a:picLocks noChangeAspect="1"/>
+          </p:cNvPicPr>
+          <p:nvPr/>
+        </p:nvPicPr>
+        <p:blipFill>
+          <a:blip r:embed="rId5"/>
+          <a:stretch>
+            <a:fillRect/>
+          </a:stretch>
+        </p:blipFill>
+        <p:spPr>
+          <a:xfrm>
+            <a:off x="6096000" y="1991695"/>
+            <a:ext cx="3400425" cy="457200"/>
+          </a:xfrm>
+          <a:prstGeom prst="rect">
+            <a:avLst/>
+          </a:prstGeom>
+        </p:spPr>
+      </p:pic>
     </p:spTree>
     <p:extLst>
       <p:ext uri="{BB962C8B-B14F-4D97-AF65-F5344CB8AC3E}">
-        <p14:creationId xmlns:p14="http://schemas.microsoft.com/office/powerpoint/2010/main" val="419032282"/>
+        <p14:creationId xmlns:p14="http://schemas.microsoft.com/office/powerpoint/2010/main" val="964154631"/>
       </p:ext>
     </p:extLst>
   </p:cSld>
@@ -4859,49 +4894,12 @@
           <a:chExt cx="0" cy="0"/>
         </a:xfrm>
       </p:grpSpPr>
-      <p:sp>
-        <p:nvSpPr>
-          <p:cNvPr id="2" name="제목 1">
-            <a:extLst>
-              <a:ext uri="{FF2B5EF4-FFF2-40B4-BE49-F238E27FC236}">
-                <a16:creationId xmlns:a16="http://schemas.microsoft.com/office/drawing/2014/main" id="{63BAC052-2664-40DE-A2C6-0AD8A9257BC3}"/>
-              </a:ext>
-            </a:extLst>
-          </p:cNvPr>
-          <p:cNvSpPr>
-            <a:spLocks noGrp="1"/>
-          </p:cNvSpPr>
-          <p:nvPr>
-            <p:ph type="title"/>
-          </p:nvPr>
-        </p:nvSpPr>
-        <p:spPr/>
-        <p:txBody>
-          <a:bodyPr/>
-          <a:lstStyle/>
-          <a:p>
-            <a:r>
-              <a:rPr lang="en-US" altLang="ko-KR" dirty="0"/>
-              <a:t>SVD </a:t>
-            </a:r>
-            <a:r>
-              <a:rPr lang="ko-KR" altLang="en-US" dirty="0"/>
-              <a:t>예제 코드 설명 </a:t>
-            </a:r>
-            <a:r>
-              <a:rPr lang="en-US" altLang="ko-KR" dirty="0"/>
-              <a:t>-10</a:t>
-            </a:r>
-            <a:endParaRPr lang="ko-KR" altLang="en-US" dirty="0"/>
-          </a:p>
-        </p:txBody>
-      </p:sp>
       <p:pic>
         <p:nvPicPr>
-          <p:cNvPr id="4" name="내용 개체 틀 3">
-            <a:extLst>
-              <a:ext uri="{FF2B5EF4-FFF2-40B4-BE49-F238E27FC236}">
-                <a16:creationId xmlns:a16="http://schemas.microsoft.com/office/drawing/2014/main" id="{08E0811D-077E-437B-AA39-A442054D59E5}"/>
+          <p:cNvPr id="9" name="내용 개체 틀 8">
+            <a:extLst>
+              <a:ext uri="{FF2B5EF4-FFF2-40B4-BE49-F238E27FC236}">
+                <a16:creationId xmlns:a16="http://schemas.microsoft.com/office/drawing/2014/main" id="{3A3F47D8-C5F5-44FF-BE31-96876B34DEB5}"/>
               </a:ext>
             </a:extLst>
           </p:cNvPr>
@@ -4920,50 +4918,57 @@
         </p:blipFill>
         <p:spPr>
           <a:xfrm>
-            <a:off x="838200" y="1996789"/>
-            <a:ext cx="5153025" cy="3429000"/>
+            <a:off x="4018008" y="2636806"/>
+            <a:ext cx="3838575" cy="2752725"/>
           </a:xfrm>
           <a:prstGeom prst="rect">
             <a:avLst/>
           </a:prstGeom>
         </p:spPr>
       </p:pic>
-      <p:pic>
-        <p:nvPicPr>
-          <p:cNvPr id="5" name="그림 4">
-            <a:extLst>
-              <a:ext uri="{FF2B5EF4-FFF2-40B4-BE49-F238E27FC236}">
-                <a16:creationId xmlns:a16="http://schemas.microsoft.com/office/drawing/2014/main" id="{01DC033E-C886-4E82-AA11-4A5D65EB05AE}"/>
-              </a:ext>
-            </a:extLst>
-          </p:cNvPr>
-          <p:cNvPicPr>
-            <a:picLocks noChangeAspect="1"/>
-          </p:cNvPicPr>
-          <p:nvPr/>
-        </p:nvPicPr>
-        <p:blipFill>
-          <a:blip r:embed="rId3"/>
-          <a:stretch>
-            <a:fillRect/>
-          </a:stretch>
-        </p:blipFill>
-        <p:spPr>
-          <a:xfrm>
-            <a:off x="6096000" y="1991695"/>
-            <a:ext cx="5419725" cy="4371975"/>
-          </a:xfrm>
-          <a:prstGeom prst="rect">
-            <a:avLst/>
-          </a:prstGeom>
-        </p:spPr>
-      </p:pic>
+      <p:sp>
+        <p:nvSpPr>
+          <p:cNvPr id="2" name="제목 1">
+            <a:extLst>
+              <a:ext uri="{FF2B5EF4-FFF2-40B4-BE49-F238E27FC236}">
+                <a16:creationId xmlns:a16="http://schemas.microsoft.com/office/drawing/2014/main" id="{50CD1A43-2344-4D89-A155-BA393D315B5A}"/>
+              </a:ext>
+            </a:extLst>
+          </p:cNvPr>
+          <p:cNvSpPr>
+            <a:spLocks noGrp="1"/>
+          </p:cNvSpPr>
+          <p:nvPr>
+            <p:ph type="title"/>
+          </p:nvPr>
+        </p:nvSpPr>
+        <p:spPr/>
+        <p:txBody>
+          <a:bodyPr/>
+          <a:lstStyle/>
+          <a:p>
+            <a:r>
+              <a:rPr lang="en-US" altLang="ko-KR" dirty="0"/>
+              <a:t>SVD </a:t>
+            </a:r>
+            <a:r>
+              <a:rPr lang="ko-KR" altLang="en-US" dirty="0"/>
+              <a:t>예제 코드 설명 </a:t>
+            </a:r>
+            <a:r>
+              <a:rPr lang="en-US" altLang="ko-KR" dirty="0"/>
+              <a:t>-10</a:t>
+            </a:r>
+            <a:endParaRPr lang="ko-KR" altLang="en-US" dirty="0"/>
+          </a:p>
+        </p:txBody>
+      </p:sp>
       <p:sp>
         <p:nvSpPr>
           <p:cNvPr id="3" name="TextBox 2">
             <a:extLst>
               <a:ext uri="{FF2B5EF4-FFF2-40B4-BE49-F238E27FC236}">
-                <a16:creationId xmlns:a16="http://schemas.microsoft.com/office/drawing/2014/main" id="{4B9DB42E-D0A7-4DBE-9903-0DFE0B08690F}"/>
+                <a16:creationId xmlns:a16="http://schemas.microsoft.com/office/drawing/2014/main" id="{2D5051E3-D3E8-48B5-9560-91A99CC41BEA}"/>
               </a:ext>
             </a:extLst>
           </p:cNvPr>
@@ -4972,8 +4977,8 @@
         </p:nvSpPr>
         <p:spPr>
           <a:xfrm>
-            <a:off x="838200" y="5449539"/>
-            <a:ext cx="4636325" cy="1200329"/>
+            <a:off x="7813965" y="2755075"/>
+            <a:ext cx="3539836" cy="2031325"/>
           </a:xfrm>
           <a:prstGeom prst="rect">
             <a:avLst/>
@@ -4987,42 +4992,58 @@
           <a:lstStyle/>
           <a:p>
             <a:r>
-              <a:rPr lang="ko-KR" altLang="en-US" dirty="0"/>
-              <a:t>큰 차이가 보이지 않지만 대각행렬에 새로운 약 </a:t>
-            </a:r>
-            <a:r>
-              <a:rPr lang="en-US" altLang="ko-KR" dirty="0"/>
-              <a:t>1.3</a:t>
-            </a:r>
-            <a:r>
-              <a:rPr lang="ko-KR" altLang="en-US" dirty="0"/>
-              <a:t>이라는 값이 나타남</a:t>
-            </a:r>
-            <a:r>
-              <a:rPr lang="en-US" altLang="ko-KR" dirty="0"/>
-              <a:t>. </a:t>
-            </a:r>
-            <a:r>
-              <a:rPr lang="ko-KR" altLang="en-US" dirty="0"/>
-              <a:t>즉 데이터를 설명하는 새로운 </a:t>
-            </a:r>
-            <a:r>
-              <a:rPr lang="en-US" altLang="ko-KR" dirty="0"/>
-              <a:t>concept</a:t>
-            </a:r>
-            <a:r>
-              <a:rPr lang="ko-KR" altLang="en-US" dirty="0"/>
-              <a:t>이 생겼다는 걸로 생각 할 수 있음</a:t>
-            </a:r>
-          </a:p>
-        </p:txBody>
-      </p:sp>
-      <p:sp>
-        <p:nvSpPr>
-          <p:cNvPr id="6" name="직사각형 5">
-            <a:extLst>
-              <a:ext uri="{FF2B5EF4-FFF2-40B4-BE49-F238E27FC236}">
-                <a16:creationId xmlns:a16="http://schemas.microsoft.com/office/drawing/2014/main" id="{D5B186AF-79A0-4E2C-84A8-4D224986A524}"/>
+              <a:rPr lang="en-US" altLang="ko-KR" dirty="0"/>
+              <a:t>1x1 </a:t>
+            </a:r>
+            <a:r>
+              <a:rPr lang="ko-KR" altLang="en-US" dirty="0"/>
+              <a:t>값이 캐주얼</a:t>
+            </a:r>
+            <a:endParaRPr lang="en-US" altLang="ko-KR" dirty="0"/>
+          </a:p>
+          <a:p>
+            <a:r>
+              <a:rPr lang="en-US" altLang="ko-KR" dirty="0"/>
+              <a:t>2x2 </a:t>
+            </a:r>
+            <a:r>
+              <a:rPr lang="ko-KR" altLang="en-US" dirty="0"/>
+              <a:t>값이 클래식</a:t>
+            </a:r>
+            <a:endParaRPr lang="en-US" altLang="ko-KR" dirty="0"/>
+          </a:p>
+          <a:p>
+            <a:r>
+              <a:rPr lang="ko-KR" altLang="en-US" dirty="0"/>
+              <a:t>값을 의미한다면 </a:t>
+            </a:r>
+            <a:endParaRPr lang="en-US" altLang="ko-KR" dirty="0"/>
+          </a:p>
+          <a:p>
+            <a:endParaRPr lang="en-US" altLang="ko-KR" dirty="0"/>
+          </a:p>
+          <a:p>
+            <a:r>
+              <a:rPr lang="en-US" altLang="ko-KR" dirty="0"/>
+              <a:t>3x3</a:t>
+            </a:r>
+            <a:r>
+              <a:rPr lang="ko-KR" altLang="en-US" dirty="0"/>
+              <a:t>은 캐주얼과 클래식 스타일을 둘 다 좋아하는 컨셉이라고 해석 할 수 있다</a:t>
+            </a:r>
+            <a:r>
+              <a:rPr lang="en-US" altLang="ko-KR" dirty="0"/>
+              <a:t>.</a:t>
+            </a:r>
+          </a:p>
+        </p:txBody>
+      </p:sp>
+      <p:sp>
+        <p:nvSpPr>
+          <p:cNvPr id="5" name="직사각형 4">
+            <a:extLst>
+              <a:ext uri="{FF2B5EF4-FFF2-40B4-BE49-F238E27FC236}">
+                <a16:creationId xmlns:a16="http://schemas.microsoft.com/office/drawing/2014/main" id="{5EDEB99B-2D3C-4262-9532-A05FB034982C}"/>
               </a:ext>
             </a:extLst>
           </p:cNvPr>
@@ -5031,8 +5052,8 @@
         </p:nvSpPr>
         <p:spPr>
           <a:xfrm>
-            <a:off x="2756478" y="2524923"/>
-            <a:ext cx="718242" cy="241874"/>
+            <a:off x="5937296" y="3476249"/>
+            <a:ext cx="203932" cy="157754"/>
           </a:xfrm>
           <a:prstGeom prst="rect">
             <a:avLst/>
@@ -5071,10 +5092,10 @@
       </p:sp>
       <p:sp>
         <p:nvSpPr>
-          <p:cNvPr id="7" name="직사각형 6">
-            <a:extLst>
-              <a:ext uri="{FF2B5EF4-FFF2-40B4-BE49-F238E27FC236}">
-                <a16:creationId xmlns:a16="http://schemas.microsoft.com/office/drawing/2014/main" id="{74B5CA7E-B83F-41CB-850C-010A7541303F}"/>
+          <p:cNvPr id="6" name="직사각형 5">
+            <a:extLst>
+              <a:ext uri="{FF2B5EF4-FFF2-40B4-BE49-F238E27FC236}">
+                <a16:creationId xmlns:a16="http://schemas.microsoft.com/office/drawing/2014/main" id="{612546B9-D6D2-4EB7-8335-9355BFE9579A}"/>
               </a:ext>
             </a:extLst>
           </p:cNvPr>
@@ -5083,8 +5104,8 @@
         </p:nvSpPr>
         <p:spPr>
           <a:xfrm>
-            <a:off x="8338333" y="2524923"/>
-            <a:ext cx="1029842" cy="241874"/>
+            <a:off x="5741344" y="4920061"/>
+            <a:ext cx="624060" cy="157754"/>
           </a:xfrm>
           <a:prstGeom prst="rect">
             <a:avLst/>
@@ -5121,70 +5142,10 @@
           </a:p>
         </p:txBody>
       </p:sp>
-      <p:pic>
-        <p:nvPicPr>
-          <p:cNvPr id="8" name="그림 7">
-            <a:extLst>
-              <a:ext uri="{FF2B5EF4-FFF2-40B4-BE49-F238E27FC236}">
-                <a16:creationId xmlns:a16="http://schemas.microsoft.com/office/drawing/2014/main" id="{384E4E19-36F6-4E9B-81E6-62A38842EE0B}"/>
-              </a:ext>
-            </a:extLst>
-          </p:cNvPr>
-          <p:cNvPicPr>
-            <a:picLocks noChangeAspect="1"/>
-          </p:cNvPicPr>
-          <p:nvPr/>
-        </p:nvPicPr>
-        <p:blipFill>
-          <a:blip r:embed="rId4"/>
-          <a:stretch>
-            <a:fillRect/>
-          </a:stretch>
-        </p:blipFill>
-        <p:spPr>
-          <a:xfrm>
-            <a:off x="838200" y="1973039"/>
-            <a:ext cx="2038350" cy="466725"/>
-          </a:xfrm>
-          <a:prstGeom prst="rect">
-            <a:avLst/>
-          </a:prstGeom>
-        </p:spPr>
-      </p:pic>
-      <p:pic>
-        <p:nvPicPr>
-          <p:cNvPr id="9" name="그림 8">
-            <a:extLst>
-              <a:ext uri="{FF2B5EF4-FFF2-40B4-BE49-F238E27FC236}">
-                <a16:creationId xmlns:a16="http://schemas.microsoft.com/office/drawing/2014/main" id="{EBF0557D-C0F8-4E76-992A-9B74069A45C9}"/>
-              </a:ext>
-            </a:extLst>
-          </p:cNvPr>
-          <p:cNvPicPr>
-            <a:picLocks noChangeAspect="1"/>
-          </p:cNvPicPr>
-          <p:nvPr/>
-        </p:nvPicPr>
-        <p:blipFill>
-          <a:blip r:embed="rId5"/>
-          <a:stretch>
-            <a:fillRect/>
-          </a:stretch>
-        </p:blipFill>
-        <p:spPr>
-          <a:xfrm>
-            <a:off x="6096000" y="1991695"/>
-            <a:ext cx="3400425" cy="457200"/>
-          </a:xfrm>
-          <a:prstGeom prst="rect">
-            <a:avLst/>
-          </a:prstGeom>
-        </p:spPr>
-      </p:pic>
     </p:spTree>
     <p:extLst>
       <p:ext uri="{BB962C8B-B14F-4D97-AF65-F5344CB8AC3E}">
-        <p14:creationId xmlns:p14="http://schemas.microsoft.com/office/powerpoint/2010/main" val="964154631"/>
+        <p14:creationId xmlns:p14="http://schemas.microsoft.com/office/powerpoint/2010/main" val="567096958"/>
       </p:ext>
     </p:extLst>
   </p:cSld>
@@ -5216,7 +5177,7 @@
           <p:cNvPr id="9" name="내용 개체 틀 8">
             <a:extLst>
               <a:ext uri="{FF2B5EF4-FFF2-40B4-BE49-F238E27FC236}">
-                <a16:creationId xmlns:a16="http://schemas.microsoft.com/office/drawing/2014/main" id="{3A3F47D8-C5F5-44FF-BE31-96876B34DEB5}"/>
+                <a16:creationId xmlns:a16="http://schemas.microsoft.com/office/drawing/2014/main" id="{31EA8FB9-FF4B-447E-9156-4AB37C1C2568}"/>
               </a:ext>
             </a:extLst>
           </p:cNvPr>
@@ -5235,8 +5196,8 @@
         </p:blipFill>
         <p:spPr>
           <a:xfrm>
-            <a:off x="4018008" y="2636806"/>
-            <a:ext cx="3838575" cy="2752725"/>
+            <a:off x="3371850" y="3014484"/>
+            <a:ext cx="5581650" cy="1905000"/>
           </a:xfrm>
           <a:prstGeom prst="rect">
             <a:avLst/>
@@ -5285,7 +5246,7 @@
           <p:cNvPr id="3" name="TextBox 2">
             <a:extLst>
               <a:ext uri="{FF2B5EF4-FFF2-40B4-BE49-F238E27FC236}">
-                <a16:creationId xmlns:a16="http://schemas.microsoft.com/office/drawing/2014/main" id="{2D5051E3-D3E8-48B5-9560-91A99CC41BEA}"/>
+                <a16:creationId xmlns:a16="http://schemas.microsoft.com/office/drawing/2014/main" id="{FE8D622E-0A23-48C5-ACCD-4E7ECD1625CE}"/>
               </a:ext>
             </a:extLst>
           </p:cNvPr>
@@ -5294,8 +5255,8 @@
         </p:nvSpPr>
         <p:spPr>
           <a:xfrm>
-            <a:off x="7813965" y="2755075"/>
-            <a:ext cx="3539836" cy="2031325"/>
+            <a:off x="1045029" y="1690688"/>
+            <a:ext cx="8538358" cy="1200329"/>
           </a:xfrm>
           <a:prstGeom prst="rect">
             <a:avLst/>
@@ -5309,58 +5270,169 @@
           <a:lstStyle/>
           <a:p>
             <a:r>
-              <a:rPr lang="en-US" altLang="ko-KR" dirty="0"/>
-              <a:t>1x1 </a:t>
-            </a:r>
-            <a:r>
-              <a:rPr lang="ko-KR" altLang="en-US" dirty="0"/>
-              <a:t>값이 캐주얼</a:t>
+              <a:rPr lang="ko-KR" altLang="en-US" dirty="0" err="1"/>
+              <a:t>결측치</a:t>
+            </a:r>
+            <a:r>
+              <a:rPr lang="en-US" altLang="ko-KR" dirty="0"/>
+              <a:t>: </a:t>
+            </a:r>
+            <a:r>
+              <a:rPr lang="ko-KR" altLang="en-US" dirty="0"/>
+              <a:t>행렬에서 값이 정해지지 않은 </a:t>
+            </a:r>
+            <a:r>
+              <a:rPr lang="en-US" altLang="ko-KR" dirty="0"/>
+              <a:t>null</a:t>
+            </a:r>
+            <a:r>
+              <a:rPr lang="ko-KR" altLang="en-US" dirty="0"/>
+              <a:t>값 </a:t>
             </a:r>
             <a:endParaRPr lang="en-US" altLang="ko-KR" dirty="0"/>
           </a:p>
           <a:p>
-            <a:r>
-              <a:rPr lang="en-US" altLang="ko-KR" dirty="0"/>
-              <a:t>2x2 </a:t>
-            </a:r>
-            <a:r>
-              <a:rPr lang="ko-KR" altLang="en-US" dirty="0"/>
-              <a:t>값이 클래식</a:t>
-            </a:r>
             <a:endParaRPr lang="en-US" altLang="ko-KR" dirty="0"/>
           </a:p>
           <a:p>
             <a:r>
-              <a:rPr lang="ko-KR" altLang="en-US" dirty="0"/>
-              <a:t>값을 의미한다면 </a:t>
+              <a:rPr lang="ko-KR" altLang="en-US" dirty="0" err="1"/>
+              <a:t>결측치가</a:t>
+            </a:r>
+            <a:r>
+              <a:rPr lang="ko-KR" altLang="en-US" dirty="0"/>
+              <a:t> </a:t>
+            </a:r>
+            <a:r>
+              <a:rPr lang="ko-KR" altLang="en-US" dirty="0" err="1"/>
+              <a:t>존재할때</a:t>
+            </a:r>
+            <a:r>
+              <a:rPr lang="ko-KR" altLang="en-US" dirty="0"/>
+              <a:t> 사용자에게 추천해주는 알고리즘 </a:t>
+            </a:r>
+            <a:r>
+              <a:rPr lang="en-US" altLang="ko-KR" dirty="0"/>
+              <a:t>=</a:t>
+            </a:r>
+          </a:p>
+          <a:p>
+            <a:r>
+              <a:rPr lang="ko-KR" altLang="en-US" dirty="0"/>
+              <a:t>새로 들어온 사용자</a:t>
+            </a:r>
+            <a:r>
+              <a:rPr lang="en-US" altLang="ko-KR" dirty="0"/>
+              <a:t>(USER)</a:t>
+            </a:r>
+            <a:r>
+              <a:rPr lang="ko-KR" altLang="en-US" dirty="0"/>
+              <a:t>가 기존에 평가한 데이터가 없을 때 추측하는 방법</a:t>
             </a:r>
             <a:endParaRPr lang="en-US" altLang="ko-KR" dirty="0"/>
           </a:p>
-          <a:p>
-            <a:endParaRPr lang="en-US" altLang="ko-KR" dirty="0"/>
-          </a:p>
-          <a:p>
-            <a:r>
-              <a:rPr lang="en-US" altLang="ko-KR" dirty="0"/>
-              <a:t>3x3</a:t>
-            </a:r>
-            <a:r>
-              <a:rPr lang="ko-KR" altLang="en-US" dirty="0"/>
-              <a:t>은 캐주얼과 클래식 스타일을 둘 다 좋아하는 컨셉이라고 해석 할 수 있다</a:t>
-            </a:r>
-            <a:r>
-              <a:rPr lang="en-US" altLang="ko-KR" dirty="0"/>
-              <a:t>.</a:t>
-            </a:r>
-          </a:p>
-        </p:txBody>
-      </p:sp>
-      <p:sp>
-        <p:nvSpPr>
-          <p:cNvPr id="5" name="직사각형 4">
-            <a:extLst>
-              <a:ext uri="{FF2B5EF4-FFF2-40B4-BE49-F238E27FC236}">
-                <a16:creationId xmlns:a16="http://schemas.microsoft.com/office/drawing/2014/main" id="{5EDEB99B-2D3C-4262-9532-A05FB034982C}"/>
+        </p:txBody>
+      </p:sp>
+      <p:sp>
+        <p:nvSpPr>
+          <p:cNvPr id="5" name="TextBox 4">
+            <a:extLst>
+              <a:ext uri="{FF2B5EF4-FFF2-40B4-BE49-F238E27FC236}">
+                <a16:creationId xmlns:a16="http://schemas.microsoft.com/office/drawing/2014/main" id="{F1A8836A-141F-47DE-8CB7-165CC80B4B4D}"/>
+              </a:ext>
+            </a:extLst>
+          </p:cNvPr>
+          <p:cNvSpPr txBox="1"/>
+          <p:nvPr/>
+        </p:nvSpPr>
+        <p:spPr>
+          <a:xfrm>
+            <a:off x="1270660" y="5272644"/>
+            <a:ext cx="9144000" cy="923330"/>
+          </a:xfrm>
+          <a:prstGeom prst="rect">
+            <a:avLst/>
+          </a:prstGeom>
+          <a:noFill/>
+        </p:spPr>
+        <p:txBody>
+          <a:bodyPr wrap="square" rtlCol="0">
+            <a:spAutoFit/>
+          </a:bodyPr>
+          <a:lstStyle/>
+          <a:p>
+            <a:r>
+              <a:rPr lang="en-US" altLang="ko-KR" dirty="0"/>
+              <a:t>U8(</a:t>
+            </a:r>
+            <a:r>
+              <a:rPr lang="ko-KR" altLang="en-US" dirty="0"/>
+              <a:t>사용자</a:t>
+            </a:r>
+            <a:r>
+              <a:rPr lang="en-US" altLang="ko-KR" dirty="0"/>
+              <a:t>8)</a:t>
+            </a:r>
+            <a:r>
+              <a:rPr lang="ko-KR" altLang="en-US" dirty="0"/>
+              <a:t>을 추가하고 아이템에 대한 평점은 각각 </a:t>
+            </a:r>
+            <a:r>
+              <a:rPr lang="en-US" altLang="ko-KR" dirty="0"/>
+              <a:t>4, ?, 3, ?, 2</a:t>
+            </a:r>
+            <a:r>
+              <a:rPr lang="ko-KR" altLang="en-US" dirty="0"/>
+              <a:t>로 설정하고</a:t>
+            </a:r>
+            <a:r>
+              <a:rPr lang="en-US" altLang="ko-KR" dirty="0"/>
+              <a:t>, </a:t>
+            </a:r>
+            <a:r>
+              <a:rPr lang="ko-KR" altLang="en-US" dirty="0" err="1"/>
+              <a:t>비어있는</a:t>
+            </a:r>
+            <a:r>
+              <a:rPr lang="ko-KR" altLang="en-US" dirty="0"/>
+              <a:t> 값은 </a:t>
+            </a:r>
+            <a:r>
+              <a:rPr lang="en-US" altLang="ko-KR" dirty="0"/>
+              <a:t>u8</a:t>
+            </a:r>
+            <a:r>
+              <a:rPr lang="ko-KR" altLang="en-US" dirty="0"/>
+              <a:t>사용자가 평가한 전체 영화 평점의 평균</a:t>
+            </a:r>
+            <a:r>
+              <a:rPr lang="en-US" altLang="ko-KR" dirty="0"/>
+              <a:t>=3</a:t>
+            </a:r>
+            <a:r>
+              <a:rPr lang="ko-KR" altLang="en-US" dirty="0"/>
+              <a:t>점으로 입력</a:t>
+            </a:r>
+            <a:r>
+              <a:rPr lang="en-US" altLang="ko-KR" dirty="0"/>
+              <a:t>. </a:t>
+            </a:r>
+          </a:p>
+          <a:p>
+            <a:r>
+              <a:rPr lang="en-US" altLang="ko-KR" dirty="0"/>
+              <a:t> </a:t>
+            </a:r>
+            <a:endParaRPr lang="ko-KR" altLang="en-US" dirty="0"/>
+          </a:p>
+        </p:txBody>
+      </p:sp>
+      <p:sp>
+        <p:nvSpPr>
+          <p:cNvPr id="6" name="직사각형 5">
+            <a:extLst>
+              <a:ext uri="{FF2B5EF4-FFF2-40B4-BE49-F238E27FC236}">
+                <a16:creationId xmlns:a16="http://schemas.microsoft.com/office/drawing/2014/main" id="{5BE48BB7-499C-4A80-B89B-A57D01705307}"/>
               </a:ext>
             </a:extLst>
           </p:cNvPr>
@@ -5369,8 +5441,8 @@
         </p:nvSpPr>
         <p:spPr>
           <a:xfrm>
-            <a:off x="5937296" y="3476249"/>
-            <a:ext cx="203932" cy="157754"/>
+            <a:off x="3371850" y="4701786"/>
+            <a:ext cx="2922762" cy="171082"/>
           </a:xfrm>
           <a:prstGeom prst="rect">
             <a:avLst/>
@@ -5407,62 +5479,10 @@
           </a:p>
         </p:txBody>
       </p:sp>
-      <p:sp>
-        <p:nvSpPr>
-          <p:cNvPr id="6" name="직사각형 5">
-            <a:extLst>
-              <a:ext uri="{FF2B5EF4-FFF2-40B4-BE49-F238E27FC236}">
-                <a16:creationId xmlns:a16="http://schemas.microsoft.com/office/drawing/2014/main" id="{612546B9-D6D2-4EB7-8335-9355BFE9579A}"/>
-              </a:ext>
-            </a:extLst>
-          </p:cNvPr>
-          <p:cNvSpPr/>
-          <p:nvPr/>
-        </p:nvSpPr>
-        <p:spPr>
-          <a:xfrm>
-            <a:off x="5741344" y="4920061"/>
-            <a:ext cx="624060" cy="157754"/>
-          </a:xfrm>
-          <a:prstGeom prst="rect">
-            <a:avLst/>
-          </a:prstGeom>
-          <a:noFill/>
-          <a:ln w="28575">
-            <a:solidFill>
-              <a:srgbClr val="C00000"/>
-            </a:solidFill>
-          </a:ln>
-        </p:spPr>
-        <p:style>
-          <a:lnRef idx="2">
-            <a:schemeClr val="accent1">
-              <a:shade val="50000"/>
-            </a:schemeClr>
-          </a:lnRef>
-          <a:fillRef idx="1">
-            <a:schemeClr val="accent1"/>
-          </a:fillRef>
-          <a:effectRef idx="0">
-            <a:schemeClr val="accent1"/>
-          </a:effectRef>
-          <a:fontRef idx="minor">
-            <a:schemeClr val="lt1"/>
-          </a:fontRef>
-        </p:style>
-        <p:txBody>
-          <a:bodyPr rtlCol="0" anchor="ctr"/>
-          <a:lstStyle/>
-          <a:p>
-            <a:pPr algn="ctr"/>
-            <a:endParaRPr lang="ko-KR" altLang="en-US"/>
-          </a:p>
-        </p:txBody>
-      </p:sp>
     </p:spTree>
     <p:extLst>
       <p:ext uri="{BB962C8B-B14F-4D97-AF65-F5344CB8AC3E}">
-        <p14:creationId xmlns:p14="http://schemas.microsoft.com/office/powerpoint/2010/main" val="567096958"/>
+        <p14:creationId xmlns:p14="http://schemas.microsoft.com/office/powerpoint/2010/main" val="3307974517"/>
       </p:ext>
     </p:extLst>
   </p:cSld>
@@ -5491,10 +5511,10 @@
       </p:grpSpPr>
       <p:pic>
         <p:nvPicPr>
-          <p:cNvPr id="9" name="내용 개체 틀 8">
-            <a:extLst>
-              <a:ext uri="{FF2B5EF4-FFF2-40B4-BE49-F238E27FC236}">
-                <a16:creationId xmlns:a16="http://schemas.microsoft.com/office/drawing/2014/main" id="{31EA8FB9-FF4B-447E-9156-4AB37C1C2568}"/>
+          <p:cNvPr id="7" name="내용 개체 틀 6">
+            <a:extLst>
+              <a:ext uri="{FF2B5EF4-FFF2-40B4-BE49-F238E27FC236}">
+                <a16:creationId xmlns:a16="http://schemas.microsoft.com/office/drawing/2014/main" id="{A8CA37CE-86D4-4530-8BE0-96C4C643FE3D}"/>
               </a:ext>
             </a:extLst>
           </p:cNvPr>
@@ -5513,8 +5533,8 @@
         </p:blipFill>
         <p:spPr>
           <a:xfrm>
-            <a:off x="3371850" y="3014484"/>
-            <a:ext cx="5581650" cy="1905000"/>
+            <a:off x="615166" y="1690688"/>
+            <a:ext cx="5480834" cy="4351338"/>
           </a:xfrm>
           <a:prstGeom prst="rect">
             <a:avLst/>
@@ -5563,7 +5583,7 @@
           <p:cNvPr id="3" name="TextBox 2">
             <a:extLst>
               <a:ext uri="{FF2B5EF4-FFF2-40B4-BE49-F238E27FC236}">
-                <a16:creationId xmlns:a16="http://schemas.microsoft.com/office/drawing/2014/main" id="{FE8D622E-0A23-48C5-ACCD-4E7ECD1625CE}"/>
+                <a16:creationId xmlns:a16="http://schemas.microsoft.com/office/drawing/2014/main" id="{0329C8BA-4565-4BAC-96DC-2F4809139594}"/>
               </a:ext>
             </a:extLst>
           </p:cNvPr>
@@ -5572,8 +5592,8 @@
         </p:nvSpPr>
         <p:spPr>
           <a:xfrm>
-            <a:off x="1045029" y="1690688"/>
-            <a:ext cx="8538358" cy="1200329"/>
+            <a:off x="5593278" y="2018805"/>
+            <a:ext cx="4120738" cy="1477328"/>
           </a:xfrm>
           <a:prstGeom prst="rect">
             <a:avLst/>
@@ -5587,219 +5607,53 @@
           <a:lstStyle/>
           <a:p>
             <a:r>
-              <a:rPr lang="ko-KR" altLang="en-US" dirty="0" err="1"/>
-              <a:t>결측치</a:t>
-            </a:r>
-            <a:r>
-              <a:rPr lang="en-US" altLang="ko-KR" dirty="0"/>
-              <a:t>: </a:t>
-            </a:r>
-            <a:r>
-              <a:rPr lang="ko-KR" altLang="en-US" dirty="0"/>
-              <a:t>행렬에서 값이 정해지지 않은 </a:t>
-            </a:r>
-            <a:r>
-              <a:rPr lang="en-US" altLang="ko-KR" dirty="0"/>
-              <a:t>null</a:t>
-            </a:r>
-            <a:r>
-              <a:rPr lang="ko-KR" altLang="en-US" dirty="0"/>
-              <a:t>값 </a:t>
+              <a:rPr lang="ko-KR" altLang="en-US" dirty="0"/>
+              <a:t>마찬가지로 </a:t>
+            </a:r>
+            <a:r>
+              <a:rPr lang="en-US" altLang="ko-KR" dirty="0"/>
+              <a:t>SVD</a:t>
+            </a:r>
+            <a:r>
+              <a:rPr lang="ko-KR" altLang="en-US" dirty="0"/>
+              <a:t>를 생성하고 </a:t>
             </a:r>
             <a:endParaRPr lang="en-US" altLang="ko-KR" dirty="0"/>
           </a:p>
           <a:p>
+            <a:r>
+              <a:rPr lang="ko-KR" altLang="en-US" dirty="0"/>
+              <a:t>대각행렬을 분석하여 </a:t>
+            </a:r>
             <a:endParaRPr lang="en-US" altLang="ko-KR" dirty="0"/>
           </a:p>
           <a:p>
             <a:r>
-              <a:rPr lang="ko-KR" altLang="en-US" dirty="0" err="1"/>
-              <a:t>결측치가</a:t>
-            </a:r>
-            <a:r>
-              <a:rPr lang="ko-KR" altLang="en-US" dirty="0"/>
-              <a:t> </a:t>
-            </a:r>
-            <a:r>
-              <a:rPr lang="ko-KR" altLang="en-US" dirty="0" err="1"/>
-              <a:t>존재할때</a:t>
-            </a:r>
-            <a:r>
-              <a:rPr lang="ko-KR" altLang="en-US" dirty="0"/>
-              <a:t> 사용자에게 추천해주는 알고리즘 </a:t>
-            </a:r>
-            <a:r>
-              <a:rPr lang="en-US" altLang="ko-KR" dirty="0"/>
-              <a:t>=</a:t>
-            </a:r>
-          </a:p>
-          <a:p>
-            <a:r>
-              <a:rPr lang="ko-KR" altLang="en-US" dirty="0"/>
-              <a:t>새로 들어온 사용자</a:t>
-            </a:r>
-            <a:r>
-              <a:rPr lang="en-US" altLang="ko-KR" dirty="0"/>
-              <a:t>(USER)</a:t>
-            </a:r>
-            <a:r>
-              <a:rPr lang="ko-KR" altLang="en-US" dirty="0"/>
-              <a:t>가 기존에 평가한 데이터가 없을 때 추측하는 방법</a:t>
+              <a:rPr lang="ko-KR" altLang="en-US" dirty="0"/>
+              <a:t>아이템별</a:t>
+            </a:r>
+            <a:r>
+              <a:rPr lang="en-US" altLang="ko-KR" dirty="0"/>
+              <a:t>, </a:t>
+            </a:r>
+            <a:r>
+              <a:rPr lang="ko-KR" altLang="en-US" dirty="0"/>
+              <a:t>사용자별 행렬로 축소시킴</a:t>
             </a:r>
             <a:endParaRPr lang="en-US" altLang="ko-KR" dirty="0"/>
           </a:p>
-        </p:txBody>
-      </p:sp>
-      <p:sp>
-        <p:nvSpPr>
-          <p:cNvPr id="5" name="TextBox 4">
-            <a:extLst>
-              <a:ext uri="{FF2B5EF4-FFF2-40B4-BE49-F238E27FC236}">
-                <a16:creationId xmlns:a16="http://schemas.microsoft.com/office/drawing/2014/main" id="{F1A8836A-141F-47DE-8CB7-165CC80B4B4D}"/>
-              </a:ext>
-            </a:extLst>
-          </p:cNvPr>
-          <p:cNvSpPr txBox="1"/>
-          <p:nvPr/>
-        </p:nvSpPr>
-        <p:spPr>
-          <a:xfrm>
-            <a:off x="1270660" y="5272644"/>
-            <a:ext cx="9144000" cy="923330"/>
-          </a:xfrm>
-          <a:prstGeom prst="rect">
-            <a:avLst/>
-          </a:prstGeom>
-          <a:noFill/>
-        </p:spPr>
-        <p:txBody>
-          <a:bodyPr wrap="square" rtlCol="0">
-            <a:spAutoFit/>
-          </a:bodyPr>
-          <a:lstStyle/>
-          <a:p>
-            <a:r>
-              <a:rPr lang="en-US" altLang="ko-KR" dirty="0"/>
-              <a:t>U8(</a:t>
-            </a:r>
-            <a:r>
-              <a:rPr lang="ko-KR" altLang="en-US" dirty="0"/>
-              <a:t>사용자</a:t>
-            </a:r>
-            <a:r>
-              <a:rPr lang="en-US" altLang="ko-KR" dirty="0"/>
-              <a:t>8)</a:t>
-            </a:r>
-            <a:r>
-              <a:rPr lang="ko-KR" altLang="en-US" dirty="0"/>
-              <a:t>을 추가하고 아이템에 대한 평점은 각각 </a:t>
-            </a:r>
-            <a:r>
-              <a:rPr lang="en-US" altLang="ko-KR" dirty="0"/>
-              <a:t>4, ?, 3, ?, 2</a:t>
-            </a:r>
-            <a:r>
-              <a:rPr lang="ko-KR" altLang="en-US" dirty="0"/>
-              <a:t>로 설정하고</a:t>
-            </a:r>
-            <a:r>
-              <a:rPr lang="en-US" altLang="ko-KR" dirty="0"/>
-              <a:t>, </a:t>
-            </a:r>
-            <a:r>
-              <a:rPr lang="ko-KR" altLang="en-US" dirty="0" err="1"/>
-              <a:t>비어있는</a:t>
-            </a:r>
-            <a:r>
-              <a:rPr lang="ko-KR" altLang="en-US" dirty="0"/>
-              <a:t> 값은 </a:t>
-            </a:r>
-            <a:r>
-              <a:rPr lang="en-US" altLang="ko-KR" dirty="0"/>
-              <a:t>u8</a:t>
-            </a:r>
-            <a:r>
-              <a:rPr lang="ko-KR" altLang="en-US" dirty="0"/>
-              <a:t>사용자가 평가한 전체 영화 평점의 평균</a:t>
-            </a:r>
-            <a:r>
-              <a:rPr lang="en-US" altLang="ko-KR" dirty="0"/>
-              <a:t>=3</a:t>
-            </a:r>
-            <a:r>
-              <a:rPr lang="ko-KR" altLang="en-US" dirty="0"/>
-              <a:t>점으로 입력</a:t>
-            </a:r>
-            <a:r>
-              <a:rPr lang="en-US" altLang="ko-KR" dirty="0"/>
-              <a:t>. </a:t>
-            </a:r>
-          </a:p>
-          <a:p>
-            <a:r>
-              <a:rPr lang="en-US" altLang="ko-KR" dirty="0"/>
-              <a:t> </a:t>
-            </a:r>
+          <a:p>
+            <a:endParaRPr lang="en-US" altLang="ko-KR" dirty="0"/>
+          </a:p>
+          <a:p>
             <a:endParaRPr lang="ko-KR" altLang="en-US" dirty="0"/>
-          </a:p>
-        </p:txBody>
-      </p:sp>
-      <p:sp>
-        <p:nvSpPr>
-          <p:cNvPr id="6" name="직사각형 5">
-            <a:extLst>
-              <a:ext uri="{FF2B5EF4-FFF2-40B4-BE49-F238E27FC236}">
-                <a16:creationId xmlns:a16="http://schemas.microsoft.com/office/drawing/2014/main" id="{5BE48BB7-499C-4A80-B89B-A57D01705307}"/>
-              </a:ext>
-            </a:extLst>
-          </p:cNvPr>
-          <p:cNvSpPr/>
-          <p:nvPr/>
-        </p:nvSpPr>
-        <p:spPr>
-          <a:xfrm>
-            <a:off x="3371850" y="4701786"/>
-            <a:ext cx="2922762" cy="171082"/>
-          </a:xfrm>
-          <a:prstGeom prst="rect">
-            <a:avLst/>
-          </a:prstGeom>
-          <a:noFill/>
-          <a:ln w="28575">
-            <a:solidFill>
-              <a:srgbClr val="C00000"/>
-            </a:solidFill>
-          </a:ln>
-        </p:spPr>
-        <p:style>
-          <a:lnRef idx="2">
-            <a:schemeClr val="accent1">
-              <a:shade val="50000"/>
-            </a:schemeClr>
-          </a:lnRef>
-          <a:fillRef idx="1">
-            <a:schemeClr val="accent1"/>
-          </a:fillRef>
-          <a:effectRef idx="0">
-            <a:schemeClr val="accent1"/>
-          </a:effectRef>
-          <a:fontRef idx="minor">
-            <a:schemeClr val="lt1"/>
-          </a:fontRef>
-        </p:style>
-        <p:txBody>
-          <a:bodyPr rtlCol="0" anchor="ctr"/>
-          <a:lstStyle/>
-          <a:p>
-            <a:pPr algn="ctr"/>
-            <a:endParaRPr lang="ko-KR" altLang="en-US"/>
           </a:p>
         </p:txBody>
       </p:sp>
     </p:spTree>
     <p:extLst>
       <p:ext uri="{BB962C8B-B14F-4D97-AF65-F5344CB8AC3E}">
-        <p14:creationId xmlns:p14="http://schemas.microsoft.com/office/powerpoint/2010/main" val="3307974517"/>
+        <p14:creationId xmlns:p14="http://schemas.microsoft.com/office/powerpoint/2010/main" val="3082688962"/>
       </p:ext>
     </p:extLst>
   </p:cSld>
@@ -5828,10 +5682,10 @@
       </p:grpSpPr>
       <p:pic>
         <p:nvPicPr>
-          <p:cNvPr id="7" name="내용 개체 틀 6">
-            <a:extLst>
-              <a:ext uri="{FF2B5EF4-FFF2-40B4-BE49-F238E27FC236}">
-                <a16:creationId xmlns:a16="http://schemas.microsoft.com/office/drawing/2014/main" id="{A8CA37CE-86D4-4530-8BE0-96C4C643FE3D}"/>
+          <p:cNvPr id="11" name="내용 개체 틀 10">
+            <a:extLst>
+              <a:ext uri="{FF2B5EF4-FFF2-40B4-BE49-F238E27FC236}">
+                <a16:creationId xmlns:a16="http://schemas.microsoft.com/office/drawing/2014/main" id="{B1557784-8704-4C3A-812C-09029E307D57}"/>
               </a:ext>
             </a:extLst>
           </p:cNvPr>
@@ -5850,8 +5704,8 @@
         </p:blipFill>
         <p:spPr>
           <a:xfrm>
-            <a:off x="615166" y="1690688"/>
-            <a:ext cx="5480834" cy="4351338"/>
+            <a:off x="1964809" y="2328340"/>
+            <a:ext cx="8048625" cy="3295650"/>
           </a:xfrm>
           <a:prstGeom prst="rect">
             <a:avLst/>
@@ -5900,7 +5754,7 @@
           <p:cNvPr id="3" name="TextBox 2">
             <a:extLst>
               <a:ext uri="{FF2B5EF4-FFF2-40B4-BE49-F238E27FC236}">
-                <a16:creationId xmlns:a16="http://schemas.microsoft.com/office/drawing/2014/main" id="{0329C8BA-4565-4BAC-96DC-2F4809139594}"/>
+                <a16:creationId xmlns:a16="http://schemas.microsoft.com/office/drawing/2014/main" id="{54607425-C38E-4F3B-A67D-60C6E66BE8E4}"/>
               </a:ext>
             </a:extLst>
           </p:cNvPr>
@@ -5909,8 +5763,8 @@
         </p:nvSpPr>
         <p:spPr>
           <a:xfrm>
-            <a:off x="5593278" y="2018805"/>
-            <a:ext cx="4120738" cy="1477328"/>
+            <a:off x="5474525" y="4928260"/>
+            <a:ext cx="5581402" cy="1477328"/>
           </a:xfrm>
           <a:prstGeom prst="rect">
             <a:avLst/>
@@ -5924,53 +5778,292 @@
           <a:lstStyle/>
           <a:p>
             <a:r>
-              <a:rPr lang="ko-KR" altLang="en-US" dirty="0"/>
-              <a:t>마찬가지로 </a:t>
-            </a:r>
-            <a:r>
-              <a:rPr lang="en-US" altLang="ko-KR" dirty="0"/>
-              <a:t>SVD</a:t>
-            </a:r>
-            <a:r>
-              <a:rPr lang="ko-KR" altLang="en-US" dirty="0"/>
-              <a:t>를 생성하고 </a:t>
+              <a:rPr lang="en-US" altLang="ko-KR" dirty="0"/>
+              <a:t>U8</a:t>
+            </a:r>
+            <a:r>
+              <a:rPr lang="ko-KR" altLang="en-US" dirty="0"/>
+              <a:t>의 이용자 평점이 </a:t>
+            </a:r>
+            <a:r>
+              <a:rPr lang="en-US" altLang="ko-KR" dirty="0"/>
+              <a:t>[4,3,3,3,2] </a:t>
+            </a:r>
+            <a:r>
+              <a:rPr lang="ko-KR" altLang="en-US" dirty="0"/>
+              <a:t>에서 </a:t>
             </a:r>
             <a:endParaRPr lang="en-US" altLang="ko-KR" dirty="0"/>
           </a:p>
           <a:p>
             <a:r>
-              <a:rPr lang="ko-KR" altLang="en-US" dirty="0"/>
-              <a:t>대각행렬을 분석하여 </a:t>
-            </a:r>
+              <a:rPr lang="en-US" altLang="ko-KR" dirty="0"/>
+              <a:t>[3.52, 3.26, 3.26, 2.65, 2.38]</a:t>
+            </a:r>
+            <a:r>
+              <a:rPr lang="ko-KR" altLang="en-US" dirty="0"/>
+              <a:t>로 변경 되었다</a:t>
+            </a:r>
+            <a:r>
+              <a:rPr lang="en-US" altLang="ko-KR" dirty="0"/>
+              <a:t>.</a:t>
+            </a:r>
+          </a:p>
+          <a:p>
             <a:endParaRPr lang="en-US" altLang="ko-KR" dirty="0"/>
           </a:p>
           <a:p>
             <a:r>
               <a:rPr lang="ko-KR" altLang="en-US" dirty="0"/>
-              <a:t>아이템별</a:t>
-            </a:r>
-            <a:r>
-              <a:rPr lang="en-US" altLang="ko-KR" dirty="0"/>
-              <a:t>, </a:t>
-            </a:r>
-            <a:r>
-              <a:rPr lang="ko-KR" altLang="en-US" dirty="0"/>
-              <a:t>사용자별 행렬로 축소시킴</a:t>
-            </a:r>
-            <a:endParaRPr lang="en-US" altLang="ko-KR" dirty="0"/>
-          </a:p>
-          <a:p>
-            <a:endParaRPr lang="en-US" altLang="ko-KR" dirty="0"/>
-          </a:p>
-          <a:p>
-            <a:endParaRPr lang="ko-KR" altLang="en-US" dirty="0"/>
+              <a:t>즉</a:t>
+            </a:r>
+            <a:r>
+              <a:rPr lang="en-US" altLang="ko-KR" dirty="0"/>
+              <a:t>,</a:t>
+            </a:r>
+            <a:r>
+              <a:rPr lang="ko-KR" altLang="en-US" dirty="0"/>
+              <a:t> 아직 평가 </a:t>
+            </a:r>
+            <a:r>
+              <a:rPr lang="ko-KR" altLang="en-US" dirty="0" err="1"/>
+              <a:t>안한</a:t>
+            </a:r>
+            <a:r>
+              <a:rPr lang="ko-KR" altLang="en-US" dirty="0"/>
+              <a:t> 청바지와 코트에 대해 청바지가 </a:t>
+            </a:r>
+            <a:r>
+              <a:rPr lang="en-US" altLang="ko-KR" dirty="0"/>
+              <a:t>3.26</a:t>
+            </a:r>
+            <a:r>
+              <a:rPr lang="ko-KR" altLang="en-US" dirty="0"/>
+              <a:t>으로 더 높으므로 청바지를 추천 해줘야 한다</a:t>
+            </a:r>
+            <a:r>
+              <a:rPr lang="en-US" altLang="ko-KR" dirty="0"/>
+              <a:t>.</a:t>
+            </a:r>
+            <a:r>
+              <a:rPr lang="ko-KR" altLang="en-US" dirty="0"/>
+              <a:t> </a:t>
+            </a:r>
+          </a:p>
+        </p:txBody>
+      </p:sp>
+      <p:sp>
+        <p:nvSpPr>
+          <p:cNvPr id="5" name="직사각형 4">
+            <a:extLst>
+              <a:ext uri="{FF2B5EF4-FFF2-40B4-BE49-F238E27FC236}">
+                <a16:creationId xmlns:a16="http://schemas.microsoft.com/office/drawing/2014/main" id="{F3EDE41D-635A-49A0-A911-A00E545E56CC}"/>
+              </a:ext>
+            </a:extLst>
+          </p:cNvPr>
+          <p:cNvSpPr/>
+          <p:nvPr/>
+        </p:nvSpPr>
+        <p:spPr>
+          <a:xfrm>
+            <a:off x="2887330" y="3738772"/>
+            <a:ext cx="268825" cy="237393"/>
+          </a:xfrm>
+          <a:prstGeom prst="rect">
+            <a:avLst/>
+          </a:prstGeom>
+          <a:noFill/>
+          <a:ln w="28575">
+            <a:solidFill>
+              <a:srgbClr val="C00000"/>
+            </a:solidFill>
+          </a:ln>
+        </p:spPr>
+        <p:style>
+          <a:lnRef idx="2">
+            <a:schemeClr val="accent1">
+              <a:shade val="50000"/>
+            </a:schemeClr>
+          </a:lnRef>
+          <a:fillRef idx="1">
+            <a:schemeClr val="accent1"/>
+          </a:fillRef>
+          <a:effectRef idx="0">
+            <a:schemeClr val="accent1"/>
+          </a:effectRef>
+          <a:fontRef idx="minor">
+            <a:schemeClr val="lt1"/>
+          </a:fontRef>
+        </p:style>
+        <p:txBody>
+          <a:bodyPr rtlCol="0" anchor="ctr"/>
+          <a:lstStyle/>
+          <a:p>
+            <a:pPr algn="ctr"/>
+            <a:endParaRPr lang="ko-KR" altLang="en-US"/>
+          </a:p>
+        </p:txBody>
+      </p:sp>
+      <p:sp>
+        <p:nvSpPr>
+          <p:cNvPr id="6" name="직사각형 5">
+            <a:extLst>
+              <a:ext uri="{FF2B5EF4-FFF2-40B4-BE49-F238E27FC236}">
+                <a16:creationId xmlns:a16="http://schemas.microsoft.com/office/drawing/2014/main" id="{4FBCCA38-5B36-4140-A0D2-82554FD6E864}"/>
+              </a:ext>
+            </a:extLst>
+          </p:cNvPr>
+          <p:cNvSpPr/>
+          <p:nvPr/>
+        </p:nvSpPr>
+        <p:spPr>
+          <a:xfrm>
+            <a:off x="3642446" y="3743252"/>
+            <a:ext cx="268825" cy="232913"/>
+          </a:xfrm>
+          <a:prstGeom prst="rect">
+            <a:avLst/>
+          </a:prstGeom>
+          <a:noFill/>
+          <a:ln w="28575">
+            <a:solidFill>
+              <a:srgbClr val="C00000"/>
+            </a:solidFill>
+          </a:ln>
+        </p:spPr>
+        <p:style>
+          <a:lnRef idx="2">
+            <a:schemeClr val="accent1">
+              <a:shade val="50000"/>
+            </a:schemeClr>
+          </a:lnRef>
+          <a:fillRef idx="1">
+            <a:schemeClr val="accent1"/>
+          </a:fillRef>
+          <a:effectRef idx="0">
+            <a:schemeClr val="accent1"/>
+          </a:effectRef>
+          <a:fontRef idx="minor">
+            <a:schemeClr val="lt1"/>
+          </a:fontRef>
+        </p:style>
+        <p:txBody>
+          <a:bodyPr rtlCol="0" anchor="ctr"/>
+          <a:lstStyle/>
+          <a:p>
+            <a:pPr algn="ctr"/>
+            <a:endParaRPr lang="ko-KR" altLang="en-US"/>
+          </a:p>
+        </p:txBody>
+      </p:sp>
+      <p:sp>
+        <p:nvSpPr>
+          <p:cNvPr id="8" name="직사각형 7">
+            <a:extLst>
+              <a:ext uri="{FF2B5EF4-FFF2-40B4-BE49-F238E27FC236}">
+                <a16:creationId xmlns:a16="http://schemas.microsoft.com/office/drawing/2014/main" id="{8E8E2027-FFFD-429C-8628-2749107FE210}"/>
+              </a:ext>
+            </a:extLst>
+          </p:cNvPr>
+          <p:cNvSpPr/>
+          <p:nvPr/>
+        </p:nvSpPr>
+        <p:spPr>
+          <a:xfrm>
+            <a:off x="2815554" y="5438928"/>
+            <a:ext cx="340601" cy="237393"/>
+          </a:xfrm>
+          <a:prstGeom prst="rect">
+            <a:avLst/>
+          </a:prstGeom>
+          <a:noFill/>
+          <a:ln w="28575">
+            <a:solidFill>
+              <a:srgbClr val="C00000"/>
+            </a:solidFill>
+          </a:ln>
+        </p:spPr>
+        <p:style>
+          <a:lnRef idx="2">
+            <a:schemeClr val="accent1">
+              <a:shade val="50000"/>
+            </a:schemeClr>
+          </a:lnRef>
+          <a:fillRef idx="1">
+            <a:schemeClr val="accent1"/>
+          </a:fillRef>
+          <a:effectRef idx="0">
+            <a:schemeClr val="accent1"/>
+          </a:effectRef>
+          <a:fontRef idx="minor">
+            <a:schemeClr val="lt1"/>
+          </a:fontRef>
+        </p:style>
+        <p:txBody>
+          <a:bodyPr rtlCol="0" anchor="ctr"/>
+          <a:lstStyle/>
+          <a:p>
+            <a:pPr algn="ctr"/>
+            <a:endParaRPr lang="ko-KR" altLang="en-US"/>
+          </a:p>
+        </p:txBody>
+      </p:sp>
+      <p:sp>
+        <p:nvSpPr>
+          <p:cNvPr id="9" name="직사각형 8">
+            <a:extLst>
+              <a:ext uri="{FF2B5EF4-FFF2-40B4-BE49-F238E27FC236}">
+                <a16:creationId xmlns:a16="http://schemas.microsoft.com/office/drawing/2014/main" id="{702E5DAC-7AF9-470C-9CF2-1D8ACCEEFF61}"/>
+              </a:ext>
+            </a:extLst>
+          </p:cNvPr>
+          <p:cNvSpPr/>
+          <p:nvPr/>
+        </p:nvSpPr>
+        <p:spPr>
+          <a:xfrm>
+            <a:off x="3642446" y="5448326"/>
+            <a:ext cx="376638" cy="227996"/>
+          </a:xfrm>
+          <a:prstGeom prst="rect">
+            <a:avLst/>
+          </a:prstGeom>
+          <a:noFill/>
+          <a:ln w="28575">
+            <a:solidFill>
+              <a:srgbClr val="C00000"/>
+            </a:solidFill>
+          </a:ln>
+        </p:spPr>
+        <p:style>
+          <a:lnRef idx="2">
+            <a:schemeClr val="accent1">
+              <a:shade val="50000"/>
+            </a:schemeClr>
+          </a:lnRef>
+          <a:fillRef idx="1">
+            <a:schemeClr val="accent1"/>
+          </a:fillRef>
+          <a:effectRef idx="0">
+            <a:schemeClr val="accent1"/>
+          </a:effectRef>
+          <a:fontRef idx="minor">
+            <a:schemeClr val="lt1"/>
+          </a:fontRef>
+        </p:style>
+        <p:txBody>
+          <a:bodyPr rtlCol="0" anchor="ctr"/>
+          <a:lstStyle/>
+          <a:p>
+            <a:pPr algn="ctr"/>
+            <a:endParaRPr lang="ko-KR" altLang="en-US"/>
           </a:p>
         </p:txBody>
       </p:sp>
     </p:spTree>
     <p:extLst>
       <p:ext uri="{BB962C8B-B14F-4D97-AF65-F5344CB8AC3E}">
-        <p14:creationId xmlns:p14="http://schemas.microsoft.com/office/powerpoint/2010/main" val="3082688962"/>
+        <p14:creationId xmlns:p14="http://schemas.microsoft.com/office/powerpoint/2010/main" val="1793929902"/>
       </p:ext>
     </p:extLst>
   </p:cSld>
@@ -5997,129 +6090,108 @@
           <a:chExt cx="0" cy="0"/>
         </a:xfrm>
       </p:grpSpPr>
-      <p:pic>
-        <p:nvPicPr>
-          <p:cNvPr id="11" name="내용 개체 틀 10">
-            <a:extLst>
-              <a:ext uri="{FF2B5EF4-FFF2-40B4-BE49-F238E27FC236}">
-                <a16:creationId xmlns:a16="http://schemas.microsoft.com/office/drawing/2014/main" id="{B1557784-8704-4C3A-812C-09029E307D57}"/>
-              </a:ext>
-            </a:extLst>
-          </p:cNvPr>
-          <p:cNvPicPr>
-            <a:picLocks noGrp="1" noChangeAspect="1"/>
-          </p:cNvPicPr>
+      <p:sp>
+        <p:nvSpPr>
+          <p:cNvPr id="2" name="제목 1">
+            <a:extLst>
+              <a:ext uri="{FF2B5EF4-FFF2-40B4-BE49-F238E27FC236}">
+                <a16:creationId xmlns:a16="http://schemas.microsoft.com/office/drawing/2014/main" id="{07B00DBD-1576-4F15-B945-F755D0160A40}"/>
+              </a:ext>
+            </a:extLst>
+          </p:cNvPr>
+          <p:cNvSpPr>
+            <a:spLocks noGrp="1"/>
+          </p:cNvSpPr>
+          <p:nvPr>
+            <p:ph type="title"/>
+          </p:nvPr>
+        </p:nvSpPr>
+        <p:spPr/>
+        <p:txBody>
+          <a:bodyPr/>
+          <a:lstStyle/>
+          <a:p>
+            <a:r>
+              <a:rPr lang="en-US" altLang="ko-KR" b="1" dirty="0"/>
+              <a:t>SVD(</a:t>
+            </a:r>
+            <a:r>
+              <a:rPr lang="ko-KR" altLang="en-US" b="1" dirty="0" err="1"/>
+              <a:t>특이값</a:t>
+            </a:r>
+            <a:r>
+              <a:rPr lang="ko-KR" altLang="en-US" b="1" dirty="0"/>
+              <a:t> 분해</a:t>
+            </a:r>
+            <a:r>
+              <a:rPr lang="en-US" altLang="ko-KR" b="1" dirty="0"/>
+              <a:t>) 3</a:t>
+            </a:r>
+            <a:r>
+              <a:rPr lang="ko-KR" altLang="en-US" b="1" dirty="0"/>
+              <a:t>줄 요약 </a:t>
+            </a:r>
+          </a:p>
+        </p:txBody>
+      </p:sp>
+      <p:sp>
+        <p:nvSpPr>
+          <p:cNvPr id="3" name="내용 개체 틀 2">
+            <a:extLst>
+              <a:ext uri="{FF2B5EF4-FFF2-40B4-BE49-F238E27FC236}">
+                <a16:creationId xmlns:a16="http://schemas.microsoft.com/office/drawing/2014/main" id="{B38E081A-E80D-4019-81E8-3E50219DB612}"/>
+              </a:ext>
+            </a:extLst>
+          </p:cNvPr>
+          <p:cNvSpPr>
+            <a:spLocks noGrp="1"/>
+          </p:cNvSpPr>
           <p:nvPr>
             <p:ph idx="1"/>
           </p:nvPr>
-        </p:nvPicPr>
-        <p:blipFill>
-          <a:blip r:embed="rId2"/>
-          <a:stretch>
-            <a:fillRect/>
-          </a:stretch>
-        </p:blipFill>
-        <p:spPr>
-          <a:xfrm>
-            <a:off x="1964809" y="2328340"/>
-            <a:ext cx="8048625" cy="3295650"/>
-          </a:xfrm>
-          <a:prstGeom prst="rect">
-            <a:avLst/>
-          </a:prstGeom>
-        </p:spPr>
-      </p:pic>
-      <p:sp>
-        <p:nvSpPr>
-          <p:cNvPr id="2" name="제목 1">
-            <a:extLst>
-              <a:ext uri="{FF2B5EF4-FFF2-40B4-BE49-F238E27FC236}">
-                <a16:creationId xmlns:a16="http://schemas.microsoft.com/office/drawing/2014/main" id="{50CD1A43-2344-4D89-A155-BA393D315B5A}"/>
-              </a:ext>
-            </a:extLst>
-          </p:cNvPr>
-          <p:cNvSpPr>
-            <a:spLocks noGrp="1"/>
-          </p:cNvSpPr>
-          <p:nvPr>
-            <p:ph type="title"/>
-          </p:nvPr>
         </p:nvSpPr>
         <p:spPr/>
         <p:txBody>
-          <a:bodyPr/>
-          <a:lstStyle/>
-          <a:p>
-            <a:r>
-              <a:rPr lang="en-US" altLang="ko-KR" dirty="0"/>
-              <a:t>SVD </a:t>
-            </a:r>
-            <a:r>
-              <a:rPr lang="ko-KR" altLang="en-US" dirty="0"/>
-              <a:t>예제 코드 설명 </a:t>
-            </a:r>
-            <a:r>
-              <a:rPr lang="en-US" altLang="ko-KR" dirty="0"/>
-              <a:t>-14</a:t>
-            </a:r>
-            <a:endParaRPr lang="ko-KR" altLang="en-US" dirty="0"/>
-          </a:p>
-        </p:txBody>
-      </p:sp>
-      <p:sp>
-        <p:nvSpPr>
-          <p:cNvPr id="3" name="TextBox 2">
-            <a:extLst>
-              <a:ext uri="{FF2B5EF4-FFF2-40B4-BE49-F238E27FC236}">
-                <a16:creationId xmlns:a16="http://schemas.microsoft.com/office/drawing/2014/main" id="{54607425-C38E-4F3B-A67D-60C6E66BE8E4}"/>
-              </a:ext>
-            </a:extLst>
-          </p:cNvPr>
-          <p:cNvSpPr txBox="1"/>
-          <p:nvPr/>
-        </p:nvSpPr>
-        <p:spPr>
-          <a:xfrm>
-            <a:off x="5474525" y="4928260"/>
-            <a:ext cx="5581402" cy="1477328"/>
-          </a:xfrm>
-          <a:prstGeom prst="rect">
-            <a:avLst/>
-          </a:prstGeom>
-          <a:noFill/>
-        </p:spPr>
-        <p:txBody>
-          <a:bodyPr wrap="square" rtlCol="0">
-            <a:spAutoFit/>
+          <a:bodyPr>
+            <a:normAutofit/>
           </a:bodyPr>
           <a:lstStyle/>
           <a:p>
             <a:r>
               <a:rPr lang="en-US" altLang="ko-KR" dirty="0"/>
-              <a:t>U8</a:t>
-            </a:r>
-            <a:r>
-              <a:rPr lang="ko-KR" altLang="en-US" dirty="0"/>
-              <a:t>의 이용자 평점이 </a:t>
-            </a:r>
-            <a:r>
-              <a:rPr lang="en-US" altLang="ko-KR" dirty="0"/>
-              <a:t>[4,3,3,3,2] </a:t>
-            </a:r>
-            <a:r>
-              <a:rPr lang="ko-KR" altLang="en-US" dirty="0"/>
-              <a:t>에서 </a:t>
+              <a:t>SVD</a:t>
+            </a:r>
+            <a:r>
+              <a:rPr lang="ko-KR" altLang="en-US" dirty="0"/>
+              <a:t>는 차원 축소 알고리즘이다</a:t>
             </a:r>
             <a:endParaRPr lang="en-US" altLang="ko-KR" dirty="0"/>
           </a:p>
           <a:p>
-            <a:r>
-              <a:rPr lang="en-US" altLang="ko-KR" dirty="0"/>
-              <a:t>[3.52, 3.26, 3.26, 2.65, 2.38]</a:t>
-            </a:r>
-            <a:r>
-              <a:rPr lang="ko-KR" altLang="en-US" dirty="0"/>
-              <a:t>로 변경 되었다</a:t>
+            <a:endParaRPr lang="en-US" altLang="ko-KR" dirty="0"/>
+          </a:p>
+          <a:p>
+            <a:r>
+              <a:rPr lang="en-US" altLang="ko-KR" dirty="0"/>
+              <a:t>SVD</a:t>
+            </a:r>
+            <a:r>
+              <a:rPr lang="ko-KR" altLang="en-US" dirty="0"/>
+              <a:t>를 사용하면 데이터를 축소시켜 연산에 필요한 </a:t>
+            </a:r>
+            <a:endParaRPr lang="en-US" altLang="ko-KR" dirty="0"/>
+          </a:p>
+          <a:p>
+            <a:pPr marL="0" indent="0">
+              <a:buNone/>
+            </a:pPr>
+            <a:r>
+              <a:rPr lang="en-US" altLang="ko-KR" dirty="0"/>
+              <a:t>  </a:t>
+            </a:r>
+            <a:r>
+              <a:rPr lang="ko-KR" altLang="en-US" dirty="0"/>
+              <a:t>자원을 절약할 수 있다</a:t>
             </a:r>
             <a:r>
               <a:rPr lang="en-US" altLang="ko-KR" dirty="0"/>
@@ -6131,256 +6203,24 @@
           </a:p>
           <a:p>
             <a:r>
-              <a:rPr lang="ko-KR" altLang="en-US" dirty="0"/>
-              <a:t>즉</a:t>
-            </a:r>
-            <a:r>
-              <a:rPr lang="en-US" altLang="ko-KR" dirty="0"/>
-              <a:t>,</a:t>
-            </a:r>
-            <a:r>
-              <a:rPr lang="ko-KR" altLang="en-US" dirty="0"/>
-              <a:t> 아직 평가 </a:t>
-            </a:r>
-            <a:r>
               <a:rPr lang="ko-KR" altLang="en-US" dirty="0" err="1"/>
-              <a:t>안한</a:t>
-            </a:r>
-            <a:r>
-              <a:rPr lang="ko-KR" altLang="en-US" dirty="0"/>
-              <a:t> 청바지와 코트에 대해 청바지가 </a:t>
-            </a:r>
-            <a:r>
-              <a:rPr lang="en-US" altLang="ko-KR" dirty="0"/>
-              <a:t>3.26</a:t>
-            </a:r>
-            <a:r>
-              <a:rPr lang="ko-KR" altLang="en-US" dirty="0"/>
-              <a:t>으로 더 높으므로 청바지를 추천 해줘야 한다</a:t>
-            </a:r>
-            <a:r>
-              <a:rPr lang="en-US" altLang="ko-KR" dirty="0"/>
-              <a:t>.</a:t>
-            </a:r>
-            <a:r>
-              <a:rPr lang="ko-KR" altLang="en-US" dirty="0"/>
-              <a:t> </a:t>
-            </a:r>
-          </a:p>
-        </p:txBody>
-      </p:sp>
-      <p:sp>
-        <p:nvSpPr>
-          <p:cNvPr id="5" name="직사각형 4">
-            <a:extLst>
-              <a:ext uri="{FF2B5EF4-FFF2-40B4-BE49-F238E27FC236}">
-                <a16:creationId xmlns:a16="http://schemas.microsoft.com/office/drawing/2014/main" id="{F3EDE41D-635A-49A0-A911-A00E545E56CC}"/>
-              </a:ext>
-            </a:extLst>
-          </p:cNvPr>
-          <p:cNvSpPr/>
-          <p:nvPr/>
-        </p:nvSpPr>
-        <p:spPr>
-          <a:xfrm>
-            <a:off x="2887330" y="3738772"/>
-            <a:ext cx="268825" cy="237393"/>
-          </a:xfrm>
-          <a:prstGeom prst="rect">
-            <a:avLst/>
-          </a:prstGeom>
-          <a:noFill/>
-          <a:ln w="28575">
-            <a:solidFill>
-              <a:srgbClr val="C00000"/>
-            </a:solidFill>
-          </a:ln>
-        </p:spPr>
-        <p:style>
-          <a:lnRef idx="2">
-            <a:schemeClr val="accent1">
-              <a:shade val="50000"/>
-            </a:schemeClr>
-          </a:lnRef>
-          <a:fillRef idx="1">
-            <a:schemeClr val="accent1"/>
-          </a:fillRef>
-          <a:effectRef idx="0">
-            <a:schemeClr val="accent1"/>
-          </a:effectRef>
-          <a:fontRef idx="minor">
-            <a:schemeClr val="lt1"/>
-          </a:fontRef>
-        </p:style>
-        <p:txBody>
-          <a:bodyPr rtlCol="0" anchor="ctr"/>
-          <a:lstStyle/>
-          <a:p>
-            <a:pPr algn="ctr"/>
-            <a:endParaRPr lang="ko-KR" altLang="en-US"/>
-          </a:p>
-        </p:txBody>
-      </p:sp>
-      <p:sp>
-        <p:nvSpPr>
-          <p:cNvPr id="6" name="직사각형 5">
-            <a:extLst>
-              <a:ext uri="{FF2B5EF4-FFF2-40B4-BE49-F238E27FC236}">
-                <a16:creationId xmlns:a16="http://schemas.microsoft.com/office/drawing/2014/main" id="{4FBCCA38-5B36-4140-A0D2-82554FD6E864}"/>
-              </a:ext>
-            </a:extLst>
-          </p:cNvPr>
-          <p:cNvSpPr/>
-          <p:nvPr/>
-        </p:nvSpPr>
-        <p:spPr>
-          <a:xfrm>
-            <a:off x="3642446" y="3743252"/>
-            <a:ext cx="268825" cy="232913"/>
-          </a:xfrm>
-          <a:prstGeom prst="rect">
-            <a:avLst/>
-          </a:prstGeom>
-          <a:noFill/>
-          <a:ln w="28575">
-            <a:solidFill>
-              <a:srgbClr val="C00000"/>
-            </a:solidFill>
-          </a:ln>
-        </p:spPr>
-        <p:style>
-          <a:lnRef idx="2">
-            <a:schemeClr val="accent1">
-              <a:shade val="50000"/>
-            </a:schemeClr>
-          </a:lnRef>
-          <a:fillRef idx="1">
-            <a:schemeClr val="accent1"/>
-          </a:fillRef>
-          <a:effectRef idx="0">
-            <a:schemeClr val="accent1"/>
-          </a:effectRef>
-          <a:fontRef idx="minor">
-            <a:schemeClr val="lt1"/>
-          </a:fontRef>
-        </p:style>
-        <p:txBody>
-          <a:bodyPr rtlCol="0" anchor="ctr"/>
-          <a:lstStyle/>
-          <a:p>
-            <a:pPr algn="ctr"/>
-            <a:endParaRPr lang="ko-KR" altLang="en-US"/>
-          </a:p>
-        </p:txBody>
-      </p:sp>
-      <p:sp>
-        <p:nvSpPr>
-          <p:cNvPr id="8" name="직사각형 7">
-            <a:extLst>
-              <a:ext uri="{FF2B5EF4-FFF2-40B4-BE49-F238E27FC236}">
-                <a16:creationId xmlns:a16="http://schemas.microsoft.com/office/drawing/2014/main" id="{8E8E2027-FFFD-429C-8628-2749107FE210}"/>
-              </a:ext>
-            </a:extLst>
-          </p:cNvPr>
-          <p:cNvSpPr/>
-          <p:nvPr/>
-        </p:nvSpPr>
-        <p:spPr>
-          <a:xfrm>
-            <a:off x="2815554" y="5438928"/>
-            <a:ext cx="340601" cy="237393"/>
-          </a:xfrm>
-          <a:prstGeom prst="rect">
-            <a:avLst/>
-          </a:prstGeom>
-          <a:noFill/>
-          <a:ln w="28575">
-            <a:solidFill>
-              <a:srgbClr val="C00000"/>
-            </a:solidFill>
-          </a:ln>
-        </p:spPr>
-        <p:style>
-          <a:lnRef idx="2">
-            <a:schemeClr val="accent1">
-              <a:shade val="50000"/>
-            </a:schemeClr>
-          </a:lnRef>
-          <a:fillRef idx="1">
-            <a:schemeClr val="accent1"/>
-          </a:fillRef>
-          <a:effectRef idx="0">
-            <a:schemeClr val="accent1"/>
-          </a:effectRef>
-          <a:fontRef idx="minor">
-            <a:schemeClr val="lt1"/>
-          </a:fontRef>
-        </p:style>
-        <p:txBody>
-          <a:bodyPr rtlCol="0" anchor="ctr"/>
-          <a:lstStyle/>
-          <a:p>
-            <a:pPr algn="ctr"/>
-            <a:endParaRPr lang="ko-KR" altLang="en-US"/>
-          </a:p>
-        </p:txBody>
-      </p:sp>
-      <p:sp>
-        <p:nvSpPr>
-          <p:cNvPr id="9" name="직사각형 8">
-            <a:extLst>
-              <a:ext uri="{FF2B5EF4-FFF2-40B4-BE49-F238E27FC236}">
-                <a16:creationId xmlns:a16="http://schemas.microsoft.com/office/drawing/2014/main" id="{702E5DAC-7AF9-470C-9CF2-1D8ACCEEFF61}"/>
-              </a:ext>
-            </a:extLst>
-          </p:cNvPr>
-          <p:cNvSpPr/>
-          <p:nvPr/>
-        </p:nvSpPr>
-        <p:spPr>
-          <a:xfrm>
-            <a:off x="3642446" y="5448326"/>
-            <a:ext cx="376638" cy="227996"/>
-          </a:xfrm>
-          <a:prstGeom prst="rect">
-            <a:avLst/>
-          </a:prstGeom>
-          <a:noFill/>
-          <a:ln w="28575">
-            <a:solidFill>
-              <a:srgbClr val="C00000"/>
-            </a:solidFill>
-          </a:ln>
-        </p:spPr>
-        <p:style>
-          <a:lnRef idx="2">
-            <a:schemeClr val="accent1">
-              <a:shade val="50000"/>
-            </a:schemeClr>
-          </a:lnRef>
-          <a:fillRef idx="1">
-            <a:schemeClr val="accent1"/>
-          </a:fillRef>
-          <a:effectRef idx="0">
-            <a:schemeClr val="accent1"/>
-          </a:effectRef>
-          <a:fontRef idx="minor">
-            <a:schemeClr val="lt1"/>
-          </a:fontRef>
-        </p:style>
-        <p:txBody>
-          <a:bodyPr rtlCol="0" anchor="ctr"/>
-          <a:lstStyle/>
-          <a:p>
-            <a:pPr algn="ctr"/>
-            <a:endParaRPr lang="ko-KR" altLang="en-US"/>
+              <a:t>결측치를</a:t>
+            </a:r>
+            <a:r>
+              <a:rPr lang="ko-KR" altLang="en-US" dirty="0"/>
+              <a:t> 예상하여 추천 시스템을 구현 할 수 있다</a:t>
+            </a:r>
+            <a:endParaRPr lang="en-US" altLang="ko-KR" dirty="0"/>
+          </a:p>
+          <a:p>
+            <a:endParaRPr lang="en-US" altLang="ko-KR" dirty="0"/>
           </a:p>
         </p:txBody>
       </p:sp>
     </p:spTree>
     <p:extLst>
       <p:ext uri="{BB962C8B-B14F-4D97-AF65-F5344CB8AC3E}">
-        <p14:creationId xmlns:p14="http://schemas.microsoft.com/office/powerpoint/2010/main" val="1793929902"/>
+        <p14:creationId xmlns:p14="http://schemas.microsoft.com/office/powerpoint/2010/main" val="2452198631"/>
       </p:ext>
     </p:extLst>
   </p:cSld>
@@ -6499,7 +6339,7 @@
                   </a:schemeClr>
                 </a:solidFill>
               </a:rPr>
-              <a:t>2019-05-28</a:t>
+              <a:t>2019-05-29</a:t>
             </a:fld>
             <a:endParaRPr lang="ko-KR" altLang="en-US">
               <a:solidFill>
@@ -6719,163 +6559,6 @@
 </file>
 
 <file path=ppt/slides/slide20.xml><?xml version="1.0" encoding="utf-8"?>
-<p:sld xmlns:a="http://schemas.openxmlformats.org/drawingml/2006/main" xmlns:r="http://schemas.openxmlformats.org/officeDocument/2006/relationships" xmlns:p="http://schemas.openxmlformats.org/presentationml/2006/main">
-  <p:cSld>
-    <p:spTree>
-      <p:nvGrpSpPr>
-        <p:cNvPr id="1" name=""/>
-        <p:cNvGrpSpPr/>
-        <p:nvPr/>
-      </p:nvGrpSpPr>
-      <p:grpSpPr>
-        <a:xfrm>
-          <a:off x="0" y="0"/>
-          <a:ext cx="0" cy="0"/>
-          <a:chOff x="0" y="0"/>
-          <a:chExt cx="0" cy="0"/>
-        </a:xfrm>
-      </p:grpSpPr>
-      <p:sp>
-        <p:nvSpPr>
-          <p:cNvPr id="2" name="제목 1">
-            <a:extLst>
-              <a:ext uri="{FF2B5EF4-FFF2-40B4-BE49-F238E27FC236}">
-                <a16:creationId xmlns:a16="http://schemas.microsoft.com/office/drawing/2014/main" id="{07B00DBD-1576-4F15-B945-F755D0160A40}"/>
-              </a:ext>
-            </a:extLst>
-          </p:cNvPr>
-          <p:cNvSpPr>
-            <a:spLocks noGrp="1"/>
-          </p:cNvSpPr>
-          <p:nvPr>
-            <p:ph type="title"/>
-          </p:nvPr>
-        </p:nvSpPr>
-        <p:spPr/>
-        <p:txBody>
-          <a:bodyPr/>
-          <a:lstStyle/>
-          <a:p>
-            <a:r>
-              <a:rPr lang="en-US" altLang="ko-KR" b="1" dirty="0"/>
-              <a:t>SVD(</a:t>
-            </a:r>
-            <a:r>
-              <a:rPr lang="ko-KR" altLang="en-US" b="1" dirty="0" err="1"/>
-              <a:t>특이값</a:t>
-            </a:r>
-            <a:r>
-              <a:rPr lang="ko-KR" altLang="en-US" b="1" dirty="0"/>
-              <a:t> 분해</a:t>
-            </a:r>
-            <a:r>
-              <a:rPr lang="en-US" altLang="ko-KR" b="1" dirty="0"/>
-              <a:t>) 3</a:t>
-            </a:r>
-            <a:r>
-              <a:rPr lang="ko-KR" altLang="en-US" b="1" dirty="0"/>
-              <a:t>줄 요약 </a:t>
-            </a:r>
-          </a:p>
-        </p:txBody>
-      </p:sp>
-      <p:sp>
-        <p:nvSpPr>
-          <p:cNvPr id="3" name="내용 개체 틀 2">
-            <a:extLst>
-              <a:ext uri="{FF2B5EF4-FFF2-40B4-BE49-F238E27FC236}">
-                <a16:creationId xmlns:a16="http://schemas.microsoft.com/office/drawing/2014/main" id="{B38E081A-E80D-4019-81E8-3E50219DB612}"/>
-              </a:ext>
-            </a:extLst>
-          </p:cNvPr>
-          <p:cNvSpPr>
-            <a:spLocks noGrp="1"/>
-          </p:cNvSpPr>
-          <p:nvPr>
-            <p:ph idx="1"/>
-          </p:nvPr>
-        </p:nvSpPr>
-        <p:spPr/>
-        <p:txBody>
-          <a:bodyPr>
-            <a:normAutofit/>
-          </a:bodyPr>
-          <a:lstStyle/>
-          <a:p>
-            <a:r>
-              <a:rPr lang="en-US" altLang="ko-KR" dirty="0"/>
-              <a:t>SVD</a:t>
-            </a:r>
-            <a:r>
-              <a:rPr lang="ko-KR" altLang="en-US" dirty="0"/>
-              <a:t>는 차원 축소 알고리즘이다</a:t>
-            </a:r>
-            <a:endParaRPr lang="en-US" altLang="ko-KR" dirty="0"/>
-          </a:p>
-          <a:p>
-            <a:endParaRPr lang="en-US" altLang="ko-KR" dirty="0"/>
-          </a:p>
-          <a:p>
-            <a:r>
-              <a:rPr lang="en-US" altLang="ko-KR" dirty="0"/>
-              <a:t>SVD</a:t>
-            </a:r>
-            <a:r>
-              <a:rPr lang="ko-KR" altLang="en-US" dirty="0"/>
-              <a:t>를 사용하면 데이터를 축소시켜 연산에 필요한 </a:t>
-            </a:r>
-            <a:endParaRPr lang="en-US" altLang="ko-KR" dirty="0"/>
-          </a:p>
-          <a:p>
-            <a:pPr marL="0" indent="0">
-              <a:buNone/>
-            </a:pPr>
-            <a:r>
-              <a:rPr lang="en-US" altLang="ko-KR" dirty="0"/>
-              <a:t>  </a:t>
-            </a:r>
-            <a:r>
-              <a:rPr lang="ko-KR" altLang="en-US" dirty="0"/>
-              <a:t>자원을 절약할 수 있다</a:t>
-            </a:r>
-            <a:r>
-              <a:rPr lang="en-US" altLang="ko-KR" dirty="0"/>
-              <a:t>.</a:t>
-            </a:r>
-          </a:p>
-          <a:p>
-            <a:endParaRPr lang="en-US" altLang="ko-KR" dirty="0"/>
-          </a:p>
-          <a:p>
-            <a:r>
-              <a:rPr lang="ko-KR" altLang="en-US" dirty="0" err="1"/>
-              <a:t>결측치를</a:t>
-            </a:r>
-            <a:r>
-              <a:rPr lang="ko-KR" altLang="en-US" dirty="0"/>
-              <a:t> 예상하여 추천 시스템을 구현 할 수 있다</a:t>
-            </a:r>
-            <a:endParaRPr lang="en-US" altLang="ko-KR" dirty="0"/>
-          </a:p>
-          <a:p>
-            <a:endParaRPr lang="en-US" altLang="ko-KR" dirty="0"/>
-          </a:p>
-        </p:txBody>
-      </p:sp>
-    </p:spTree>
-    <p:extLst>
-      <p:ext uri="{BB962C8B-B14F-4D97-AF65-F5344CB8AC3E}">
-        <p14:creationId xmlns:p14="http://schemas.microsoft.com/office/powerpoint/2010/main" val="2452198631"/>
-      </p:ext>
-    </p:extLst>
-  </p:cSld>
-  <p:clrMapOvr>
-    <a:masterClrMapping/>
-  </p:clrMapOvr>
-</p:sld>
-</file>
-
-<file path=ppt/slides/slide21.xml><?xml version="1.0" encoding="utf-8"?>
 <p:sld xmlns:a="http://schemas.openxmlformats.org/drawingml/2006/main" xmlns:r="http://schemas.openxmlformats.org/officeDocument/2006/relationships" xmlns:p="http://schemas.openxmlformats.org/presentationml/2006/main">
   <p:cSld>
     <p:spTree>
@@ -8566,19 +8249,98 @@
           </a:p>
         </p:txBody>
       </p:sp>
+      <p:sp>
+        <p:nvSpPr>
+          <p:cNvPr id="3" name="TextBox 2">
+            <a:extLst>
+              <a:ext uri="{FF2B5EF4-FFF2-40B4-BE49-F238E27FC236}">
+                <a16:creationId xmlns:a16="http://schemas.microsoft.com/office/drawing/2014/main" id="{16712381-82BB-4E10-9E8E-A6E8DBE2948B}"/>
+              </a:ext>
+            </a:extLst>
+          </p:cNvPr>
+          <p:cNvSpPr txBox="1"/>
+          <p:nvPr/>
+        </p:nvSpPr>
+        <p:spPr>
+          <a:xfrm>
+            <a:off x="4180114" y="1781299"/>
+            <a:ext cx="6175169" cy="1754326"/>
+          </a:xfrm>
+          <a:prstGeom prst="rect">
+            <a:avLst/>
+          </a:prstGeom>
+          <a:noFill/>
+        </p:spPr>
+        <p:txBody>
+          <a:bodyPr wrap="square" rtlCol="0">
+            <a:spAutoFit/>
+          </a:bodyPr>
+          <a:lstStyle/>
+          <a:p>
+            <a:r>
+              <a:rPr lang="ko-KR" altLang="en-US" dirty="0" err="1"/>
+              <a:t>특이값을</a:t>
+            </a:r>
+            <a:r>
+              <a:rPr lang="ko-KR" altLang="en-US" dirty="0"/>
+              <a:t> 선정하여 변수에 입력한다</a:t>
+            </a:r>
+            <a:r>
+              <a:rPr lang="en-US" altLang="ko-KR" dirty="0"/>
+              <a:t>. </a:t>
+            </a:r>
+          </a:p>
+          <a:p>
+            <a:r>
+              <a:rPr lang="ko-KR" altLang="en-US" dirty="0"/>
+              <a:t>각각 사용자별</a:t>
+            </a:r>
+            <a:r>
+              <a:rPr lang="en-US" altLang="ko-KR" dirty="0"/>
+              <a:t>, </a:t>
+            </a:r>
+            <a:r>
+              <a:rPr lang="ko-KR" altLang="en-US" dirty="0"/>
+              <a:t>아이템별 기준으로 축소시킨 행렬들이다</a:t>
+            </a:r>
+            <a:r>
+              <a:rPr lang="en-US" altLang="ko-KR" dirty="0"/>
+              <a:t>.</a:t>
+            </a:r>
+          </a:p>
+          <a:p>
+            <a:endParaRPr lang="en-US" altLang="ko-KR" dirty="0"/>
+          </a:p>
+          <a:p>
+            <a:r>
+              <a:rPr lang="ko-KR" altLang="en-US" dirty="0"/>
+              <a:t>각각 함수를 모두 곱해주면 다시 원래의 평가 데이터를 얻을 수 있습니다</a:t>
+            </a:r>
+            <a:r>
+              <a:rPr lang="en-US" altLang="ko-KR" dirty="0"/>
+              <a:t>.</a:t>
+            </a:r>
+          </a:p>
+          <a:p>
+            <a:endParaRPr lang="ko-KR" altLang="en-US" dirty="0"/>
+          </a:p>
+        </p:txBody>
+      </p:sp>
       <p:pic>
         <p:nvPicPr>
-          <p:cNvPr id="5" name="그림 4">
-            <a:extLst>
-              <a:ext uri="{FF2B5EF4-FFF2-40B4-BE49-F238E27FC236}">
-                <a16:creationId xmlns:a16="http://schemas.microsoft.com/office/drawing/2014/main" id="{ECE0FF21-7E83-4588-9C9F-3827D9FE8F6B}"/>
+          <p:cNvPr id="7" name="내용 개체 틀 6">
+            <a:extLst>
+              <a:ext uri="{FF2B5EF4-FFF2-40B4-BE49-F238E27FC236}">
+                <a16:creationId xmlns:a16="http://schemas.microsoft.com/office/drawing/2014/main" id="{4EDA2B43-37B4-4E71-987C-37326E125785}"/>
               </a:ext>
             </a:extLst>
           </p:cNvPr>
           <p:cNvPicPr>
-            <a:picLocks noChangeAspect="1"/>
+            <a:picLocks noGrp="1" noChangeAspect="1"/>
           </p:cNvPicPr>
-          <p:nvPr/>
+          <p:nvPr>
+            <p:ph idx="1"/>
+          </p:nvPr>
         </p:nvPicPr>
         <p:blipFill>
           <a:blip r:embed="rId2"/>
@@ -8588,150 +8350,8 @@
         </p:blipFill>
         <p:spPr>
           <a:xfrm>
-            <a:off x="746269" y="2870802"/>
-            <a:ext cx="4006117" cy="2764221"/>
-          </a:xfrm>
-          <a:prstGeom prst="rect">
-            <a:avLst/>
-          </a:prstGeom>
-          <a:ln>
-            <a:noFill/>
-          </a:ln>
-          <a:effectLst>
-            <a:outerShdw blurRad="292100" dist="139700" dir="2700000" algn="tl" rotWithShape="0">
-              <a:srgbClr val="333333">
-                <a:alpha val="65000"/>
-              </a:srgbClr>
-            </a:outerShdw>
-          </a:effectLst>
-        </p:spPr>
-      </p:pic>
-      <p:pic>
-        <p:nvPicPr>
-          <p:cNvPr id="6" name="그림 5">
-            <a:extLst>
-              <a:ext uri="{FF2B5EF4-FFF2-40B4-BE49-F238E27FC236}">
-                <a16:creationId xmlns:a16="http://schemas.microsoft.com/office/drawing/2014/main" id="{EB479978-2EA6-4EDA-B676-83C29B4DEA0B}"/>
-              </a:ext>
-            </a:extLst>
-          </p:cNvPr>
-          <p:cNvPicPr>
-            <a:picLocks noChangeAspect="1"/>
-          </p:cNvPicPr>
-          <p:nvPr/>
-        </p:nvPicPr>
-        <p:blipFill>
-          <a:blip r:embed="rId3"/>
-          <a:stretch>
-            <a:fillRect/>
-          </a:stretch>
-        </p:blipFill>
-        <p:spPr>
-          <a:xfrm>
-            <a:off x="6310288" y="2870802"/>
-            <a:ext cx="4006119" cy="2764222"/>
-          </a:xfrm>
-          <a:prstGeom prst="rect">
-            <a:avLst/>
-          </a:prstGeom>
-          <a:ln>
-            <a:noFill/>
-          </a:ln>
-          <a:effectLst>
-            <a:outerShdw blurRad="292100" dist="139700" dir="2700000" algn="tl" rotWithShape="0">
-              <a:srgbClr val="333333">
-                <a:alpha val="65000"/>
-              </a:srgbClr>
-            </a:outerShdw>
-          </a:effectLst>
-        </p:spPr>
-      </p:pic>
-      <p:sp>
-        <p:nvSpPr>
-          <p:cNvPr id="3" name="TextBox 2">
-            <a:extLst>
-              <a:ext uri="{FF2B5EF4-FFF2-40B4-BE49-F238E27FC236}">
-                <a16:creationId xmlns:a16="http://schemas.microsoft.com/office/drawing/2014/main" id="{29AB456F-4CB0-480B-86F6-D82205DAC66C}"/>
-              </a:ext>
-            </a:extLst>
-          </p:cNvPr>
-          <p:cNvSpPr txBox="1"/>
-          <p:nvPr/>
-        </p:nvSpPr>
-        <p:spPr>
-          <a:xfrm>
-            <a:off x="746269" y="6198919"/>
-            <a:ext cx="10607531" cy="369332"/>
-          </a:xfrm>
-          <a:prstGeom prst="rect">
-            <a:avLst/>
-          </a:prstGeom>
-          <a:noFill/>
-        </p:spPr>
-        <p:txBody>
-          <a:bodyPr wrap="square" rtlCol="0">
-            <a:spAutoFit/>
-          </a:bodyPr>
-          <a:lstStyle/>
-          <a:p>
-            <a:r>
-              <a:rPr lang="ko-KR" altLang="en-US" dirty="0" err="1"/>
-              <a:t>특이값은</a:t>
-            </a:r>
-            <a:r>
-              <a:rPr lang="ko-KR" altLang="en-US" dirty="0"/>
-              <a:t> 전체 보유한 모든 </a:t>
-            </a:r>
-            <a:r>
-              <a:rPr lang="ko-KR" altLang="en-US" dirty="0" err="1"/>
-              <a:t>특이값들의</a:t>
-            </a:r>
-            <a:r>
-              <a:rPr lang="ko-KR" altLang="en-US" dirty="0"/>
-              <a:t> 제곱의 합에 대해 최소 </a:t>
-            </a:r>
-            <a:r>
-              <a:rPr lang="en-US" altLang="ko-KR" dirty="0"/>
-              <a:t>90%</a:t>
-            </a:r>
-            <a:r>
-              <a:rPr lang="ko-KR" altLang="en-US" dirty="0"/>
-              <a:t>이상 에너지를 차지해야 한다</a:t>
-            </a:r>
-            <a:r>
-              <a:rPr lang="en-US" altLang="ko-KR" dirty="0"/>
-              <a:t>.</a:t>
-            </a:r>
-            <a:endParaRPr lang="ko-KR" altLang="en-US" dirty="0"/>
-          </a:p>
-        </p:txBody>
-      </p:sp>
-      <p:pic>
-        <p:nvPicPr>
-          <p:cNvPr id="9" name="내용 개체 틀 8">
-            <a:extLst>
-              <a:ext uri="{FF2B5EF4-FFF2-40B4-BE49-F238E27FC236}">
-                <a16:creationId xmlns:a16="http://schemas.microsoft.com/office/drawing/2014/main" id="{A31150B0-D422-4CF0-BDAB-085ABA9CB989}"/>
-              </a:ext>
-            </a:extLst>
-          </p:cNvPr>
-          <p:cNvPicPr>
-            <a:picLocks noGrp="1" noChangeAspect="1"/>
-          </p:cNvPicPr>
-          <p:nvPr>
-            <p:ph idx="1"/>
-          </p:nvPr>
-        </p:nvPicPr>
-        <p:blipFill>
-          <a:blip r:embed="rId4"/>
-          <a:stretch>
-            <a:fillRect/>
-          </a:stretch>
-        </p:blipFill>
-        <p:spPr>
-          <a:xfrm>
-            <a:off x="781080" y="1690688"/>
-            <a:ext cx="6591300" cy="762000"/>
+            <a:off x="838200" y="1781299"/>
+            <a:ext cx="3053099" cy="4351338"/>
           </a:xfrm>
           <a:prstGeom prst="rect">
             <a:avLst/>
@@ -8741,7 +8361,7 @@
     </p:spTree>
     <p:extLst>
       <p:ext uri="{BB962C8B-B14F-4D97-AF65-F5344CB8AC3E}">
-        <p14:creationId xmlns:p14="http://schemas.microsoft.com/office/powerpoint/2010/main" val="3100811582"/>
+        <p14:creationId xmlns:p14="http://schemas.microsoft.com/office/powerpoint/2010/main" val="365986319"/>
       </p:ext>
     </p:extLst>
   </p:cSld>
@@ -8768,126 +8388,12 @@
           <a:chExt cx="0" cy="0"/>
         </a:xfrm>
       </p:grpSpPr>
-      <p:sp>
-        <p:nvSpPr>
-          <p:cNvPr id="2" name="제목 1">
-            <a:extLst>
-              <a:ext uri="{FF2B5EF4-FFF2-40B4-BE49-F238E27FC236}">
-                <a16:creationId xmlns:a16="http://schemas.microsoft.com/office/drawing/2014/main" id="{63BAC052-2664-40DE-A2C6-0AD8A9257BC3}"/>
-              </a:ext>
-            </a:extLst>
-          </p:cNvPr>
-          <p:cNvSpPr>
-            <a:spLocks noGrp="1"/>
-          </p:cNvSpPr>
-          <p:nvPr>
-            <p:ph type="title"/>
-          </p:nvPr>
-        </p:nvSpPr>
-        <p:spPr/>
-        <p:txBody>
-          <a:bodyPr/>
-          <a:lstStyle/>
-          <a:p>
-            <a:r>
-              <a:rPr lang="en-US" altLang="ko-KR" dirty="0"/>
-              <a:t>SVD </a:t>
-            </a:r>
-            <a:r>
-              <a:rPr lang="ko-KR" altLang="en-US" dirty="0"/>
-              <a:t>예제 코드 설명 </a:t>
-            </a:r>
-            <a:r>
-              <a:rPr lang="en-US" altLang="ko-KR" dirty="0"/>
-              <a:t>-4</a:t>
-            </a:r>
-            <a:endParaRPr lang="ko-KR" altLang="en-US" dirty="0"/>
-          </a:p>
-        </p:txBody>
-      </p:sp>
-      <p:sp>
-        <p:nvSpPr>
-          <p:cNvPr id="3" name="TextBox 2">
-            <a:extLst>
-              <a:ext uri="{FF2B5EF4-FFF2-40B4-BE49-F238E27FC236}">
-                <a16:creationId xmlns:a16="http://schemas.microsoft.com/office/drawing/2014/main" id="{16712381-82BB-4E10-9E8E-A6E8DBE2948B}"/>
-              </a:ext>
-            </a:extLst>
-          </p:cNvPr>
-          <p:cNvSpPr txBox="1"/>
-          <p:nvPr/>
-        </p:nvSpPr>
-        <p:spPr>
-          <a:xfrm>
-            <a:off x="4180114" y="1781299"/>
-            <a:ext cx="6175169" cy="1754326"/>
-          </a:xfrm>
-          <a:prstGeom prst="rect">
-            <a:avLst/>
-          </a:prstGeom>
-          <a:noFill/>
-        </p:spPr>
-        <p:txBody>
-          <a:bodyPr wrap="square" rtlCol="0">
-            <a:spAutoFit/>
-          </a:bodyPr>
-          <a:lstStyle/>
-          <a:p>
-            <a:r>
-              <a:rPr lang="ko-KR" altLang="en-US" dirty="0" err="1"/>
-              <a:t>특이값을</a:t>
-            </a:r>
-            <a:r>
-              <a:rPr lang="ko-KR" altLang="en-US" dirty="0"/>
-              <a:t> 선정하여 변수에 입력한다</a:t>
-            </a:r>
-            <a:r>
-              <a:rPr lang="en-US" altLang="ko-KR" dirty="0"/>
-              <a:t>. </a:t>
-            </a:r>
-          </a:p>
-          <a:p>
-            <a:r>
-              <a:rPr lang="ko-KR" altLang="en-US" dirty="0"/>
-              <a:t>각각 사용자별</a:t>
-            </a:r>
-            <a:r>
-              <a:rPr lang="en-US" altLang="ko-KR" dirty="0"/>
-              <a:t>, </a:t>
-            </a:r>
-            <a:r>
-              <a:rPr lang="ko-KR" altLang="en-US" dirty="0"/>
-              <a:t>아이템별 기준으로 축소시킨 행렬들이다</a:t>
-            </a:r>
-            <a:r>
-              <a:rPr lang="en-US" altLang="ko-KR" dirty="0"/>
-              <a:t>.</a:t>
-            </a:r>
-          </a:p>
-          <a:p>
-            <a:endParaRPr lang="en-US" altLang="ko-KR" dirty="0"/>
-          </a:p>
-          <a:p>
-            <a:r>
-              <a:rPr lang="ko-KR" altLang="en-US" dirty="0"/>
-              <a:t>각각 함수를 모두 곱해주면 다시 원래의 평가 데이터를 얻을 수 있습니다</a:t>
-            </a:r>
-            <a:r>
-              <a:rPr lang="en-US" altLang="ko-KR" dirty="0"/>
-              <a:t>.</a:t>
-            </a:r>
-          </a:p>
-          <a:p>
-            <a:endParaRPr lang="ko-KR" altLang="en-US" dirty="0"/>
-          </a:p>
-        </p:txBody>
-      </p:sp>
       <p:pic>
         <p:nvPicPr>
-          <p:cNvPr id="7" name="내용 개체 틀 6">
-            <a:extLst>
-              <a:ext uri="{FF2B5EF4-FFF2-40B4-BE49-F238E27FC236}">
-                <a16:creationId xmlns:a16="http://schemas.microsoft.com/office/drawing/2014/main" id="{4EDA2B43-37B4-4E71-987C-37326E125785}"/>
+          <p:cNvPr id="9" name="내용 개체 틀 8">
+            <a:extLst>
+              <a:ext uri="{FF2B5EF4-FFF2-40B4-BE49-F238E27FC236}">
+                <a16:creationId xmlns:a16="http://schemas.microsoft.com/office/drawing/2014/main" id="{8CCA8C2C-5781-4821-BBD6-AAC752F9213A}"/>
               </a:ext>
             </a:extLst>
           </p:cNvPr>
@@ -8906,18 +8412,272 @@
         </p:blipFill>
         <p:spPr>
           <a:xfrm>
-            <a:off x="838200" y="1781299"/>
-            <a:ext cx="3053099" cy="4351338"/>
+            <a:off x="803051" y="1823343"/>
+            <a:ext cx="2157688" cy="4351338"/>
           </a:xfrm>
           <a:prstGeom prst="rect">
             <a:avLst/>
           </a:prstGeom>
         </p:spPr>
       </p:pic>
+      <p:sp>
+        <p:nvSpPr>
+          <p:cNvPr id="2" name="제목 1">
+            <a:extLst>
+              <a:ext uri="{FF2B5EF4-FFF2-40B4-BE49-F238E27FC236}">
+                <a16:creationId xmlns:a16="http://schemas.microsoft.com/office/drawing/2014/main" id="{63BAC052-2664-40DE-A2C6-0AD8A9257BC3}"/>
+              </a:ext>
+            </a:extLst>
+          </p:cNvPr>
+          <p:cNvSpPr>
+            <a:spLocks noGrp="1"/>
+          </p:cNvSpPr>
+          <p:nvPr>
+            <p:ph type="title"/>
+          </p:nvPr>
+        </p:nvSpPr>
+        <p:spPr/>
+        <p:txBody>
+          <a:bodyPr/>
+          <a:lstStyle/>
+          <a:p>
+            <a:r>
+              <a:rPr lang="en-US" altLang="ko-KR" dirty="0"/>
+              <a:t>SVD </a:t>
+            </a:r>
+            <a:r>
+              <a:rPr lang="ko-KR" altLang="en-US" dirty="0"/>
+              <a:t>예제 코드 설명 </a:t>
+            </a:r>
+            <a:r>
+              <a:rPr lang="en-US" altLang="ko-KR" dirty="0"/>
+              <a:t>-4</a:t>
+            </a:r>
+            <a:endParaRPr lang="ko-KR" altLang="en-US" dirty="0"/>
+          </a:p>
+        </p:txBody>
+      </p:sp>
+      <p:sp>
+        <p:nvSpPr>
+          <p:cNvPr id="3" name="TextBox 2">
+            <a:extLst>
+              <a:ext uri="{FF2B5EF4-FFF2-40B4-BE49-F238E27FC236}">
+                <a16:creationId xmlns:a16="http://schemas.microsoft.com/office/drawing/2014/main" id="{AA15B94B-3759-4E36-BE6C-CADA257EE729}"/>
+              </a:ext>
+            </a:extLst>
+          </p:cNvPr>
+          <p:cNvSpPr txBox="1"/>
+          <p:nvPr/>
+        </p:nvSpPr>
+        <p:spPr>
+          <a:xfrm>
+            <a:off x="3123210" y="1690688"/>
+            <a:ext cx="8230590" cy="2308324"/>
+          </a:xfrm>
+          <a:prstGeom prst="rect">
+            <a:avLst/>
+          </a:prstGeom>
+          <a:noFill/>
+        </p:spPr>
+        <p:txBody>
+          <a:bodyPr wrap="square" rtlCol="0">
+            <a:spAutoFit/>
+          </a:bodyPr>
+          <a:lstStyle/>
+          <a:p>
+            <a:r>
+              <a:rPr lang="ko-KR" altLang="en-US" dirty="0"/>
+              <a:t>유사도를 계산하여 추천 시스템 알고리즘을 적용하기</a:t>
+            </a:r>
+            <a:endParaRPr lang="en-US" altLang="ko-KR" dirty="0"/>
+          </a:p>
+          <a:p>
+            <a:pPr marL="342900" indent="-342900">
+              <a:buAutoNum type="arabicPeriod"/>
+            </a:pPr>
+            <a:r>
+              <a:rPr lang="ko-KR" altLang="en-US" dirty="0"/>
+              <a:t>사용자 </a:t>
+            </a:r>
+            <a:r>
+              <a:rPr lang="en-US" altLang="ko-KR" dirty="0"/>
+              <a:t>x </a:t>
+            </a:r>
+            <a:r>
+              <a:rPr lang="ko-KR" altLang="en-US" dirty="0"/>
+              <a:t>사용자 유사도</a:t>
+            </a:r>
+            <a:endParaRPr lang="en-US" altLang="ko-KR" dirty="0"/>
+          </a:p>
+          <a:p>
+            <a:pPr marL="342900" indent="-342900">
+              <a:buAutoNum type="arabicPeriod"/>
+            </a:pPr>
+            <a:r>
+              <a:rPr lang="ko-KR" altLang="en-US" dirty="0"/>
+              <a:t>전치</a:t>
+            </a:r>
+            <a:r>
+              <a:rPr lang="en-US" altLang="ko-KR" dirty="0"/>
+              <a:t>(transpose) </a:t>
+            </a:r>
+          </a:p>
+          <a:p>
+            <a:pPr marL="342900" indent="-342900">
+              <a:buAutoNum type="arabicPeriod"/>
+            </a:pPr>
+            <a:r>
+              <a:rPr lang="en-US" altLang="ko-KR" dirty="0"/>
+              <a:t>U1~U4 , U5~U7 </a:t>
+            </a:r>
+            <a:r>
+              <a:rPr lang="ko-KR" altLang="en-US" dirty="0"/>
+              <a:t>각각 유사하다고 판단할 수 있음</a:t>
+            </a:r>
+            <a:endParaRPr lang="en-US" altLang="ko-KR" dirty="0"/>
+          </a:p>
+          <a:p>
+            <a:endParaRPr lang="en-US" altLang="ko-KR" dirty="0"/>
+          </a:p>
+          <a:p>
+            <a:r>
+              <a:rPr lang="en-US" altLang="ko-KR" dirty="0"/>
+              <a:t>U1~U4 : </a:t>
+            </a:r>
+            <a:r>
+              <a:rPr lang="ko-KR" altLang="en-US" dirty="0" err="1"/>
+              <a:t>캐쥬얼</a:t>
+            </a:r>
+            <a:endParaRPr lang="en-US" altLang="ko-KR" dirty="0"/>
+          </a:p>
+          <a:p>
+            <a:r>
+              <a:rPr lang="en-US" altLang="ko-KR" dirty="0"/>
+              <a:t>U5~U7 : </a:t>
+            </a:r>
+            <a:r>
+              <a:rPr lang="ko-KR" altLang="en-US" dirty="0"/>
+              <a:t>클래식</a:t>
+            </a:r>
+            <a:endParaRPr lang="en-US" altLang="ko-KR" dirty="0"/>
+          </a:p>
+          <a:p>
+            <a:r>
+              <a:rPr lang="ko-KR" altLang="en-US" dirty="0"/>
+              <a:t> </a:t>
+            </a:r>
+            <a:endParaRPr lang="en-US" altLang="ko-KR" dirty="0"/>
+          </a:p>
+        </p:txBody>
+      </p:sp>
+      <p:sp>
+        <p:nvSpPr>
+          <p:cNvPr id="5" name="직사각형 4">
+            <a:extLst>
+              <a:ext uri="{FF2B5EF4-FFF2-40B4-BE49-F238E27FC236}">
+                <a16:creationId xmlns:a16="http://schemas.microsoft.com/office/drawing/2014/main" id="{7224E65B-9E69-457C-94B9-C1CF4BF4532B}"/>
+              </a:ext>
+            </a:extLst>
+          </p:cNvPr>
+          <p:cNvSpPr/>
+          <p:nvPr/>
+        </p:nvSpPr>
+        <p:spPr>
+          <a:xfrm>
+            <a:off x="1082127" y="2100169"/>
+            <a:ext cx="799768" cy="525044"/>
+          </a:xfrm>
+          <a:prstGeom prst="rect">
+            <a:avLst/>
+          </a:prstGeom>
+          <a:noFill/>
+          <a:ln w="28575">
+            <a:solidFill>
+              <a:srgbClr val="C00000"/>
+            </a:solidFill>
+          </a:ln>
+        </p:spPr>
+        <p:style>
+          <a:lnRef idx="2">
+            <a:schemeClr val="accent1">
+              <a:shade val="50000"/>
+            </a:schemeClr>
+          </a:lnRef>
+          <a:fillRef idx="1">
+            <a:schemeClr val="accent1"/>
+          </a:fillRef>
+          <a:effectRef idx="0">
+            <a:schemeClr val="accent1"/>
+          </a:effectRef>
+          <a:fontRef idx="minor">
+            <a:schemeClr val="lt1"/>
+          </a:fontRef>
+        </p:style>
+        <p:txBody>
+          <a:bodyPr rtlCol="0" anchor="ctr"/>
+          <a:lstStyle/>
+          <a:p>
+            <a:pPr algn="ctr"/>
+            <a:endParaRPr lang="ko-KR" altLang="en-US"/>
+          </a:p>
+        </p:txBody>
+      </p:sp>
+      <p:sp>
+        <p:nvSpPr>
+          <p:cNvPr id="6" name="직사각형 5">
+            <a:extLst>
+              <a:ext uri="{FF2B5EF4-FFF2-40B4-BE49-F238E27FC236}">
+                <a16:creationId xmlns:a16="http://schemas.microsoft.com/office/drawing/2014/main" id="{2610C88C-5C3D-4504-9999-E2D78829C7B4}"/>
+              </a:ext>
+            </a:extLst>
+          </p:cNvPr>
+          <p:cNvSpPr/>
+          <p:nvPr/>
+        </p:nvSpPr>
+        <p:spPr>
+          <a:xfrm>
+            <a:off x="1917372" y="2625213"/>
+            <a:ext cx="607552" cy="391038"/>
+          </a:xfrm>
+          <a:prstGeom prst="rect">
+            <a:avLst/>
+          </a:prstGeom>
+          <a:noFill/>
+          <a:ln w="28575">
+            <a:solidFill>
+              <a:srgbClr val="C00000"/>
+            </a:solidFill>
+          </a:ln>
+        </p:spPr>
+        <p:style>
+          <a:lnRef idx="2">
+            <a:schemeClr val="accent1">
+              <a:shade val="50000"/>
+            </a:schemeClr>
+          </a:lnRef>
+          <a:fillRef idx="1">
+            <a:schemeClr val="accent1"/>
+          </a:fillRef>
+          <a:effectRef idx="0">
+            <a:schemeClr val="accent1"/>
+          </a:effectRef>
+          <a:fontRef idx="minor">
+            <a:schemeClr val="lt1"/>
+          </a:fontRef>
+        </p:style>
+        <p:txBody>
+          <a:bodyPr rtlCol="0" anchor="ctr"/>
+          <a:lstStyle/>
+          <a:p>
+            <a:pPr algn="ctr"/>
+            <a:endParaRPr lang="ko-KR" altLang="en-US"/>
+          </a:p>
+        </p:txBody>
+      </p:sp>
     </p:spTree>
     <p:extLst>
       <p:ext uri="{BB962C8B-B14F-4D97-AF65-F5344CB8AC3E}">
-        <p14:creationId xmlns:p14="http://schemas.microsoft.com/office/powerpoint/2010/main" val="365986319"/>
+        <p14:creationId xmlns:p14="http://schemas.microsoft.com/office/powerpoint/2010/main" val="2945227285"/>
       </p:ext>
     </p:extLst>
   </p:cSld>
